--- a/presentation/Unobtrusive_Javascript.pptx
+++ b/presentation/Unobtrusive_Javascript.pptx
@@ -2,11 +2,13 @@
 <file path=ppt/presentation.xml><?xml version="1.0" encoding="utf-8"?>
 <p:presentation xmlns:a="http://schemas.openxmlformats.org/drawingml/2006/main" xmlns:r="http://schemas.openxmlformats.org/officeDocument/2006/relationships" xmlns:p="http://schemas.openxmlformats.org/presentationml/2006/main" saveSubsetFonts="1">
   <p:sldMasterIdLst>
-    <p:sldMasterId id="2147483648" r:id="rId1"/>
+    <p:sldMasterId id="2147483732" r:id="rId1"/>
   </p:sldMasterIdLst>
   <p:sldIdLst>
     <p:sldId id="256" r:id="rId2"/>
     <p:sldId id="257" r:id="rId3"/>
+    <p:sldId id="258" r:id="rId4"/>
+    <p:sldId id="259" r:id="rId5"/>
   </p:sldIdLst>
   <p:sldSz cx="9144000" cy="6858000" type="screen4x3"/>
   <p:notesSz cx="6858000" cy="9144000"/>
@@ -109,8 +111,13 @@
 </file>
 
 <file path=ppt/slideLayouts/slideLayout1.xml><?xml version="1.0" encoding="utf-8"?>
-<p:sldLayout xmlns:a="http://schemas.openxmlformats.org/drawingml/2006/main" xmlns:r="http://schemas.openxmlformats.org/officeDocument/2006/relationships" xmlns:p="http://schemas.openxmlformats.org/presentationml/2006/main" type="title" preserve="1">
+<p:sldLayout xmlns:a="http://schemas.openxmlformats.org/drawingml/2006/main" xmlns:r="http://schemas.openxmlformats.org/officeDocument/2006/relationships" xmlns:p="http://schemas.openxmlformats.org/presentationml/2006/main" showMasterSp="0" type="title" preserve="1">
   <p:cSld name="Title Slide">
+    <p:bg>
+      <p:bgRef idx="1001">
+        <a:schemeClr val="bg2"/>
+      </p:bgRef>
+    </p:bg>
     <p:spTree>
       <p:nvGrpSpPr>
         <p:cNvPr id="1" name=""/>
@@ -127,7 +134,149 @@
       </p:grpSpPr>
       <p:sp>
         <p:nvSpPr>
-          <p:cNvPr id="2" name="Title 1"/>
+          <p:cNvPr id="7" name="Rectangle 6"/>
+          <p:cNvSpPr/>
+          <p:nvPr/>
+        </p:nvSpPr>
+        <p:spPr bwMode="white">
+          <a:xfrm>
+            <a:off x="0" y="5971032"/>
+            <a:ext cx="9144000" cy="886968"/>
+          </a:xfrm>
+          <a:prstGeom prst="rect">
+            <a:avLst/>
+          </a:prstGeom>
+          <a:solidFill>
+            <a:srgbClr val="FFFFFF"/>
+          </a:solidFill>
+          <a:ln w="50800" cap="rnd" cmpd="dbl" algn="ctr">
+            <a:noFill/>
+            <a:prstDash val="solid"/>
+          </a:ln>
+          <a:effectLst/>
+        </p:spPr>
+        <p:style>
+          <a:lnRef idx="3">
+            <a:schemeClr val="lt1"/>
+          </a:lnRef>
+          <a:fillRef idx="1">
+            <a:schemeClr val="accent1"/>
+          </a:fillRef>
+          <a:effectRef idx="1">
+            <a:schemeClr val="accent1"/>
+          </a:effectRef>
+          <a:fontRef idx="minor">
+            <a:schemeClr val="lt1"/>
+          </a:fontRef>
+        </p:style>
+        <p:txBody>
+          <a:bodyPr anchor="ctr"/>
+          <a:lstStyle/>
+          <a:p>
+            <a:pPr algn="ctr" eaLnBrk="1" latinLnBrk="0" hangingPunct="1"/>
+            <a:endParaRPr kumimoji="0" lang="en-US"/>
+          </a:p>
+        </p:txBody>
+      </p:sp>
+      <p:sp>
+        <p:nvSpPr>
+          <p:cNvPr id="10" name="Rectangle 9"/>
+          <p:cNvSpPr/>
+          <p:nvPr/>
+        </p:nvSpPr>
+        <p:spPr>
+          <a:xfrm>
+            <a:off x="-9144" y="6053328"/>
+            <a:ext cx="2249424" cy="713232"/>
+          </a:xfrm>
+          <a:prstGeom prst="rect">
+            <a:avLst/>
+          </a:prstGeom>
+          <a:solidFill>
+            <a:schemeClr val="accent2">
+              <a:alpha val="100000"/>
+            </a:schemeClr>
+          </a:solidFill>
+          <a:ln w="50800" cap="rnd" cmpd="dbl" algn="ctr">
+            <a:noFill/>
+            <a:prstDash val="solid"/>
+          </a:ln>
+          <a:effectLst/>
+        </p:spPr>
+        <p:style>
+          <a:lnRef idx="3">
+            <a:schemeClr val="lt1"/>
+          </a:lnRef>
+          <a:fillRef idx="1">
+            <a:schemeClr val="accent1"/>
+          </a:fillRef>
+          <a:effectRef idx="1">
+            <a:schemeClr val="accent1"/>
+          </a:effectRef>
+          <a:fontRef idx="minor">
+            <a:schemeClr val="lt1"/>
+          </a:fontRef>
+        </p:style>
+        <p:txBody>
+          <a:bodyPr anchor="ctr"/>
+          <a:lstStyle/>
+          <a:p>
+            <a:pPr algn="ctr" eaLnBrk="1" latinLnBrk="0" hangingPunct="1"/>
+            <a:endParaRPr kumimoji="0" lang="en-US"/>
+          </a:p>
+        </p:txBody>
+      </p:sp>
+      <p:sp>
+        <p:nvSpPr>
+          <p:cNvPr id="11" name="Rectangle 10"/>
+          <p:cNvSpPr/>
+          <p:nvPr/>
+        </p:nvSpPr>
+        <p:spPr>
+          <a:xfrm>
+            <a:off x="2359152" y="6044184"/>
+            <a:ext cx="6784848" cy="713232"/>
+          </a:xfrm>
+          <a:prstGeom prst="rect">
+            <a:avLst/>
+          </a:prstGeom>
+          <a:solidFill>
+            <a:schemeClr val="accent1">
+              <a:alpha val="100000"/>
+            </a:schemeClr>
+          </a:solidFill>
+          <a:ln w="50800" cap="rnd" cmpd="dbl" algn="ctr">
+            <a:noFill/>
+            <a:prstDash val="solid"/>
+          </a:ln>
+          <a:effectLst/>
+        </p:spPr>
+        <p:style>
+          <a:lnRef idx="3">
+            <a:schemeClr val="lt1"/>
+          </a:lnRef>
+          <a:fillRef idx="1">
+            <a:schemeClr val="accent1"/>
+          </a:fillRef>
+          <a:effectRef idx="1">
+            <a:schemeClr val="accent1"/>
+          </a:effectRef>
+          <a:fontRef idx="minor">
+            <a:schemeClr val="lt1"/>
+          </a:fontRef>
+        </p:style>
+        <p:txBody>
+          <a:bodyPr anchor="ctr"/>
+          <a:lstStyle/>
+          <a:p>
+            <a:pPr algn="ctr" eaLnBrk="1" latinLnBrk="0" hangingPunct="1"/>
+            <a:endParaRPr kumimoji="0" lang="en-US"/>
+          </a:p>
+        </p:txBody>
+      </p:sp>
+      <p:sp>
+        <p:nvSpPr>
+          <p:cNvPr id="8" name="Title 7"/>
           <p:cNvSpPr>
             <a:spLocks noGrp="1"/>
           </p:cNvSpPr>
@@ -137,25 +286,29 @@
         </p:nvSpPr>
         <p:spPr>
           <a:xfrm>
-            <a:off x="685800" y="2130425"/>
-            <a:ext cx="7772400" cy="1470025"/>
-          </a:xfrm>
-        </p:spPr>
-        <p:txBody>
-          <a:bodyPr/>
-          <a:lstStyle/>
-          <a:p>
-            <a:r>
-              <a:rPr lang="en-US" smtClean="0"/>
+            <a:off x="2362200" y="4038600"/>
+            <a:ext cx="6477000" cy="1828800"/>
+          </a:xfrm>
+        </p:spPr>
+        <p:txBody>
+          <a:bodyPr anchor="b"/>
+          <a:lstStyle>
+            <a:lvl1pPr>
+              <a:defRPr cap="all" baseline="0"/>
+            </a:lvl1pPr>
+          </a:lstStyle>
+          <a:p>
+            <a:r>
+              <a:rPr kumimoji="0" lang="en-US" smtClean="0"/>
               <a:t>Click to edit Master title style</a:t>
             </a:r>
-            <a:endParaRPr lang="en-US"/>
-          </a:p>
-        </p:txBody>
-      </p:sp>
-      <p:sp>
-        <p:nvSpPr>
-          <p:cNvPr id="3" name="Subtitle 2"/>
+            <a:endParaRPr kumimoji="0" lang="en-US"/>
+          </a:p>
+        </p:txBody>
+      </p:sp>
+      <p:sp>
+        <p:nvSpPr>
+          <p:cNvPr id="9" name="Subtitle 8"/>
           <p:cNvSpPr>
             <a:spLocks noGrp="1"/>
           </p:cNvSpPr>
@@ -165,170 +318,155 @@
         </p:nvSpPr>
         <p:spPr>
           <a:xfrm>
-            <a:off x="1371600" y="3886200"/>
-            <a:ext cx="6400800" cy="1752600"/>
-          </a:xfrm>
-        </p:spPr>
-        <p:txBody>
-          <a:bodyPr/>
+            <a:off x="2362200" y="6050037"/>
+            <a:ext cx="6705600" cy="685800"/>
+          </a:xfrm>
+        </p:spPr>
+        <p:txBody>
+          <a:bodyPr anchor="ctr">
+            <a:normAutofit/>
+          </a:bodyPr>
           <a:lstStyle>
-            <a:lvl1pPr marL="0" indent="0" algn="ctr">
+            <a:lvl1pPr marL="0" indent="0" algn="l">
               <a:buNone/>
-              <a:defRPr>
+              <a:defRPr sz="2600">
                 <a:solidFill>
-                  <a:schemeClr val="tx1">
-                    <a:tint val="75000"/>
-                  </a:schemeClr>
+                  <a:srgbClr val="FFFFFF"/>
                 </a:solidFill>
               </a:defRPr>
             </a:lvl1pPr>
             <a:lvl2pPr marL="457200" indent="0" algn="ctr">
               <a:buNone/>
-              <a:defRPr>
-                <a:solidFill>
-                  <a:schemeClr val="tx1">
-                    <a:tint val="75000"/>
-                  </a:schemeClr>
-                </a:solidFill>
-              </a:defRPr>
             </a:lvl2pPr>
             <a:lvl3pPr marL="914400" indent="0" algn="ctr">
               <a:buNone/>
-              <a:defRPr>
-                <a:solidFill>
-                  <a:schemeClr val="tx1">
-                    <a:tint val="75000"/>
-                  </a:schemeClr>
-                </a:solidFill>
-              </a:defRPr>
             </a:lvl3pPr>
             <a:lvl4pPr marL="1371600" indent="0" algn="ctr">
               <a:buNone/>
-              <a:defRPr>
-                <a:solidFill>
-                  <a:schemeClr val="tx1">
-                    <a:tint val="75000"/>
-                  </a:schemeClr>
-                </a:solidFill>
-              </a:defRPr>
             </a:lvl4pPr>
             <a:lvl5pPr marL="1828800" indent="0" algn="ctr">
               <a:buNone/>
-              <a:defRPr>
-                <a:solidFill>
-                  <a:schemeClr val="tx1">
-                    <a:tint val="75000"/>
-                  </a:schemeClr>
-                </a:solidFill>
-              </a:defRPr>
             </a:lvl5pPr>
             <a:lvl6pPr marL="2286000" indent="0" algn="ctr">
               <a:buNone/>
-              <a:defRPr>
-                <a:solidFill>
-                  <a:schemeClr val="tx1">
-                    <a:tint val="75000"/>
-                  </a:schemeClr>
-                </a:solidFill>
-              </a:defRPr>
             </a:lvl6pPr>
             <a:lvl7pPr marL="2743200" indent="0" algn="ctr">
               <a:buNone/>
-              <a:defRPr>
-                <a:solidFill>
-                  <a:schemeClr val="tx1">
-                    <a:tint val="75000"/>
-                  </a:schemeClr>
-                </a:solidFill>
-              </a:defRPr>
             </a:lvl7pPr>
             <a:lvl8pPr marL="3200400" indent="0" algn="ctr">
               <a:buNone/>
-              <a:defRPr>
-                <a:solidFill>
-                  <a:schemeClr val="tx1">
-                    <a:tint val="75000"/>
-                  </a:schemeClr>
-                </a:solidFill>
-              </a:defRPr>
             </a:lvl8pPr>
             <a:lvl9pPr marL="3657600" indent="0" algn="ctr">
               <a:buNone/>
+            </a:lvl9pPr>
+          </a:lstStyle>
+          <a:p>
+            <a:r>
+              <a:rPr kumimoji="0" lang="en-US" smtClean="0"/>
+              <a:t>Click to edit Master subtitle style</a:t>
+            </a:r>
+            <a:endParaRPr kumimoji="0" lang="en-US"/>
+          </a:p>
+        </p:txBody>
+      </p:sp>
+      <p:sp>
+        <p:nvSpPr>
+          <p:cNvPr id="28" name="Date Placeholder 27"/>
+          <p:cNvSpPr>
+            <a:spLocks noGrp="1"/>
+          </p:cNvSpPr>
+          <p:nvPr>
+            <p:ph type="dt" sz="half" idx="10"/>
+          </p:nvPr>
+        </p:nvSpPr>
+        <p:spPr>
+          <a:xfrm>
+            <a:off x="76200" y="6068699"/>
+            <a:ext cx="2057400" cy="685800"/>
+          </a:xfrm>
+        </p:spPr>
+        <p:txBody>
+          <a:bodyPr>
+            <a:noAutofit/>
+          </a:bodyPr>
+          <a:lstStyle>
+            <a:lvl1pPr algn="ctr">
+              <a:defRPr sz="2000">
+                <a:solidFill>
+                  <a:srgbClr val="FFFFFF"/>
+                </a:solidFill>
+              </a:defRPr>
+            </a:lvl1pPr>
+          </a:lstStyle>
+          <a:p>
+            <a:fld id="{1D8BD707-D9CF-40AE-B4C6-C98DA3205C09}" type="datetimeFigureOut">
+              <a:rPr lang="en-US" smtClean="0"/>
+              <a:pPr/>
+              <a:t>6/24/2009</a:t>
+            </a:fld>
+            <a:endParaRPr lang="en-US"/>
+          </a:p>
+        </p:txBody>
+      </p:sp>
+      <p:sp>
+        <p:nvSpPr>
+          <p:cNvPr id="17" name="Footer Placeholder 16"/>
+          <p:cNvSpPr>
+            <a:spLocks noGrp="1"/>
+          </p:cNvSpPr>
+          <p:nvPr>
+            <p:ph type="ftr" sz="quarter" idx="11"/>
+          </p:nvPr>
+        </p:nvSpPr>
+        <p:spPr>
+          <a:xfrm>
+            <a:off x="2085393" y="236538"/>
+            <a:ext cx="5867400" cy="365125"/>
+          </a:xfrm>
+        </p:spPr>
+        <p:txBody>
+          <a:bodyPr/>
+          <a:lstStyle>
+            <a:lvl1pPr algn="r">
               <a:defRPr>
                 <a:solidFill>
-                  <a:schemeClr val="tx1">
-                    <a:tint val="75000"/>
-                  </a:schemeClr>
+                  <a:schemeClr val="tx2"/>
                 </a:solidFill>
               </a:defRPr>
-            </a:lvl9pPr>
+            </a:lvl1pPr>
           </a:lstStyle>
           <a:p>
-            <a:r>
-              <a:rPr lang="en-US" smtClean="0"/>
-              <a:t>Click to edit Master subtitle style</a:t>
-            </a:r>
             <a:endParaRPr lang="en-US"/>
           </a:p>
         </p:txBody>
       </p:sp>
       <p:sp>
         <p:nvSpPr>
-          <p:cNvPr id="4" name="Date Placeholder 3"/>
-          <p:cNvSpPr>
-            <a:spLocks noGrp="1"/>
-          </p:cNvSpPr>
-          <p:nvPr>
-            <p:ph type="dt" sz="half" idx="10"/>
-          </p:nvPr>
-        </p:nvSpPr>
-        <p:spPr/>
+          <p:cNvPr id="29" name="Slide Number Placeholder 28"/>
+          <p:cNvSpPr>
+            <a:spLocks noGrp="1"/>
+          </p:cNvSpPr>
+          <p:nvPr>
+            <p:ph type="sldNum" sz="quarter" idx="12"/>
+          </p:nvPr>
+        </p:nvSpPr>
+        <p:spPr>
+          <a:xfrm>
+            <a:off x="8001000" y="228600"/>
+            <a:ext cx="838200" cy="381000"/>
+          </a:xfrm>
+        </p:spPr>
         <p:txBody>
           <a:bodyPr/>
-          <a:lstStyle/>
-          <a:p>
-            <a:fld id="{1D8BD707-D9CF-40AE-B4C6-C98DA3205C09}" type="datetimeFigureOut">
-              <a:rPr lang="en-US" smtClean="0"/>
-              <a:pPr/>
-              <a:t>6/23/2009</a:t>
-            </a:fld>
-            <a:endParaRPr lang="en-US"/>
-          </a:p>
-        </p:txBody>
-      </p:sp>
-      <p:sp>
-        <p:nvSpPr>
-          <p:cNvPr id="5" name="Footer Placeholder 4"/>
-          <p:cNvSpPr>
-            <a:spLocks noGrp="1"/>
-          </p:cNvSpPr>
-          <p:nvPr>
-            <p:ph type="ftr" sz="quarter" idx="11"/>
-          </p:nvPr>
-        </p:nvSpPr>
-        <p:spPr/>
-        <p:txBody>
-          <a:bodyPr/>
-          <a:lstStyle/>
-          <a:p>
-            <a:endParaRPr lang="en-US"/>
-          </a:p>
-        </p:txBody>
-      </p:sp>
-      <p:sp>
-        <p:nvSpPr>
-          <p:cNvPr id="6" name="Slide Number Placeholder 5"/>
-          <p:cNvSpPr>
-            <a:spLocks noGrp="1"/>
-          </p:cNvSpPr>
-          <p:nvPr>
-            <p:ph type="sldNum" sz="quarter" idx="12"/>
-          </p:nvPr>
-        </p:nvSpPr>
-        <p:spPr/>
-        <p:txBody>
-          <a:bodyPr/>
-          <a:lstStyle/>
+          <a:lstStyle>
+            <a:lvl1pPr>
+              <a:defRPr>
+                <a:solidFill>
+                  <a:schemeClr val="tx2"/>
+                </a:solidFill>
+              </a:defRPr>
+            </a:lvl1pPr>
+          </a:lstStyle>
           <a:p>
             <a:fld id="{B6F15528-21DE-4FAA-801E-634DDDAF4B2B}" type="slidenum">
               <a:rPr lang="en-US" smtClean="0"/>
@@ -342,7 +480,7 @@
     </p:spTree>
   </p:cSld>
   <p:clrMapOvr>
-    <a:masterClrMapping/>
+    <a:overrideClrMapping bg1="dk1" tx1="lt1" bg2="dk2" tx2="lt2" accent1="accent1" accent2="accent2" accent3="accent3" accent4="accent4" accent5="accent5" accent6="accent6" hlink="hlink" folHlink="folHlink"/>
   </p:clrMapOvr>
 </p:sldLayout>
 </file>
@@ -380,10 +518,10 @@
           <a:lstStyle/>
           <a:p>
             <a:r>
-              <a:rPr lang="en-US" smtClean="0"/>
+              <a:rPr kumimoji="0" lang="en-US" smtClean="0"/>
               <a:t>Click to edit Master title style</a:t>
             </a:r>
-            <a:endParaRPr lang="en-US"/>
+            <a:endParaRPr kumimoji="0" lang="en-US"/>
           </a:p>
         </p:txBody>
       </p:sp>
@@ -402,40 +540,40 @@
           <a:bodyPr vert="eaVert"/>
           <a:lstStyle/>
           <a:p>
-            <a:pPr lvl="0"/>
+            <a:pPr lvl="0" eaLnBrk="1" latinLnBrk="0" hangingPunct="1"/>
             <a:r>
               <a:rPr lang="en-US" smtClean="0"/>
               <a:t>Click to edit Master text styles</a:t>
             </a:r>
           </a:p>
           <a:p>
-            <a:pPr lvl="1"/>
+            <a:pPr lvl="1" eaLnBrk="1" latinLnBrk="0" hangingPunct="1"/>
             <a:r>
               <a:rPr lang="en-US" smtClean="0"/>
               <a:t>Second level</a:t>
             </a:r>
           </a:p>
           <a:p>
-            <a:pPr lvl="2"/>
+            <a:pPr lvl="2" eaLnBrk="1" latinLnBrk="0" hangingPunct="1"/>
             <a:r>
               <a:rPr lang="en-US" smtClean="0"/>
               <a:t>Third level</a:t>
             </a:r>
           </a:p>
           <a:p>
-            <a:pPr lvl="3"/>
+            <a:pPr lvl="3" eaLnBrk="1" latinLnBrk="0" hangingPunct="1"/>
             <a:r>
               <a:rPr lang="en-US" smtClean="0"/>
               <a:t>Fourth level</a:t>
             </a:r>
           </a:p>
           <a:p>
-            <a:pPr lvl="4"/>
+            <a:pPr lvl="4" eaLnBrk="1" latinLnBrk="0" hangingPunct="1"/>
             <a:r>
               <a:rPr lang="en-US" smtClean="0"/>
               <a:t>Fifth level</a:t>
             </a:r>
-            <a:endParaRPr lang="en-US"/>
+            <a:endParaRPr kumimoji="0" lang="en-US"/>
           </a:p>
         </p:txBody>
       </p:sp>
@@ -457,7 +595,7 @@
             <a:fld id="{1D8BD707-D9CF-40AE-B4C6-C98DA3205C09}" type="datetimeFigureOut">
               <a:rPr lang="en-US" smtClean="0"/>
               <a:pPr/>
-              <a:t>6/23/2009</a:t>
+              <a:t>6/24/2009</a:t>
             </a:fld>
             <a:endParaRPr lang="en-US"/>
           </a:p>
@@ -515,8 +653,13 @@
 </file>
 
 <file path=ppt/slideLayouts/slideLayout11.xml><?xml version="1.0" encoding="utf-8"?>
-<p:sldLayout xmlns:a="http://schemas.openxmlformats.org/drawingml/2006/main" xmlns:r="http://schemas.openxmlformats.org/officeDocument/2006/relationships" xmlns:p="http://schemas.openxmlformats.org/presentationml/2006/main" type="vertTitleAndTx" preserve="1">
+<p:sldLayout xmlns:a="http://schemas.openxmlformats.org/drawingml/2006/main" xmlns:r="http://schemas.openxmlformats.org/officeDocument/2006/relationships" xmlns:p="http://schemas.openxmlformats.org/presentationml/2006/main" showMasterSp="0" type="vertTitleAndTx" preserve="1">
   <p:cSld name="Vertical Title and Text">
+    <p:bg>
+      <p:bgRef idx="1001">
+        <a:schemeClr val="bg1"/>
+      </p:bgRef>
+    </p:bg>
     <p:spTree>
       <p:nvGrpSpPr>
         <p:cNvPr id="1" name=""/>
@@ -543,8 +686,8 @@
         </p:nvSpPr>
         <p:spPr>
           <a:xfrm>
-            <a:off x="6629400" y="274638"/>
-            <a:ext cx="2057400" cy="5851525"/>
+            <a:off x="6553200" y="609600"/>
+            <a:ext cx="2057400" cy="5516563"/>
           </a:xfrm>
         </p:spPr>
         <p:txBody>
@@ -552,10 +695,10 @@
           <a:lstStyle/>
           <a:p>
             <a:r>
-              <a:rPr lang="en-US" smtClean="0"/>
+              <a:rPr kumimoji="0" lang="en-US" smtClean="0"/>
               <a:t>Click to edit Master title style</a:t>
             </a:r>
-            <a:endParaRPr lang="en-US"/>
+            <a:endParaRPr kumimoji="0" lang="en-US"/>
           </a:p>
         </p:txBody>
       </p:sp>
@@ -571,48 +714,48 @@
         </p:nvSpPr>
         <p:spPr>
           <a:xfrm>
-            <a:off x="457200" y="274638"/>
-            <a:ext cx="6019800" cy="5851525"/>
+            <a:off x="457200" y="609600"/>
+            <a:ext cx="5562600" cy="5516564"/>
           </a:xfrm>
         </p:spPr>
         <p:txBody>
           <a:bodyPr vert="eaVert"/>
           <a:lstStyle/>
           <a:p>
-            <a:pPr lvl="0"/>
+            <a:pPr lvl="0" eaLnBrk="1" latinLnBrk="0" hangingPunct="1"/>
             <a:r>
               <a:rPr lang="en-US" smtClean="0"/>
               <a:t>Click to edit Master text styles</a:t>
             </a:r>
           </a:p>
           <a:p>
-            <a:pPr lvl="1"/>
+            <a:pPr lvl="1" eaLnBrk="1" latinLnBrk="0" hangingPunct="1"/>
             <a:r>
               <a:rPr lang="en-US" smtClean="0"/>
               <a:t>Second level</a:t>
             </a:r>
           </a:p>
           <a:p>
-            <a:pPr lvl="2"/>
+            <a:pPr lvl="2" eaLnBrk="1" latinLnBrk="0" hangingPunct="1"/>
             <a:r>
               <a:rPr lang="en-US" smtClean="0"/>
               <a:t>Third level</a:t>
             </a:r>
           </a:p>
           <a:p>
-            <a:pPr lvl="3"/>
+            <a:pPr lvl="3" eaLnBrk="1" latinLnBrk="0" hangingPunct="1"/>
             <a:r>
               <a:rPr lang="en-US" smtClean="0"/>
               <a:t>Fourth level</a:t>
             </a:r>
           </a:p>
           <a:p>
-            <a:pPr lvl="4"/>
+            <a:pPr lvl="4" eaLnBrk="1" latinLnBrk="0" hangingPunct="1"/>
             <a:r>
               <a:rPr lang="en-US" smtClean="0"/>
               <a:t>Fifth level</a:t>
             </a:r>
-            <a:endParaRPr lang="en-US"/>
+            <a:endParaRPr kumimoji="0" lang="en-US"/>
           </a:p>
         </p:txBody>
       </p:sp>
@@ -626,7 +769,12 @@
             <p:ph type="dt" sz="half" idx="10"/>
           </p:nvPr>
         </p:nvSpPr>
-        <p:spPr/>
+        <p:spPr>
+          <a:xfrm>
+            <a:off x="6553200" y="6248402"/>
+            <a:ext cx="2209800" cy="365125"/>
+          </a:xfrm>
+        </p:spPr>
         <p:txBody>
           <a:bodyPr/>
           <a:lstStyle/>
@@ -634,7 +782,7 @@
             <a:fld id="{1D8BD707-D9CF-40AE-B4C6-C98DA3205C09}" type="datetimeFigureOut">
               <a:rPr lang="en-US" smtClean="0"/>
               <a:pPr/>
-              <a:t>6/23/2009</a:t>
+              <a:t>6/24/2009</a:t>
             </a:fld>
             <a:endParaRPr lang="en-US"/>
           </a:p>
@@ -650,7 +798,12 @@
             <p:ph type="ftr" sz="quarter" idx="11"/>
           </p:nvPr>
         </p:nvSpPr>
-        <p:spPr/>
+        <p:spPr>
+          <a:xfrm>
+            <a:off x="457201" y="6248207"/>
+            <a:ext cx="5573483" cy="365125"/>
+          </a:xfrm>
+        </p:spPr>
         <p:txBody>
           <a:bodyPr/>
           <a:lstStyle/>
@@ -661,6 +814,141 @@
       </p:sp>
       <p:sp>
         <p:nvSpPr>
+          <p:cNvPr id="7" name="Rectangle 6"/>
+          <p:cNvSpPr/>
+          <p:nvPr/>
+        </p:nvSpPr>
+        <p:spPr bwMode="white">
+          <a:xfrm>
+            <a:off x="6096318" y="0"/>
+            <a:ext cx="320040" cy="6858000"/>
+          </a:xfrm>
+          <a:prstGeom prst="rect">
+            <a:avLst/>
+          </a:prstGeom>
+          <a:solidFill>
+            <a:srgbClr val="FFFFFF"/>
+          </a:solidFill>
+          <a:ln w="19050" cap="flat" cmpd="sng" algn="ctr">
+            <a:noFill/>
+            <a:prstDash val="solid"/>
+          </a:ln>
+        </p:spPr>
+        <p:style>
+          <a:lnRef idx="2">
+            <a:schemeClr val="accent1"/>
+          </a:lnRef>
+          <a:fillRef idx="1">
+            <a:schemeClr val="accent1"/>
+          </a:fillRef>
+          <a:effectRef idx="0">
+            <a:schemeClr val="accent1"/>
+          </a:effectRef>
+          <a:fontRef idx="minor">
+            <a:schemeClr val="lt1"/>
+          </a:fontRef>
+        </p:style>
+        <p:txBody>
+          <a:bodyPr rtlCol="0" anchor="ctr"/>
+          <a:lstStyle/>
+          <a:p>
+            <a:pPr algn="ctr" eaLnBrk="1" latinLnBrk="0" hangingPunct="1"/>
+            <a:endParaRPr kumimoji="0" lang="en-US"/>
+          </a:p>
+        </p:txBody>
+      </p:sp>
+      <p:sp>
+        <p:nvSpPr>
+          <p:cNvPr id="8" name="Rectangle 7"/>
+          <p:cNvSpPr/>
+          <p:nvPr/>
+        </p:nvSpPr>
+        <p:spPr>
+          <a:xfrm>
+            <a:off x="6142038" y="609600"/>
+            <a:ext cx="228600" cy="6248400"/>
+          </a:xfrm>
+          <a:prstGeom prst="rect">
+            <a:avLst/>
+          </a:prstGeom>
+          <a:solidFill>
+            <a:schemeClr val="accent1"/>
+          </a:solidFill>
+          <a:ln w="19050" cap="flat" cmpd="sng" algn="ctr">
+            <a:noFill/>
+            <a:prstDash val="solid"/>
+          </a:ln>
+        </p:spPr>
+        <p:style>
+          <a:lnRef idx="2">
+            <a:schemeClr val="accent1"/>
+          </a:lnRef>
+          <a:fillRef idx="1">
+            <a:schemeClr val="accent1"/>
+          </a:fillRef>
+          <a:effectRef idx="0">
+            <a:schemeClr val="accent1"/>
+          </a:effectRef>
+          <a:fontRef idx="minor">
+            <a:schemeClr val="lt1"/>
+          </a:fontRef>
+        </p:style>
+        <p:txBody>
+          <a:bodyPr rtlCol="0" anchor="ctr"/>
+          <a:lstStyle/>
+          <a:p>
+            <a:pPr algn="ctr" eaLnBrk="1" latinLnBrk="0" hangingPunct="1"/>
+            <a:endParaRPr kumimoji="0" lang="en-US"/>
+          </a:p>
+        </p:txBody>
+      </p:sp>
+      <p:sp>
+        <p:nvSpPr>
+          <p:cNvPr id="9" name="Rectangle 8"/>
+          <p:cNvSpPr/>
+          <p:nvPr/>
+        </p:nvSpPr>
+        <p:spPr>
+          <a:xfrm>
+            <a:off x="6142038" y="0"/>
+            <a:ext cx="228600" cy="533400"/>
+          </a:xfrm>
+          <a:prstGeom prst="rect">
+            <a:avLst/>
+          </a:prstGeom>
+          <a:solidFill>
+            <a:schemeClr val="accent2"/>
+          </a:solidFill>
+          <a:ln w="19050" cap="flat" cmpd="sng" algn="ctr">
+            <a:noFill/>
+            <a:prstDash val="solid"/>
+          </a:ln>
+        </p:spPr>
+        <p:style>
+          <a:lnRef idx="2">
+            <a:schemeClr val="accent1"/>
+          </a:lnRef>
+          <a:fillRef idx="1">
+            <a:schemeClr val="accent1"/>
+          </a:fillRef>
+          <a:effectRef idx="0">
+            <a:schemeClr val="accent1"/>
+          </a:effectRef>
+          <a:fontRef idx="minor">
+            <a:schemeClr val="lt1"/>
+          </a:fontRef>
+        </p:style>
+        <p:txBody>
+          <a:bodyPr rtlCol="0" anchor="ctr"/>
+          <a:lstStyle/>
+          <a:p>
+            <a:pPr algn="ctr" eaLnBrk="1" latinLnBrk="0" hangingPunct="1"/>
+            <a:endParaRPr kumimoji="0" lang="en-US"/>
+          </a:p>
+        </p:txBody>
+      </p:sp>
+      <p:sp>
+        <p:nvSpPr>
           <p:cNvPr id="6" name="Slide Number Placeholder 5"/>
           <p:cNvSpPr>
             <a:spLocks noGrp="1"/>
@@ -669,7 +957,12 @@
             <p:ph type="sldNum" sz="quarter" idx="12"/>
           </p:nvPr>
         </p:nvSpPr>
-        <p:spPr/>
+        <p:spPr>
+          <a:xfrm rot="5400000">
+            <a:off x="5989638" y="144462"/>
+            <a:ext cx="533400" cy="244476"/>
+          </a:xfrm>
+        </p:spPr>
         <p:txBody>
           <a:bodyPr/>
           <a:lstStyle/>
@@ -686,7 +979,7 @@
     </p:spTree>
   </p:cSld>
   <p:clrMapOvr>
-    <a:masterClrMapping/>
+    <a:overrideClrMapping bg1="lt1" tx1="dk1" bg2="lt2" tx2="dk2" accent1="accent1" accent2="accent2" accent3="accent3" accent4="accent4" accent5="accent5" accent6="accent6" hlink="hlink" folHlink="folHlink"/>
   </p:clrMapOvr>
 </p:sldLayout>
 </file>
@@ -718,90 +1011,43 @@
             <p:ph type="title"/>
           </p:nvPr>
         </p:nvSpPr>
+        <p:spPr>
+          <a:xfrm>
+            <a:off x="612648" y="228600"/>
+            <a:ext cx="8153400" cy="990600"/>
+          </a:xfrm>
+        </p:spPr>
+        <p:txBody>
+          <a:bodyPr/>
+          <a:lstStyle/>
+          <a:p>
+            <a:r>
+              <a:rPr kumimoji="0" lang="en-US" smtClean="0"/>
+              <a:t>Click to edit Master title style</a:t>
+            </a:r>
+            <a:endParaRPr kumimoji="0" lang="en-US"/>
+          </a:p>
+        </p:txBody>
+      </p:sp>
+      <p:sp>
+        <p:nvSpPr>
+          <p:cNvPr id="4" name="Date Placeholder 3"/>
+          <p:cNvSpPr>
+            <a:spLocks noGrp="1"/>
+          </p:cNvSpPr>
+          <p:nvPr>
+            <p:ph type="dt" sz="half" idx="10"/>
+          </p:nvPr>
+        </p:nvSpPr>
         <p:spPr/>
         <p:txBody>
           <a:bodyPr/>
           <a:lstStyle/>
           <a:p>
-            <a:r>
-              <a:rPr lang="en-US" smtClean="0"/>
-              <a:t>Click to edit Master title style</a:t>
-            </a:r>
-            <a:endParaRPr lang="en-US"/>
-          </a:p>
-        </p:txBody>
-      </p:sp>
-      <p:sp>
-        <p:nvSpPr>
-          <p:cNvPr id="3" name="Content Placeholder 2"/>
-          <p:cNvSpPr>
-            <a:spLocks noGrp="1"/>
-          </p:cNvSpPr>
-          <p:nvPr>
-            <p:ph idx="1"/>
-          </p:nvPr>
-        </p:nvSpPr>
-        <p:spPr/>
-        <p:txBody>
-          <a:bodyPr/>
-          <a:lstStyle/>
-          <a:p>
-            <a:pPr lvl="0"/>
-            <a:r>
-              <a:rPr lang="en-US" smtClean="0"/>
-              <a:t>Click to edit Master text styles</a:t>
-            </a:r>
-          </a:p>
-          <a:p>
-            <a:pPr lvl="1"/>
-            <a:r>
-              <a:rPr lang="en-US" smtClean="0"/>
-              <a:t>Second level</a:t>
-            </a:r>
-          </a:p>
-          <a:p>
-            <a:pPr lvl="2"/>
-            <a:r>
-              <a:rPr lang="en-US" smtClean="0"/>
-              <a:t>Third level</a:t>
-            </a:r>
-          </a:p>
-          <a:p>
-            <a:pPr lvl="3"/>
-            <a:r>
-              <a:rPr lang="en-US" smtClean="0"/>
-              <a:t>Fourth level</a:t>
-            </a:r>
-          </a:p>
-          <a:p>
-            <a:pPr lvl="4"/>
-            <a:r>
-              <a:rPr lang="en-US" smtClean="0"/>
-              <a:t>Fifth level</a:t>
-            </a:r>
-            <a:endParaRPr lang="en-US"/>
-          </a:p>
-        </p:txBody>
-      </p:sp>
-      <p:sp>
-        <p:nvSpPr>
-          <p:cNvPr id="4" name="Date Placeholder 3"/>
-          <p:cNvSpPr>
-            <a:spLocks noGrp="1"/>
-          </p:cNvSpPr>
-          <p:nvPr>
-            <p:ph type="dt" sz="half" idx="10"/>
-          </p:nvPr>
-        </p:nvSpPr>
-        <p:spPr/>
-        <p:txBody>
-          <a:bodyPr/>
-          <a:lstStyle/>
-          <a:p>
             <a:fld id="{1D8BD707-D9CF-40AE-B4C6-C98DA3205C09}" type="datetimeFigureOut">
               <a:rPr lang="en-US" smtClean="0"/>
               <a:pPr/>
-              <a:t>6/23/2009</a:t>
+              <a:t>6/24/2009</a:t>
             </a:fld>
             <a:endParaRPr lang="en-US"/>
           </a:p>
@@ -839,7 +1085,15 @@
         <p:spPr/>
         <p:txBody>
           <a:bodyPr/>
-          <a:lstStyle/>
+          <a:lstStyle>
+            <a:lvl1pPr>
+              <a:defRPr>
+                <a:solidFill>
+                  <a:srgbClr val="FFFFFF"/>
+                </a:solidFill>
+              </a:defRPr>
+            </a:lvl1pPr>
+          </a:lstStyle>
           <a:p>
             <a:fld id="{B6F15528-21DE-4FAA-801E-634DDDAF4B2B}" type="slidenum">
               <a:rPr lang="en-US" smtClean="0"/>
@@ -847,6 +1101,63 @@
               <a:t>‹#›</a:t>
             </a:fld>
             <a:endParaRPr lang="en-US"/>
+          </a:p>
+        </p:txBody>
+      </p:sp>
+      <p:sp>
+        <p:nvSpPr>
+          <p:cNvPr id="8" name="Content Placeholder 7"/>
+          <p:cNvSpPr>
+            <a:spLocks noGrp="1"/>
+          </p:cNvSpPr>
+          <p:nvPr>
+            <p:ph sz="quarter" idx="1"/>
+          </p:nvPr>
+        </p:nvSpPr>
+        <p:spPr>
+          <a:xfrm>
+            <a:off x="612648" y="1600200"/>
+            <a:ext cx="8153400" cy="4495800"/>
+          </a:xfrm>
+        </p:spPr>
+        <p:txBody>
+          <a:bodyPr/>
+          <a:lstStyle/>
+          <a:p>
+            <a:pPr lvl="0" eaLnBrk="1" latinLnBrk="0" hangingPunct="1"/>
+            <a:r>
+              <a:rPr lang="en-US" smtClean="0"/>
+              <a:t>Click to edit Master text styles</a:t>
+            </a:r>
+          </a:p>
+          <a:p>
+            <a:pPr lvl="1" eaLnBrk="1" latinLnBrk="0" hangingPunct="1"/>
+            <a:r>
+              <a:rPr lang="en-US" smtClean="0"/>
+              <a:t>Second level</a:t>
+            </a:r>
+          </a:p>
+          <a:p>
+            <a:pPr lvl="2" eaLnBrk="1" latinLnBrk="0" hangingPunct="1"/>
+            <a:r>
+              <a:rPr lang="en-US" smtClean="0"/>
+              <a:t>Third level</a:t>
+            </a:r>
+          </a:p>
+          <a:p>
+            <a:pPr lvl="3" eaLnBrk="1" latinLnBrk="0" hangingPunct="1"/>
+            <a:r>
+              <a:rPr lang="en-US" smtClean="0"/>
+              <a:t>Fourth level</a:t>
+            </a:r>
+          </a:p>
+          <a:p>
+            <a:pPr lvl="4" eaLnBrk="1" latinLnBrk="0" hangingPunct="1"/>
+            <a:r>
+              <a:rPr lang="en-US" smtClean="0"/>
+              <a:t>Fifth level</a:t>
+            </a:r>
+            <a:endParaRPr kumimoji="0" lang="en-US"/>
           </a:p>
         </p:txBody>
       </p:sp>
@@ -859,8 +1170,13 @@
 </file>
 
 <file path=ppt/slideLayouts/slideLayout3.xml><?xml version="1.0" encoding="utf-8"?>
-<p:sldLayout xmlns:a="http://schemas.openxmlformats.org/drawingml/2006/main" xmlns:r="http://schemas.openxmlformats.org/officeDocument/2006/relationships" xmlns:p="http://schemas.openxmlformats.org/presentationml/2006/main" type="secHead" preserve="1">
+<p:sldLayout xmlns:a="http://schemas.openxmlformats.org/drawingml/2006/main" xmlns:r="http://schemas.openxmlformats.org/officeDocument/2006/relationships" xmlns:p="http://schemas.openxmlformats.org/presentationml/2006/main" showMasterSp="0" type="secHead" preserve="1">
   <p:cSld name="Section Header">
+    <p:bg>
+      <p:bgRef idx="1003">
+        <a:schemeClr val="bg1"/>
+      </p:bgRef>
+    </p:bg>
     <p:spTree>
       <p:nvGrpSpPr>
         <p:cNvPr id="1" name=""/>
@@ -877,66 +1193,32 @@
       </p:grpSpPr>
       <p:sp>
         <p:nvSpPr>
-          <p:cNvPr id="2" name="Title 1"/>
-          <p:cNvSpPr>
-            <a:spLocks noGrp="1"/>
-          </p:cNvSpPr>
-          <p:nvPr>
-            <p:ph type="title"/>
+          <p:cNvPr id="3" name="Text Placeholder 2"/>
+          <p:cNvSpPr>
+            <a:spLocks noGrp="1"/>
+          </p:cNvSpPr>
+          <p:nvPr>
+            <p:ph type="body" idx="1"/>
           </p:nvPr>
         </p:nvSpPr>
         <p:spPr>
           <a:xfrm>
-            <a:off x="722313" y="4406900"/>
-            <a:ext cx="7772400" cy="1362075"/>
+            <a:off x="1371600" y="2743200"/>
+            <a:ext cx="7123113" cy="1673225"/>
           </a:xfrm>
         </p:spPr>
         <p:txBody>
           <a:bodyPr anchor="t"/>
-          <a:lstStyle>
-            <a:lvl1pPr algn="l">
-              <a:defRPr sz="4000" b="1" cap="all"/>
-            </a:lvl1pPr>
-          </a:lstStyle>
-          <a:p>
-            <a:r>
-              <a:rPr lang="en-US" smtClean="0"/>
-              <a:t>Click to edit Master title style</a:t>
-            </a:r>
-            <a:endParaRPr lang="en-US"/>
-          </a:p>
-        </p:txBody>
-      </p:sp>
-      <p:sp>
-        <p:nvSpPr>
-          <p:cNvPr id="3" name="Text Placeholder 2"/>
-          <p:cNvSpPr>
-            <a:spLocks noGrp="1"/>
-          </p:cNvSpPr>
-          <p:nvPr>
-            <p:ph type="body" idx="1"/>
-          </p:nvPr>
-        </p:nvSpPr>
-        <p:spPr>
-          <a:xfrm>
-            <a:off x="722313" y="2906713"/>
-            <a:ext cx="7772400" cy="1500187"/>
-          </a:xfrm>
-        </p:spPr>
-        <p:txBody>
-          <a:bodyPr anchor="b"/>
           <a:lstStyle>
             <a:lvl1pPr marL="0" indent="0">
               <a:buNone/>
-              <a:defRPr sz="2000">
+              <a:defRPr sz="2800">
                 <a:solidFill>
-                  <a:schemeClr val="tx1">
-                    <a:tint val="75000"/>
-                  </a:schemeClr>
+                  <a:schemeClr val="tx2"/>
                 </a:solidFill>
               </a:defRPr>
             </a:lvl1pPr>
-            <a:lvl2pPr marL="457200" indent="0">
+            <a:lvl2pPr>
               <a:buNone/>
               <a:defRPr sz="1800">
                 <a:solidFill>
@@ -946,7 +1228,7 @@
                 </a:solidFill>
               </a:defRPr>
             </a:lvl2pPr>
-            <a:lvl3pPr marL="914400" indent="0">
+            <a:lvl3pPr>
               <a:buNone/>
               <a:defRPr sz="1600">
                 <a:solidFill>
@@ -956,7 +1238,7 @@
                 </a:solidFill>
               </a:defRPr>
             </a:lvl3pPr>
-            <a:lvl4pPr marL="1371600" indent="0">
+            <a:lvl4pPr>
               <a:buNone/>
               <a:defRPr sz="1400">
                 <a:solidFill>
@@ -966,7 +1248,7 @@
                 </a:solidFill>
               </a:defRPr>
             </a:lvl4pPr>
-            <a:lvl5pPr marL="1828800" indent="0">
+            <a:lvl5pPr>
               <a:buNone/>
               <a:defRPr sz="1400">
                 <a:solidFill>
@@ -976,113 +1258,248 @@
                 </a:solidFill>
               </a:defRPr>
             </a:lvl5pPr>
-            <a:lvl6pPr marL="2286000" indent="0">
+          </a:lstStyle>
+          <a:p>
+            <a:pPr lvl="0" eaLnBrk="1" latinLnBrk="0" hangingPunct="1"/>
+            <a:r>
+              <a:rPr kumimoji="0" lang="en-US" smtClean="0"/>
+              <a:t>Click to edit Master text styles</a:t>
+            </a:r>
+          </a:p>
+        </p:txBody>
+      </p:sp>
+      <p:sp>
+        <p:nvSpPr>
+          <p:cNvPr id="7" name="Rectangle 6"/>
+          <p:cNvSpPr/>
+          <p:nvPr/>
+        </p:nvSpPr>
+        <p:spPr bwMode="white">
+          <a:xfrm>
+            <a:off x="0" y="1524000"/>
+            <a:ext cx="9144000" cy="1143000"/>
+          </a:xfrm>
+          <a:prstGeom prst="rect">
+            <a:avLst/>
+          </a:prstGeom>
+          <a:solidFill>
+            <a:srgbClr val="FFFFFF"/>
+          </a:solidFill>
+          <a:ln w="50800" cap="rnd" cmpd="dbl" algn="ctr">
+            <a:noFill/>
+            <a:prstDash val="solid"/>
+          </a:ln>
+          <a:effectLst/>
+        </p:spPr>
+        <p:style>
+          <a:lnRef idx="3">
+            <a:schemeClr val="lt1"/>
+          </a:lnRef>
+          <a:fillRef idx="1">
+            <a:schemeClr val="accent1"/>
+          </a:fillRef>
+          <a:effectRef idx="1">
+            <a:schemeClr val="accent1"/>
+          </a:effectRef>
+          <a:fontRef idx="minor">
+            <a:schemeClr val="lt1"/>
+          </a:fontRef>
+        </p:style>
+        <p:txBody>
+          <a:bodyPr anchor="ctr"/>
+          <a:lstStyle/>
+          <a:p>
+            <a:pPr algn="ctr" eaLnBrk="1" latinLnBrk="0" hangingPunct="1"/>
+            <a:endParaRPr kumimoji="0" lang="en-US"/>
+          </a:p>
+        </p:txBody>
+      </p:sp>
+      <p:sp>
+        <p:nvSpPr>
+          <p:cNvPr id="8" name="Rectangle 7"/>
+          <p:cNvSpPr/>
+          <p:nvPr/>
+        </p:nvSpPr>
+        <p:spPr>
+          <a:xfrm>
+            <a:off x="0" y="1600200"/>
+            <a:ext cx="1295400" cy="990600"/>
+          </a:xfrm>
+          <a:prstGeom prst="rect">
+            <a:avLst/>
+          </a:prstGeom>
+          <a:solidFill>
+            <a:schemeClr val="accent2">
+              <a:alpha val="100000"/>
+            </a:schemeClr>
+          </a:solidFill>
+          <a:ln w="50800" cap="rnd" cmpd="dbl" algn="ctr">
+            <a:noFill/>
+            <a:prstDash val="solid"/>
+          </a:ln>
+          <a:effectLst/>
+        </p:spPr>
+        <p:style>
+          <a:lnRef idx="3">
+            <a:schemeClr val="lt1"/>
+          </a:lnRef>
+          <a:fillRef idx="1">
+            <a:schemeClr val="accent1"/>
+          </a:fillRef>
+          <a:effectRef idx="1">
+            <a:schemeClr val="accent1"/>
+          </a:effectRef>
+          <a:fontRef idx="minor">
+            <a:schemeClr val="lt1"/>
+          </a:fontRef>
+        </p:style>
+        <p:txBody>
+          <a:bodyPr anchor="ctr"/>
+          <a:lstStyle/>
+          <a:p>
+            <a:pPr algn="ctr" eaLnBrk="1" latinLnBrk="0" hangingPunct="1"/>
+            <a:endParaRPr kumimoji="0" lang="en-US"/>
+          </a:p>
+        </p:txBody>
+      </p:sp>
+      <p:sp>
+        <p:nvSpPr>
+          <p:cNvPr id="9" name="Rectangle 8"/>
+          <p:cNvSpPr/>
+          <p:nvPr/>
+        </p:nvSpPr>
+        <p:spPr>
+          <a:xfrm>
+            <a:off x="1371600" y="1600200"/>
+            <a:ext cx="7772400" cy="990600"/>
+          </a:xfrm>
+          <a:prstGeom prst="rect">
+            <a:avLst/>
+          </a:prstGeom>
+          <a:solidFill>
+            <a:schemeClr val="accent1">
+              <a:alpha val="100000"/>
+            </a:schemeClr>
+          </a:solidFill>
+          <a:ln w="50800" cap="rnd" cmpd="dbl" algn="ctr">
+            <a:noFill/>
+            <a:prstDash val="solid"/>
+          </a:ln>
+          <a:effectLst/>
+        </p:spPr>
+        <p:style>
+          <a:lnRef idx="3">
+            <a:schemeClr val="lt1"/>
+          </a:lnRef>
+          <a:fillRef idx="1">
+            <a:schemeClr val="accent1"/>
+          </a:fillRef>
+          <a:effectRef idx="1">
+            <a:schemeClr val="accent1"/>
+          </a:effectRef>
+          <a:fontRef idx="minor">
+            <a:schemeClr val="lt1"/>
+          </a:fontRef>
+        </p:style>
+        <p:txBody>
+          <a:bodyPr anchor="ctr"/>
+          <a:lstStyle/>
+          <a:p>
+            <a:pPr algn="ctr" eaLnBrk="1" latinLnBrk="0" hangingPunct="1"/>
+            <a:endParaRPr kumimoji="0" lang="en-US"/>
+          </a:p>
+        </p:txBody>
+      </p:sp>
+      <p:sp>
+        <p:nvSpPr>
+          <p:cNvPr id="2" name="Title 1"/>
+          <p:cNvSpPr>
+            <a:spLocks noGrp="1"/>
+          </p:cNvSpPr>
+          <p:nvPr>
+            <p:ph type="title"/>
+          </p:nvPr>
+        </p:nvSpPr>
+        <p:spPr>
+          <a:xfrm>
+            <a:off x="1371600" y="1600200"/>
+            <a:ext cx="7620000" cy="990600"/>
+          </a:xfrm>
+        </p:spPr>
+        <p:txBody>
+          <a:bodyPr/>
+          <a:lstStyle>
+            <a:lvl1pPr algn="l">
               <a:buNone/>
-              <a:defRPr sz="1400">
+              <a:defRPr sz="4400" b="0" cap="none">
                 <a:solidFill>
-                  <a:schemeClr val="tx1">
-                    <a:tint val="75000"/>
-                  </a:schemeClr>
+                  <a:srgbClr val="FFFFFF"/>
                 </a:solidFill>
               </a:defRPr>
-            </a:lvl6pPr>
-            <a:lvl7pPr marL="2743200" indent="0">
-              <a:buNone/>
-              <a:defRPr sz="1400">
+            </a:lvl1pPr>
+          </a:lstStyle>
+          <a:p>
+            <a:r>
+              <a:rPr kumimoji="0" lang="en-US" smtClean="0"/>
+              <a:t>Click to edit Master title style</a:t>
+            </a:r>
+            <a:endParaRPr kumimoji="0" lang="en-US"/>
+          </a:p>
+        </p:txBody>
+      </p:sp>
+      <p:sp>
+        <p:nvSpPr>
+          <p:cNvPr id="12" name="Date Placeholder 11"/>
+          <p:cNvSpPr>
+            <a:spLocks noGrp="1"/>
+          </p:cNvSpPr>
+          <p:nvPr>
+            <p:ph type="dt" sz="half" idx="10"/>
+          </p:nvPr>
+        </p:nvSpPr>
+        <p:spPr/>
+        <p:txBody>
+          <a:bodyPr/>
+          <a:lstStyle/>
+          <a:p>
+            <a:fld id="{1D8BD707-D9CF-40AE-B4C6-C98DA3205C09}" type="datetimeFigureOut">
+              <a:rPr lang="en-US" smtClean="0"/>
+              <a:pPr/>
+              <a:t>6/24/2009</a:t>
+            </a:fld>
+            <a:endParaRPr lang="en-US"/>
+          </a:p>
+        </p:txBody>
+      </p:sp>
+      <p:sp>
+        <p:nvSpPr>
+          <p:cNvPr id="13" name="Slide Number Placeholder 12"/>
+          <p:cNvSpPr>
+            <a:spLocks noGrp="1"/>
+          </p:cNvSpPr>
+          <p:nvPr>
+            <p:ph type="sldNum" sz="quarter" idx="11"/>
+          </p:nvPr>
+        </p:nvSpPr>
+        <p:spPr>
+          <a:xfrm>
+            <a:off x="0" y="1752600"/>
+            <a:ext cx="1295400" cy="701676"/>
+          </a:xfrm>
+        </p:spPr>
+        <p:txBody>
+          <a:bodyPr>
+            <a:noAutofit/>
+          </a:bodyPr>
+          <a:lstStyle>
+            <a:lvl1pPr>
+              <a:defRPr sz="2400">
                 <a:solidFill>
-                  <a:schemeClr val="tx1">
-                    <a:tint val="75000"/>
-                  </a:schemeClr>
+                  <a:srgbClr val="FFFFFF"/>
                 </a:solidFill>
               </a:defRPr>
-            </a:lvl7pPr>
-            <a:lvl8pPr marL="3200400" indent="0">
-              <a:buNone/>
-              <a:defRPr sz="1400">
-                <a:solidFill>
-                  <a:schemeClr val="tx1">
-                    <a:tint val="75000"/>
-                  </a:schemeClr>
-                </a:solidFill>
-              </a:defRPr>
-            </a:lvl8pPr>
-            <a:lvl9pPr marL="3657600" indent="0">
-              <a:buNone/>
-              <a:defRPr sz="1400">
-                <a:solidFill>
-                  <a:schemeClr val="tx1">
-                    <a:tint val="75000"/>
-                  </a:schemeClr>
-                </a:solidFill>
-              </a:defRPr>
-            </a:lvl9pPr>
+            </a:lvl1pPr>
           </a:lstStyle>
-          <a:p>
-            <a:pPr lvl="0"/>
-            <a:r>
-              <a:rPr lang="en-US" smtClean="0"/>
-              <a:t>Click to edit Master text styles</a:t>
-            </a:r>
-          </a:p>
-        </p:txBody>
-      </p:sp>
-      <p:sp>
-        <p:nvSpPr>
-          <p:cNvPr id="4" name="Date Placeholder 3"/>
-          <p:cNvSpPr>
-            <a:spLocks noGrp="1"/>
-          </p:cNvSpPr>
-          <p:nvPr>
-            <p:ph type="dt" sz="half" idx="10"/>
-          </p:nvPr>
-        </p:nvSpPr>
-        <p:spPr/>
-        <p:txBody>
-          <a:bodyPr/>
-          <a:lstStyle/>
-          <a:p>
-            <a:fld id="{1D8BD707-D9CF-40AE-B4C6-C98DA3205C09}" type="datetimeFigureOut">
-              <a:rPr lang="en-US" smtClean="0"/>
-              <a:pPr/>
-              <a:t>6/23/2009</a:t>
-            </a:fld>
-            <a:endParaRPr lang="en-US"/>
-          </a:p>
-        </p:txBody>
-      </p:sp>
-      <p:sp>
-        <p:nvSpPr>
-          <p:cNvPr id="5" name="Footer Placeholder 4"/>
-          <p:cNvSpPr>
-            <a:spLocks noGrp="1"/>
-          </p:cNvSpPr>
-          <p:nvPr>
-            <p:ph type="ftr" sz="quarter" idx="11"/>
-          </p:nvPr>
-        </p:nvSpPr>
-        <p:spPr/>
-        <p:txBody>
-          <a:bodyPr/>
-          <a:lstStyle/>
-          <a:p>
-            <a:endParaRPr lang="en-US"/>
-          </a:p>
-        </p:txBody>
-      </p:sp>
-      <p:sp>
-        <p:nvSpPr>
-          <p:cNvPr id="6" name="Slide Number Placeholder 5"/>
-          <p:cNvSpPr>
-            <a:spLocks noGrp="1"/>
-          </p:cNvSpPr>
-          <p:nvPr>
-            <p:ph type="sldNum" sz="quarter" idx="12"/>
-          </p:nvPr>
-        </p:nvSpPr>
-        <p:spPr/>
-        <p:txBody>
-          <a:bodyPr/>
-          <a:lstStyle/>
           <a:p>
             <a:fld id="{B6F15528-21DE-4FAA-801E-634DDDAF4B2B}" type="slidenum">
               <a:rPr lang="en-US" smtClean="0"/>
@@ -1093,10 +1510,29 @@
           </a:p>
         </p:txBody>
       </p:sp>
+      <p:sp>
+        <p:nvSpPr>
+          <p:cNvPr id="14" name="Footer Placeholder 13"/>
+          <p:cNvSpPr>
+            <a:spLocks noGrp="1"/>
+          </p:cNvSpPr>
+          <p:nvPr>
+            <p:ph type="ftr" sz="quarter" idx="12"/>
+          </p:nvPr>
+        </p:nvSpPr>
+        <p:spPr/>
+        <p:txBody>
+          <a:bodyPr/>
+          <a:lstStyle/>
+          <a:p>
+            <a:endParaRPr lang="en-US"/>
+          </a:p>
+        </p:txBody>
+      </p:sp>
     </p:spTree>
   </p:cSld>
   <p:clrMapOvr>
-    <a:masterClrMapping/>
+    <a:overrideClrMapping bg1="lt1" tx1="dk1" bg2="lt2" tx2="dk2" accent1="accent1" accent2="accent2" accent3="accent3" accent4="accent4" accent5="accent5" accent6="accent6" hlink="hlink" folHlink="folHlink"/>
   </p:clrMapOvr>
 </p:sldLayout>
 </file>
@@ -1134,202 +1570,146 @@
           <a:lstStyle/>
           <a:p>
             <a:r>
-              <a:rPr lang="en-US" smtClean="0"/>
+              <a:rPr kumimoji="0" lang="en-US" smtClean="0"/>
               <a:t>Click to edit Master title style</a:t>
             </a:r>
-            <a:endParaRPr lang="en-US"/>
-          </a:p>
-        </p:txBody>
-      </p:sp>
-      <p:sp>
-        <p:nvSpPr>
-          <p:cNvPr id="3" name="Content Placeholder 2"/>
-          <p:cNvSpPr>
-            <a:spLocks noGrp="1"/>
-          </p:cNvSpPr>
-          <p:nvPr>
-            <p:ph sz="half" idx="1"/>
+            <a:endParaRPr kumimoji="0" lang="en-US"/>
+          </a:p>
+        </p:txBody>
+      </p:sp>
+      <p:sp>
+        <p:nvSpPr>
+          <p:cNvPr id="9" name="Content Placeholder 8"/>
+          <p:cNvSpPr>
+            <a:spLocks noGrp="1"/>
+          </p:cNvSpPr>
+          <p:nvPr>
+            <p:ph sz="quarter" idx="1"/>
           </p:nvPr>
         </p:nvSpPr>
         <p:spPr>
           <a:xfrm>
-            <a:off x="457200" y="1600200"/>
-            <a:ext cx="4038600" cy="4525963"/>
+            <a:off x="609600" y="1589567"/>
+            <a:ext cx="3886200" cy="4572000"/>
           </a:xfrm>
         </p:spPr>
         <p:txBody>
           <a:bodyPr/>
-          <a:lstStyle>
-            <a:lvl1pPr>
-              <a:defRPr sz="2800"/>
-            </a:lvl1pPr>
-            <a:lvl2pPr>
-              <a:defRPr sz="2400"/>
-            </a:lvl2pPr>
-            <a:lvl3pPr>
-              <a:defRPr sz="2000"/>
-            </a:lvl3pPr>
-            <a:lvl4pPr>
-              <a:defRPr sz="1800"/>
-            </a:lvl4pPr>
-            <a:lvl5pPr>
-              <a:defRPr sz="1800"/>
-            </a:lvl5pPr>
-            <a:lvl6pPr>
-              <a:defRPr sz="1800"/>
-            </a:lvl6pPr>
-            <a:lvl7pPr>
-              <a:defRPr sz="1800"/>
-            </a:lvl7pPr>
-            <a:lvl8pPr>
-              <a:defRPr sz="1800"/>
-            </a:lvl8pPr>
-            <a:lvl9pPr>
-              <a:defRPr sz="1800"/>
-            </a:lvl9pPr>
-          </a:lstStyle>
-          <a:p>
-            <a:pPr lvl="0"/>
+          <a:lstStyle/>
+          <a:p>
+            <a:pPr lvl="0" eaLnBrk="1" latinLnBrk="0" hangingPunct="1"/>
             <a:r>
               <a:rPr lang="en-US" smtClean="0"/>
               <a:t>Click to edit Master text styles</a:t>
             </a:r>
           </a:p>
           <a:p>
-            <a:pPr lvl="1"/>
+            <a:pPr lvl="1" eaLnBrk="1" latinLnBrk="0" hangingPunct="1"/>
             <a:r>
               <a:rPr lang="en-US" smtClean="0"/>
               <a:t>Second level</a:t>
             </a:r>
           </a:p>
           <a:p>
-            <a:pPr lvl="2"/>
+            <a:pPr lvl="2" eaLnBrk="1" latinLnBrk="0" hangingPunct="1"/>
             <a:r>
               <a:rPr lang="en-US" smtClean="0"/>
               <a:t>Third level</a:t>
             </a:r>
           </a:p>
           <a:p>
-            <a:pPr lvl="3"/>
+            <a:pPr lvl="3" eaLnBrk="1" latinLnBrk="0" hangingPunct="1"/>
             <a:r>
               <a:rPr lang="en-US" smtClean="0"/>
               <a:t>Fourth level</a:t>
             </a:r>
           </a:p>
           <a:p>
-            <a:pPr lvl="4"/>
+            <a:pPr lvl="4" eaLnBrk="1" latinLnBrk="0" hangingPunct="1"/>
             <a:r>
               <a:rPr lang="en-US" smtClean="0"/>
               <a:t>Fifth level</a:t>
             </a:r>
-            <a:endParaRPr lang="en-US"/>
-          </a:p>
-        </p:txBody>
-      </p:sp>
-      <p:sp>
-        <p:nvSpPr>
-          <p:cNvPr id="4" name="Content Placeholder 3"/>
-          <p:cNvSpPr>
-            <a:spLocks noGrp="1"/>
-          </p:cNvSpPr>
-          <p:nvPr>
-            <p:ph sz="half" idx="2"/>
+            <a:endParaRPr kumimoji="0" lang="en-US"/>
+          </a:p>
+        </p:txBody>
+      </p:sp>
+      <p:sp>
+        <p:nvSpPr>
+          <p:cNvPr id="11" name="Content Placeholder 10"/>
+          <p:cNvSpPr>
+            <a:spLocks noGrp="1"/>
+          </p:cNvSpPr>
+          <p:nvPr>
+            <p:ph sz="quarter" idx="2"/>
           </p:nvPr>
         </p:nvSpPr>
         <p:spPr>
           <a:xfrm>
-            <a:off x="4648200" y="1600200"/>
-            <a:ext cx="4038600" cy="4525963"/>
+            <a:off x="4844901" y="1589567"/>
+            <a:ext cx="3886200" cy="4572000"/>
           </a:xfrm>
         </p:spPr>
         <p:txBody>
           <a:bodyPr/>
-          <a:lstStyle>
-            <a:lvl1pPr>
-              <a:defRPr sz="2800"/>
-            </a:lvl1pPr>
-            <a:lvl2pPr>
-              <a:defRPr sz="2400"/>
-            </a:lvl2pPr>
-            <a:lvl3pPr>
-              <a:defRPr sz="2000"/>
-            </a:lvl3pPr>
-            <a:lvl4pPr>
-              <a:defRPr sz="1800"/>
-            </a:lvl4pPr>
-            <a:lvl5pPr>
-              <a:defRPr sz="1800"/>
-            </a:lvl5pPr>
-            <a:lvl6pPr>
-              <a:defRPr sz="1800"/>
-            </a:lvl6pPr>
-            <a:lvl7pPr>
-              <a:defRPr sz="1800"/>
-            </a:lvl7pPr>
-            <a:lvl8pPr>
-              <a:defRPr sz="1800"/>
-            </a:lvl8pPr>
-            <a:lvl9pPr>
-              <a:defRPr sz="1800"/>
-            </a:lvl9pPr>
-          </a:lstStyle>
-          <a:p>
-            <a:pPr lvl="0"/>
+          <a:lstStyle/>
+          <a:p>
+            <a:pPr lvl="0" eaLnBrk="1" latinLnBrk="0" hangingPunct="1"/>
             <a:r>
               <a:rPr lang="en-US" smtClean="0"/>
               <a:t>Click to edit Master text styles</a:t>
             </a:r>
           </a:p>
           <a:p>
-            <a:pPr lvl="1"/>
+            <a:pPr lvl="1" eaLnBrk="1" latinLnBrk="0" hangingPunct="1"/>
             <a:r>
               <a:rPr lang="en-US" smtClean="0"/>
               <a:t>Second level</a:t>
             </a:r>
           </a:p>
           <a:p>
-            <a:pPr lvl="2"/>
+            <a:pPr lvl="2" eaLnBrk="1" latinLnBrk="0" hangingPunct="1"/>
             <a:r>
               <a:rPr lang="en-US" smtClean="0"/>
               <a:t>Third level</a:t>
             </a:r>
           </a:p>
           <a:p>
-            <a:pPr lvl="3"/>
+            <a:pPr lvl="3" eaLnBrk="1" latinLnBrk="0" hangingPunct="1"/>
             <a:r>
               <a:rPr lang="en-US" smtClean="0"/>
               <a:t>Fourth level</a:t>
             </a:r>
           </a:p>
           <a:p>
-            <a:pPr lvl="4"/>
+            <a:pPr lvl="4" eaLnBrk="1" latinLnBrk="0" hangingPunct="1"/>
             <a:r>
               <a:rPr lang="en-US" smtClean="0"/>
               <a:t>Fifth level</a:t>
             </a:r>
-            <a:endParaRPr lang="en-US"/>
-          </a:p>
-        </p:txBody>
-      </p:sp>
-      <p:sp>
-        <p:nvSpPr>
-          <p:cNvPr id="5" name="Date Placeholder 4"/>
-          <p:cNvSpPr>
-            <a:spLocks noGrp="1"/>
-          </p:cNvSpPr>
-          <p:nvPr>
-            <p:ph type="dt" sz="half" idx="10"/>
+            <a:endParaRPr kumimoji="0" lang="en-US"/>
+          </a:p>
+        </p:txBody>
+      </p:sp>
+      <p:sp>
+        <p:nvSpPr>
+          <p:cNvPr id="8" name="Date Placeholder 7"/>
+          <p:cNvSpPr>
+            <a:spLocks noGrp="1"/>
+          </p:cNvSpPr>
+          <p:nvPr>
+            <p:ph type="dt" sz="half" idx="15"/>
           </p:nvPr>
         </p:nvSpPr>
         <p:spPr/>
         <p:txBody>
-          <a:bodyPr/>
+          <a:bodyPr rtlCol="0"/>
           <a:lstStyle/>
           <a:p>
             <a:fld id="{1D8BD707-D9CF-40AE-B4C6-C98DA3205C09}" type="datetimeFigureOut">
               <a:rPr lang="en-US" smtClean="0"/>
               <a:pPr/>
-              <a:t>6/23/2009</a:t>
+              <a:t>6/24/2009</a:t>
             </a:fld>
             <a:endParaRPr lang="en-US"/>
           </a:p>
@@ -1337,36 +1717,17 @@
       </p:sp>
       <p:sp>
         <p:nvSpPr>
-          <p:cNvPr id="6" name="Footer Placeholder 5"/>
-          <p:cNvSpPr>
-            <a:spLocks noGrp="1"/>
-          </p:cNvSpPr>
-          <p:nvPr>
-            <p:ph type="ftr" sz="quarter" idx="11"/>
+          <p:cNvPr id="10" name="Slide Number Placeholder 9"/>
+          <p:cNvSpPr>
+            <a:spLocks noGrp="1"/>
+          </p:cNvSpPr>
+          <p:nvPr>
+            <p:ph type="sldNum" sz="quarter" idx="16"/>
           </p:nvPr>
         </p:nvSpPr>
         <p:spPr/>
         <p:txBody>
-          <a:bodyPr/>
-          <a:lstStyle/>
-          <a:p>
-            <a:endParaRPr lang="en-US"/>
-          </a:p>
-        </p:txBody>
-      </p:sp>
-      <p:sp>
-        <p:nvSpPr>
-          <p:cNvPr id="7" name="Slide Number Placeholder 6"/>
-          <p:cNvSpPr>
-            <a:spLocks noGrp="1"/>
-          </p:cNvSpPr>
-          <p:nvPr>
-            <p:ph type="sldNum" sz="quarter" idx="12"/>
-          </p:nvPr>
-        </p:nvSpPr>
-        <p:spPr/>
-        <p:txBody>
-          <a:bodyPr/>
+          <a:bodyPr rtlCol="0"/>
           <a:lstStyle/>
           <a:p>
             <a:fld id="{B6F15528-21DE-4FAA-801E-634DDDAF4B2B}" type="slidenum">
@@ -1374,6 +1735,25 @@
               <a:pPr/>
               <a:t>‹#›</a:t>
             </a:fld>
+            <a:endParaRPr lang="en-US"/>
+          </a:p>
+        </p:txBody>
+      </p:sp>
+      <p:sp>
+        <p:nvSpPr>
+          <p:cNvPr id="12" name="Footer Placeholder 11"/>
+          <p:cNvSpPr>
+            <a:spLocks noGrp="1"/>
+          </p:cNvSpPr>
+          <p:nvPr>
+            <p:ph type="ftr" sz="quarter" idx="17"/>
+          </p:nvPr>
+        </p:nvSpPr>
+        <p:spPr/>
+        <p:txBody>
+          <a:bodyPr rtlCol="0"/>
+          <a:lstStyle/>
+          <a:p>
             <a:endParaRPr lang="en-US"/>
           </a:p>
         </p:txBody>
@@ -1413,9 +1793,14 @@
             <p:ph type="title"/>
           </p:nvPr>
         </p:nvSpPr>
-        <p:spPr/>
-        <p:txBody>
-          <a:bodyPr/>
+        <p:spPr>
+          <a:xfrm>
+            <a:off x="533400" y="273050"/>
+            <a:ext cx="8153400" cy="869950"/>
+          </a:xfrm>
+        </p:spPr>
+        <p:txBody>
+          <a:bodyPr anchor="ctr"/>
           <a:lstStyle>
             <a:lvl1pPr>
               <a:defRPr/>
@@ -1423,332 +1808,146 @@
           </a:lstStyle>
           <a:p>
             <a:r>
-              <a:rPr lang="en-US" smtClean="0"/>
+              <a:rPr kumimoji="0" lang="en-US" smtClean="0"/>
               <a:t>Click to edit Master title style</a:t>
             </a:r>
-            <a:endParaRPr lang="en-US"/>
-          </a:p>
-        </p:txBody>
-      </p:sp>
-      <p:sp>
-        <p:nvSpPr>
-          <p:cNvPr id="3" name="Text Placeholder 2"/>
-          <p:cNvSpPr>
-            <a:spLocks noGrp="1"/>
-          </p:cNvSpPr>
-          <p:nvPr>
-            <p:ph type="body" idx="1"/>
+            <a:endParaRPr kumimoji="0" lang="en-US"/>
+          </a:p>
+        </p:txBody>
+      </p:sp>
+      <p:sp>
+        <p:nvSpPr>
+          <p:cNvPr id="11" name="Content Placeholder 10"/>
+          <p:cNvSpPr>
+            <a:spLocks noGrp="1"/>
+          </p:cNvSpPr>
+          <p:nvPr>
+            <p:ph sz="quarter" idx="2"/>
           </p:nvPr>
         </p:nvSpPr>
         <p:spPr>
           <a:xfrm>
-            <a:off x="457200" y="1535113"/>
-            <a:ext cx="4040188" cy="639762"/>
-          </a:xfrm>
-        </p:spPr>
-        <p:txBody>
-          <a:bodyPr anchor="b"/>
-          <a:lstStyle>
-            <a:lvl1pPr marL="0" indent="0">
-              <a:buNone/>
-              <a:defRPr sz="2400" b="1"/>
-            </a:lvl1pPr>
-            <a:lvl2pPr marL="457200" indent="0">
-              <a:buNone/>
-              <a:defRPr sz="2000" b="1"/>
-            </a:lvl2pPr>
-            <a:lvl3pPr marL="914400" indent="0">
-              <a:buNone/>
-              <a:defRPr sz="1800" b="1"/>
-            </a:lvl3pPr>
-            <a:lvl4pPr marL="1371600" indent="0">
-              <a:buNone/>
-              <a:defRPr sz="1600" b="1"/>
-            </a:lvl4pPr>
-            <a:lvl5pPr marL="1828800" indent="0">
-              <a:buNone/>
-              <a:defRPr sz="1600" b="1"/>
-            </a:lvl5pPr>
-            <a:lvl6pPr marL="2286000" indent="0">
-              <a:buNone/>
-              <a:defRPr sz="1600" b="1"/>
-            </a:lvl6pPr>
-            <a:lvl7pPr marL="2743200" indent="0">
-              <a:buNone/>
-              <a:defRPr sz="1600" b="1"/>
-            </a:lvl7pPr>
-            <a:lvl8pPr marL="3200400" indent="0">
-              <a:buNone/>
-              <a:defRPr sz="1600" b="1"/>
-            </a:lvl8pPr>
-            <a:lvl9pPr marL="3657600" indent="0">
-              <a:buNone/>
-              <a:defRPr sz="1600" b="1"/>
-            </a:lvl9pPr>
-          </a:lstStyle>
-          <a:p>
-            <a:pPr lvl="0"/>
+            <a:off x="609600" y="2438400"/>
+            <a:ext cx="3886200" cy="3581400"/>
+          </a:xfrm>
+        </p:spPr>
+        <p:txBody>
+          <a:bodyPr/>
+          <a:lstStyle/>
+          <a:p>
+            <a:pPr lvl="0" eaLnBrk="1" latinLnBrk="0" hangingPunct="1"/>
             <a:r>
               <a:rPr lang="en-US" smtClean="0"/>
               <a:t>Click to edit Master text styles</a:t>
             </a:r>
           </a:p>
-        </p:txBody>
-      </p:sp>
-      <p:sp>
-        <p:nvSpPr>
-          <p:cNvPr id="4" name="Content Placeholder 3"/>
-          <p:cNvSpPr>
-            <a:spLocks noGrp="1"/>
-          </p:cNvSpPr>
-          <p:nvPr>
-            <p:ph sz="half" idx="2"/>
+          <a:p>
+            <a:pPr lvl="1" eaLnBrk="1" latinLnBrk="0" hangingPunct="1"/>
+            <a:r>
+              <a:rPr lang="en-US" smtClean="0"/>
+              <a:t>Second level</a:t>
+            </a:r>
+          </a:p>
+          <a:p>
+            <a:pPr lvl="2" eaLnBrk="1" latinLnBrk="0" hangingPunct="1"/>
+            <a:r>
+              <a:rPr lang="en-US" smtClean="0"/>
+              <a:t>Third level</a:t>
+            </a:r>
+          </a:p>
+          <a:p>
+            <a:pPr lvl="3" eaLnBrk="1" latinLnBrk="0" hangingPunct="1"/>
+            <a:r>
+              <a:rPr lang="en-US" smtClean="0"/>
+              <a:t>Fourth level</a:t>
+            </a:r>
+          </a:p>
+          <a:p>
+            <a:pPr lvl="4" eaLnBrk="1" latinLnBrk="0" hangingPunct="1"/>
+            <a:r>
+              <a:rPr lang="en-US" smtClean="0"/>
+              <a:t>Fifth level</a:t>
+            </a:r>
+            <a:endParaRPr kumimoji="0" lang="en-US"/>
+          </a:p>
+        </p:txBody>
+      </p:sp>
+      <p:sp>
+        <p:nvSpPr>
+          <p:cNvPr id="13" name="Content Placeholder 12"/>
+          <p:cNvSpPr>
+            <a:spLocks noGrp="1"/>
+          </p:cNvSpPr>
+          <p:nvPr>
+            <p:ph sz="quarter" idx="4"/>
           </p:nvPr>
         </p:nvSpPr>
         <p:spPr>
           <a:xfrm>
-            <a:off x="457200" y="2174875"/>
-            <a:ext cx="4040188" cy="3951288"/>
+            <a:off x="4800600" y="2438400"/>
+            <a:ext cx="3886200" cy="3581400"/>
           </a:xfrm>
         </p:spPr>
         <p:txBody>
           <a:bodyPr/>
-          <a:lstStyle>
-            <a:lvl1pPr>
-              <a:defRPr sz="2400"/>
-            </a:lvl1pPr>
-            <a:lvl2pPr>
-              <a:defRPr sz="2000"/>
-            </a:lvl2pPr>
-            <a:lvl3pPr>
-              <a:defRPr sz="1800"/>
-            </a:lvl3pPr>
-            <a:lvl4pPr>
-              <a:defRPr sz="1600"/>
-            </a:lvl4pPr>
-            <a:lvl5pPr>
-              <a:defRPr sz="1600"/>
-            </a:lvl5pPr>
-            <a:lvl6pPr>
-              <a:defRPr sz="1600"/>
-            </a:lvl6pPr>
-            <a:lvl7pPr>
-              <a:defRPr sz="1600"/>
-            </a:lvl7pPr>
-            <a:lvl8pPr>
-              <a:defRPr sz="1600"/>
-            </a:lvl8pPr>
-            <a:lvl9pPr>
-              <a:defRPr sz="1600"/>
-            </a:lvl9pPr>
-          </a:lstStyle>
-          <a:p>
-            <a:pPr lvl="0"/>
+          <a:lstStyle/>
+          <a:p>
+            <a:pPr lvl="0" eaLnBrk="1" latinLnBrk="0" hangingPunct="1"/>
             <a:r>
               <a:rPr lang="en-US" smtClean="0"/>
               <a:t>Click to edit Master text styles</a:t>
             </a:r>
           </a:p>
           <a:p>
-            <a:pPr lvl="1"/>
+            <a:pPr lvl="1" eaLnBrk="1" latinLnBrk="0" hangingPunct="1"/>
             <a:r>
               <a:rPr lang="en-US" smtClean="0"/>
               <a:t>Second level</a:t>
             </a:r>
           </a:p>
           <a:p>
-            <a:pPr lvl="2"/>
+            <a:pPr lvl="2" eaLnBrk="1" latinLnBrk="0" hangingPunct="1"/>
             <a:r>
               <a:rPr lang="en-US" smtClean="0"/>
               <a:t>Third level</a:t>
             </a:r>
           </a:p>
           <a:p>
-            <a:pPr lvl="3"/>
+            <a:pPr lvl="3" eaLnBrk="1" latinLnBrk="0" hangingPunct="1"/>
             <a:r>
               <a:rPr lang="en-US" smtClean="0"/>
               <a:t>Fourth level</a:t>
             </a:r>
           </a:p>
           <a:p>
-            <a:pPr lvl="4"/>
+            <a:pPr lvl="4" eaLnBrk="1" latinLnBrk="0" hangingPunct="1"/>
             <a:r>
               <a:rPr lang="en-US" smtClean="0"/>
               <a:t>Fifth level</a:t>
             </a:r>
-            <a:endParaRPr lang="en-US"/>
-          </a:p>
-        </p:txBody>
-      </p:sp>
-      <p:sp>
-        <p:nvSpPr>
-          <p:cNvPr id="5" name="Text Placeholder 4"/>
-          <p:cNvSpPr>
-            <a:spLocks noGrp="1"/>
-          </p:cNvSpPr>
-          <p:nvPr>
-            <p:ph type="body" sz="quarter" idx="3"/>
-          </p:nvPr>
-        </p:nvSpPr>
-        <p:spPr>
-          <a:xfrm>
-            <a:off x="4645025" y="1535113"/>
-            <a:ext cx="4041775" cy="639762"/>
-          </a:xfrm>
-        </p:spPr>
-        <p:txBody>
-          <a:bodyPr anchor="b"/>
-          <a:lstStyle>
-            <a:lvl1pPr marL="0" indent="0">
-              <a:buNone/>
-              <a:defRPr sz="2400" b="1"/>
-            </a:lvl1pPr>
-            <a:lvl2pPr marL="457200" indent="0">
-              <a:buNone/>
-              <a:defRPr sz="2000" b="1"/>
-            </a:lvl2pPr>
-            <a:lvl3pPr marL="914400" indent="0">
-              <a:buNone/>
-              <a:defRPr sz="1800" b="1"/>
-            </a:lvl3pPr>
-            <a:lvl4pPr marL="1371600" indent="0">
-              <a:buNone/>
-              <a:defRPr sz="1600" b="1"/>
-            </a:lvl4pPr>
-            <a:lvl5pPr marL="1828800" indent="0">
-              <a:buNone/>
-              <a:defRPr sz="1600" b="1"/>
-            </a:lvl5pPr>
-            <a:lvl6pPr marL="2286000" indent="0">
-              <a:buNone/>
-              <a:defRPr sz="1600" b="1"/>
-            </a:lvl6pPr>
-            <a:lvl7pPr marL="2743200" indent="0">
-              <a:buNone/>
-              <a:defRPr sz="1600" b="1"/>
-            </a:lvl7pPr>
-            <a:lvl8pPr marL="3200400" indent="0">
-              <a:buNone/>
-              <a:defRPr sz="1600" b="1"/>
-            </a:lvl8pPr>
-            <a:lvl9pPr marL="3657600" indent="0">
-              <a:buNone/>
-              <a:defRPr sz="1600" b="1"/>
-            </a:lvl9pPr>
-          </a:lstStyle>
-          <a:p>
-            <a:pPr lvl="0"/>
-            <a:r>
-              <a:rPr lang="en-US" smtClean="0"/>
-              <a:t>Click to edit Master text styles</a:t>
-            </a:r>
-          </a:p>
-        </p:txBody>
-      </p:sp>
-      <p:sp>
-        <p:nvSpPr>
-          <p:cNvPr id="6" name="Content Placeholder 5"/>
-          <p:cNvSpPr>
-            <a:spLocks noGrp="1"/>
-          </p:cNvSpPr>
-          <p:nvPr>
-            <p:ph sz="quarter" idx="4"/>
-          </p:nvPr>
-        </p:nvSpPr>
-        <p:spPr>
-          <a:xfrm>
-            <a:off x="4645025" y="2174875"/>
-            <a:ext cx="4041775" cy="3951288"/>
-          </a:xfrm>
-        </p:spPr>
-        <p:txBody>
-          <a:bodyPr/>
-          <a:lstStyle>
-            <a:lvl1pPr>
-              <a:defRPr sz="2400"/>
-            </a:lvl1pPr>
-            <a:lvl2pPr>
-              <a:defRPr sz="2000"/>
-            </a:lvl2pPr>
-            <a:lvl3pPr>
-              <a:defRPr sz="1800"/>
-            </a:lvl3pPr>
-            <a:lvl4pPr>
-              <a:defRPr sz="1600"/>
-            </a:lvl4pPr>
-            <a:lvl5pPr>
-              <a:defRPr sz="1600"/>
-            </a:lvl5pPr>
-            <a:lvl6pPr>
-              <a:defRPr sz="1600"/>
-            </a:lvl6pPr>
-            <a:lvl7pPr>
-              <a:defRPr sz="1600"/>
-            </a:lvl7pPr>
-            <a:lvl8pPr>
-              <a:defRPr sz="1600"/>
-            </a:lvl8pPr>
-            <a:lvl9pPr>
-              <a:defRPr sz="1600"/>
-            </a:lvl9pPr>
-          </a:lstStyle>
-          <a:p>
-            <a:pPr lvl="0"/>
-            <a:r>
-              <a:rPr lang="en-US" smtClean="0"/>
-              <a:t>Click to edit Master text styles</a:t>
-            </a:r>
-          </a:p>
-          <a:p>
-            <a:pPr lvl="1"/>
-            <a:r>
-              <a:rPr lang="en-US" smtClean="0"/>
-              <a:t>Second level</a:t>
-            </a:r>
-          </a:p>
-          <a:p>
-            <a:pPr lvl="2"/>
-            <a:r>
-              <a:rPr lang="en-US" smtClean="0"/>
-              <a:t>Third level</a:t>
-            </a:r>
-          </a:p>
-          <a:p>
-            <a:pPr lvl="3"/>
-            <a:r>
-              <a:rPr lang="en-US" smtClean="0"/>
-              <a:t>Fourth level</a:t>
-            </a:r>
-          </a:p>
-          <a:p>
-            <a:pPr lvl="4"/>
-            <a:r>
-              <a:rPr lang="en-US" smtClean="0"/>
-              <a:t>Fifth level</a:t>
-            </a:r>
-            <a:endParaRPr lang="en-US"/>
-          </a:p>
-        </p:txBody>
-      </p:sp>
-      <p:sp>
-        <p:nvSpPr>
-          <p:cNvPr id="7" name="Date Placeholder 6"/>
-          <p:cNvSpPr>
-            <a:spLocks noGrp="1"/>
-          </p:cNvSpPr>
-          <p:nvPr>
-            <p:ph type="dt" sz="half" idx="10"/>
+            <a:endParaRPr kumimoji="0" lang="en-US"/>
+          </a:p>
+        </p:txBody>
+      </p:sp>
+      <p:sp>
+        <p:nvSpPr>
+          <p:cNvPr id="10" name="Date Placeholder 9"/>
+          <p:cNvSpPr>
+            <a:spLocks noGrp="1"/>
+          </p:cNvSpPr>
+          <p:nvPr>
+            <p:ph type="dt" sz="half" idx="15"/>
           </p:nvPr>
         </p:nvSpPr>
         <p:spPr/>
         <p:txBody>
-          <a:bodyPr/>
+          <a:bodyPr rtlCol="0"/>
           <a:lstStyle/>
           <a:p>
             <a:fld id="{1D8BD707-D9CF-40AE-B4C6-C98DA3205C09}" type="datetimeFigureOut">
               <a:rPr lang="en-US" smtClean="0"/>
               <a:pPr/>
-              <a:t>6/23/2009</a:t>
+              <a:t>6/24/2009</a:t>
             </a:fld>
             <a:endParaRPr lang="en-US"/>
           </a:p>
@@ -1756,36 +1955,17 @@
       </p:sp>
       <p:sp>
         <p:nvSpPr>
-          <p:cNvPr id="8" name="Footer Placeholder 7"/>
-          <p:cNvSpPr>
-            <a:spLocks noGrp="1"/>
-          </p:cNvSpPr>
-          <p:nvPr>
-            <p:ph type="ftr" sz="quarter" idx="11"/>
+          <p:cNvPr id="12" name="Slide Number Placeholder 11"/>
+          <p:cNvSpPr>
+            <a:spLocks noGrp="1"/>
+          </p:cNvSpPr>
+          <p:nvPr>
+            <p:ph type="sldNum" sz="quarter" idx="16"/>
           </p:nvPr>
         </p:nvSpPr>
         <p:spPr/>
         <p:txBody>
-          <a:bodyPr/>
-          <a:lstStyle/>
-          <a:p>
-            <a:endParaRPr lang="en-US"/>
-          </a:p>
-        </p:txBody>
-      </p:sp>
-      <p:sp>
-        <p:nvSpPr>
-          <p:cNvPr id="9" name="Slide Number Placeholder 8"/>
-          <p:cNvSpPr>
-            <a:spLocks noGrp="1"/>
-          </p:cNvSpPr>
-          <p:nvPr>
-            <p:ph type="sldNum" sz="quarter" idx="12"/>
-          </p:nvPr>
-        </p:nvSpPr>
-        <p:spPr/>
-        <p:txBody>
-          <a:bodyPr/>
+          <a:bodyPr rtlCol="0"/>
           <a:lstStyle/>
           <a:p>
             <a:fld id="{B6F15528-21DE-4FAA-801E-634DDDAF4B2B}" type="slidenum">
@@ -1794,6 +1974,107 @@
               <a:t>‹#›</a:t>
             </a:fld>
             <a:endParaRPr lang="en-US"/>
+          </a:p>
+        </p:txBody>
+      </p:sp>
+      <p:sp>
+        <p:nvSpPr>
+          <p:cNvPr id="14" name="Footer Placeholder 13"/>
+          <p:cNvSpPr>
+            <a:spLocks noGrp="1"/>
+          </p:cNvSpPr>
+          <p:nvPr>
+            <p:ph type="ftr" sz="quarter" idx="17"/>
+          </p:nvPr>
+        </p:nvSpPr>
+        <p:spPr/>
+        <p:txBody>
+          <a:bodyPr rtlCol="0"/>
+          <a:lstStyle/>
+          <a:p>
+            <a:endParaRPr lang="en-US"/>
+          </a:p>
+        </p:txBody>
+      </p:sp>
+      <p:sp>
+        <p:nvSpPr>
+          <p:cNvPr id="16" name="Text Placeholder 15"/>
+          <p:cNvSpPr>
+            <a:spLocks noGrp="1"/>
+          </p:cNvSpPr>
+          <p:nvPr>
+            <p:ph type="body" sz="quarter" idx="1"/>
+          </p:nvPr>
+        </p:nvSpPr>
+        <p:spPr>
+          <a:xfrm>
+            <a:off x="609600" y="1752600"/>
+            <a:ext cx="3886200" cy="640080"/>
+          </a:xfrm>
+          <a:solidFill>
+            <a:schemeClr val="accent2"/>
+          </a:solidFill>
+        </p:spPr>
+        <p:txBody>
+          <a:bodyPr rtlCol="0" anchor="ctr"/>
+          <a:lstStyle>
+            <a:lvl1pPr marL="0" indent="0">
+              <a:buFontTx/>
+              <a:buNone/>
+              <a:defRPr sz="2000" b="1">
+                <a:solidFill>
+                  <a:srgbClr val="FFFFFF"/>
+                </a:solidFill>
+              </a:defRPr>
+            </a:lvl1pPr>
+          </a:lstStyle>
+          <a:p>
+            <a:pPr lvl="0" eaLnBrk="1" latinLnBrk="0" hangingPunct="1"/>
+            <a:r>
+              <a:rPr kumimoji="0" lang="en-US" smtClean="0"/>
+              <a:t>Click to edit Master text styles</a:t>
+            </a:r>
+          </a:p>
+        </p:txBody>
+      </p:sp>
+      <p:sp>
+        <p:nvSpPr>
+          <p:cNvPr id="15" name="Text Placeholder 14"/>
+          <p:cNvSpPr>
+            <a:spLocks noGrp="1"/>
+          </p:cNvSpPr>
+          <p:nvPr>
+            <p:ph type="body" sz="quarter" idx="3"/>
+          </p:nvPr>
+        </p:nvSpPr>
+        <p:spPr>
+          <a:xfrm>
+            <a:off x="4800600" y="1752600"/>
+            <a:ext cx="3886200" cy="640080"/>
+          </a:xfrm>
+          <a:solidFill>
+            <a:schemeClr val="accent4"/>
+          </a:solidFill>
+        </p:spPr>
+        <p:txBody>
+          <a:bodyPr rtlCol="0" anchor="ctr"/>
+          <a:lstStyle>
+            <a:lvl1pPr marL="0" indent="0">
+              <a:buFontTx/>
+              <a:buNone/>
+              <a:defRPr sz="2000" b="1">
+                <a:solidFill>
+                  <a:srgbClr val="FFFFFF"/>
+                </a:solidFill>
+              </a:defRPr>
+            </a:lvl1pPr>
+          </a:lstStyle>
+          <a:p>
+            <a:pPr lvl="0" eaLnBrk="1" latinLnBrk="0" hangingPunct="1"/>
+            <a:r>
+              <a:rPr kumimoji="0" lang="en-US" smtClean="0"/>
+              <a:t>Click to edit Master text styles</a:t>
+            </a:r>
           </a:p>
         </p:txBody>
       </p:sp>
@@ -1838,10 +2119,10 @@
           <a:lstStyle/>
           <a:p>
             <a:r>
-              <a:rPr lang="en-US" smtClean="0"/>
+              <a:rPr kumimoji="0" lang="en-US" smtClean="0"/>
               <a:t>Click to edit Master title style</a:t>
             </a:r>
-            <a:endParaRPr lang="en-US"/>
+            <a:endParaRPr kumimoji="0" lang="en-US"/>
           </a:p>
         </p:txBody>
       </p:sp>
@@ -1863,7 +2144,7 @@
             <a:fld id="{1D8BD707-D9CF-40AE-B4C6-C98DA3205C09}" type="datetimeFigureOut">
               <a:rPr lang="en-US" smtClean="0"/>
               <a:pPr/>
-              <a:t>6/23/2009</a:t>
+              <a:t>6/24/2009</a:t>
             </a:fld>
             <a:endParaRPr lang="en-US"/>
           </a:p>
@@ -1901,7 +2182,15 @@
         <p:spPr/>
         <p:txBody>
           <a:bodyPr/>
-          <a:lstStyle/>
+          <a:lstStyle>
+            <a:lvl1pPr>
+              <a:defRPr>
+                <a:solidFill>
+                  <a:srgbClr val="FFFFFF"/>
+                </a:solidFill>
+              </a:defRPr>
+            </a:lvl1pPr>
+          </a:lstStyle>
           <a:p>
             <a:fld id="{B6F15528-21DE-4FAA-801E-634DDDAF4B2B}" type="slidenum">
               <a:rPr lang="en-US" smtClean="0"/>
@@ -1921,7 +2210,7 @@
 </file>
 
 <file path=ppt/slideLayouts/slideLayout7.xml><?xml version="1.0" encoding="utf-8"?>
-<p:sldLayout xmlns:a="http://schemas.openxmlformats.org/drawingml/2006/main" xmlns:r="http://schemas.openxmlformats.org/officeDocument/2006/relationships" xmlns:p="http://schemas.openxmlformats.org/presentationml/2006/main" type="blank" preserve="1">
+<p:sldLayout xmlns:a="http://schemas.openxmlformats.org/drawingml/2006/main" xmlns:r="http://schemas.openxmlformats.org/officeDocument/2006/relationships" xmlns:p="http://schemas.openxmlformats.org/presentationml/2006/main" showMasterSp="0" type="blank" preserve="1">
   <p:cSld name="Blank">
     <p:spTree>
       <p:nvGrpSpPr>
@@ -1955,7 +2244,7 @@
             <a:fld id="{1D8BD707-D9CF-40AE-B4C6-C98DA3205C09}" type="datetimeFigureOut">
               <a:rPr lang="en-US" smtClean="0"/>
               <a:pPr/>
-              <a:t>6/23/2009</a:t>
+              <a:t>6/24/2009</a:t>
             </a:fld>
             <a:endParaRPr lang="en-US"/>
           </a:p>
@@ -1990,10 +2279,23 @@
             <p:ph type="sldNum" sz="quarter" idx="12"/>
           </p:nvPr>
         </p:nvSpPr>
-        <p:spPr/>
+        <p:spPr>
+          <a:xfrm>
+            <a:off x="0" y="6248400"/>
+            <a:ext cx="533400" cy="381000"/>
+          </a:xfrm>
+        </p:spPr>
         <p:txBody>
           <a:bodyPr/>
-          <a:lstStyle/>
+          <a:lstStyle>
+            <a:lvl1pPr>
+              <a:defRPr>
+                <a:solidFill>
+                  <a:schemeClr val="tx2"/>
+                </a:solidFill>
+              </a:defRPr>
+            </a:lvl1pPr>
+          </a:lstStyle>
           <a:p>
             <a:fld id="{B6F15528-21DE-4FAA-801E-634DDDAF4B2B}" type="slidenum">
               <a:rPr lang="en-US" smtClean="0"/>
@@ -2041,233 +2343,92 @@
         </p:nvSpPr>
         <p:spPr>
           <a:xfrm>
-            <a:off x="457200" y="273050"/>
-            <a:ext cx="3008313" cy="1162050"/>
-          </a:xfrm>
-        </p:spPr>
-        <p:txBody>
-          <a:bodyPr anchor="b"/>
+            <a:off x="609600" y="273050"/>
+            <a:ext cx="8077200" cy="869950"/>
+          </a:xfrm>
+        </p:spPr>
+        <p:txBody>
+          <a:bodyPr anchor="ctr"/>
           <a:lstStyle>
             <a:lvl1pPr algn="l">
-              <a:defRPr sz="2000" b="1"/>
+              <a:buNone/>
+              <a:defRPr sz="4400" b="0"/>
             </a:lvl1pPr>
           </a:lstStyle>
           <a:p>
             <a:r>
-              <a:rPr lang="en-US" smtClean="0"/>
+              <a:rPr kumimoji="0" lang="en-US" smtClean="0"/>
               <a:t>Click to edit Master title style</a:t>
             </a:r>
+            <a:endParaRPr kumimoji="0" lang="en-US"/>
+          </a:p>
+        </p:txBody>
+      </p:sp>
+      <p:sp>
+        <p:nvSpPr>
+          <p:cNvPr id="5" name="Date Placeholder 4"/>
+          <p:cNvSpPr>
+            <a:spLocks noGrp="1"/>
+          </p:cNvSpPr>
+          <p:nvPr>
+            <p:ph type="dt" sz="half" idx="10"/>
+          </p:nvPr>
+        </p:nvSpPr>
+        <p:spPr/>
+        <p:txBody>
+          <a:bodyPr/>
+          <a:lstStyle/>
+          <a:p>
+            <a:fld id="{1D8BD707-D9CF-40AE-B4C6-C98DA3205C09}" type="datetimeFigureOut">
+              <a:rPr lang="en-US" smtClean="0"/>
+              <a:pPr/>
+              <a:t>6/24/2009</a:t>
+            </a:fld>
             <a:endParaRPr lang="en-US"/>
           </a:p>
         </p:txBody>
       </p:sp>
       <p:sp>
         <p:nvSpPr>
-          <p:cNvPr id="3" name="Content Placeholder 2"/>
-          <p:cNvSpPr>
-            <a:spLocks noGrp="1"/>
-          </p:cNvSpPr>
-          <p:nvPr>
-            <p:ph idx="1"/>
-          </p:nvPr>
-        </p:nvSpPr>
-        <p:spPr>
-          <a:xfrm>
-            <a:off x="3575050" y="273050"/>
-            <a:ext cx="5111750" cy="5853113"/>
-          </a:xfrm>
-        </p:spPr>
+          <p:cNvPr id="6" name="Footer Placeholder 5"/>
+          <p:cNvSpPr>
+            <a:spLocks noGrp="1"/>
+          </p:cNvSpPr>
+          <p:nvPr>
+            <p:ph type="ftr" sz="quarter" idx="11"/>
+          </p:nvPr>
+        </p:nvSpPr>
+        <p:spPr/>
+        <p:txBody>
+          <a:bodyPr/>
+          <a:lstStyle/>
+          <a:p>
+            <a:endParaRPr lang="en-US"/>
+          </a:p>
+        </p:txBody>
+      </p:sp>
+      <p:sp>
+        <p:nvSpPr>
+          <p:cNvPr id="7" name="Slide Number Placeholder 6"/>
+          <p:cNvSpPr>
+            <a:spLocks noGrp="1"/>
+          </p:cNvSpPr>
+          <p:nvPr>
+            <p:ph type="sldNum" sz="quarter" idx="12"/>
+          </p:nvPr>
+        </p:nvSpPr>
+        <p:spPr/>
         <p:txBody>
           <a:bodyPr/>
           <a:lstStyle>
             <a:lvl1pPr>
-              <a:defRPr sz="3200"/>
+              <a:defRPr>
+                <a:solidFill>
+                  <a:srgbClr val="FFFFFF"/>
+                </a:solidFill>
+              </a:defRPr>
             </a:lvl1pPr>
-            <a:lvl2pPr>
-              <a:defRPr sz="2800"/>
-            </a:lvl2pPr>
-            <a:lvl3pPr>
-              <a:defRPr sz="2400"/>
-            </a:lvl3pPr>
-            <a:lvl4pPr>
-              <a:defRPr sz="2000"/>
-            </a:lvl4pPr>
-            <a:lvl5pPr>
-              <a:defRPr sz="2000"/>
-            </a:lvl5pPr>
-            <a:lvl6pPr>
-              <a:defRPr sz="2000"/>
-            </a:lvl6pPr>
-            <a:lvl7pPr>
-              <a:defRPr sz="2000"/>
-            </a:lvl7pPr>
-            <a:lvl8pPr>
-              <a:defRPr sz="2000"/>
-            </a:lvl8pPr>
-            <a:lvl9pPr>
-              <a:defRPr sz="2000"/>
-            </a:lvl9pPr>
           </a:lstStyle>
-          <a:p>
-            <a:pPr lvl="0"/>
-            <a:r>
-              <a:rPr lang="en-US" smtClean="0"/>
-              <a:t>Click to edit Master text styles</a:t>
-            </a:r>
-          </a:p>
-          <a:p>
-            <a:pPr lvl="1"/>
-            <a:r>
-              <a:rPr lang="en-US" smtClean="0"/>
-              <a:t>Second level</a:t>
-            </a:r>
-          </a:p>
-          <a:p>
-            <a:pPr lvl="2"/>
-            <a:r>
-              <a:rPr lang="en-US" smtClean="0"/>
-              <a:t>Third level</a:t>
-            </a:r>
-          </a:p>
-          <a:p>
-            <a:pPr lvl="3"/>
-            <a:r>
-              <a:rPr lang="en-US" smtClean="0"/>
-              <a:t>Fourth level</a:t>
-            </a:r>
-          </a:p>
-          <a:p>
-            <a:pPr lvl="4"/>
-            <a:r>
-              <a:rPr lang="en-US" smtClean="0"/>
-              <a:t>Fifth level</a:t>
-            </a:r>
-            <a:endParaRPr lang="en-US"/>
-          </a:p>
-        </p:txBody>
-      </p:sp>
-      <p:sp>
-        <p:nvSpPr>
-          <p:cNvPr id="4" name="Text Placeholder 3"/>
-          <p:cNvSpPr>
-            <a:spLocks noGrp="1"/>
-          </p:cNvSpPr>
-          <p:nvPr>
-            <p:ph type="body" sz="half" idx="2"/>
-          </p:nvPr>
-        </p:nvSpPr>
-        <p:spPr>
-          <a:xfrm>
-            <a:off x="457200" y="1435100"/>
-            <a:ext cx="3008313" cy="4691063"/>
-          </a:xfrm>
-        </p:spPr>
-        <p:txBody>
-          <a:bodyPr/>
-          <a:lstStyle>
-            <a:lvl1pPr marL="0" indent="0">
-              <a:buNone/>
-              <a:defRPr sz="1400"/>
-            </a:lvl1pPr>
-            <a:lvl2pPr marL="457200" indent="0">
-              <a:buNone/>
-              <a:defRPr sz="1200"/>
-            </a:lvl2pPr>
-            <a:lvl3pPr marL="914400" indent="0">
-              <a:buNone/>
-              <a:defRPr sz="1000"/>
-            </a:lvl3pPr>
-            <a:lvl4pPr marL="1371600" indent="0">
-              <a:buNone/>
-              <a:defRPr sz="900"/>
-            </a:lvl4pPr>
-            <a:lvl5pPr marL="1828800" indent="0">
-              <a:buNone/>
-              <a:defRPr sz="900"/>
-            </a:lvl5pPr>
-            <a:lvl6pPr marL="2286000" indent="0">
-              <a:buNone/>
-              <a:defRPr sz="900"/>
-            </a:lvl6pPr>
-            <a:lvl7pPr marL="2743200" indent="0">
-              <a:buNone/>
-              <a:defRPr sz="900"/>
-            </a:lvl7pPr>
-            <a:lvl8pPr marL="3200400" indent="0">
-              <a:buNone/>
-              <a:defRPr sz="900"/>
-            </a:lvl8pPr>
-            <a:lvl9pPr marL="3657600" indent="0">
-              <a:buNone/>
-              <a:defRPr sz="900"/>
-            </a:lvl9pPr>
-          </a:lstStyle>
-          <a:p>
-            <a:pPr lvl="0"/>
-            <a:r>
-              <a:rPr lang="en-US" smtClean="0"/>
-              <a:t>Click to edit Master text styles</a:t>
-            </a:r>
-          </a:p>
-        </p:txBody>
-      </p:sp>
-      <p:sp>
-        <p:nvSpPr>
-          <p:cNvPr id="5" name="Date Placeholder 4"/>
-          <p:cNvSpPr>
-            <a:spLocks noGrp="1"/>
-          </p:cNvSpPr>
-          <p:nvPr>
-            <p:ph type="dt" sz="half" idx="10"/>
-          </p:nvPr>
-        </p:nvSpPr>
-        <p:spPr/>
-        <p:txBody>
-          <a:bodyPr/>
-          <a:lstStyle/>
-          <a:p>
-            <a:fld id="{1D8BD707-D9CF-40AE-B4C6-C98DA3205C09}" type="datetimeFigureOut">
-              <a:rPr lang="en-US" smtClean="0"/>
-              <a:pPr/>
-              <a:t>6/23/2009</a:t>
-            </a:fld>
-            <a:endParaRPr lang="en-US"/>
-          </a:p>
-        </p:txBody>
-      </p:sp>
-      <p:sp>
-        <p:nvSpPr>
-          <p:cNvPr id="6" name="Footer Placeholder 5"/>
-          <p:cNvSpPr>
-            <a:spLocks noGrp="1"/>
-          </p:cNvSpPr>
-          <p:nvPr>
-            <p:ph type="ftr" sz="quarter" idx="11"/>
-          </p:nvPr>
-        </p:nvSpPr>
-        <p:spPr/>
-        <p:txBody>
-          <a:bodyPr/>
-          <a:lstStyle/>
-          <a:p>
-            <a:endParaRPr lang="en-US"/>
-          </a:p>
-        </p:txBody>
-      </p:sp>
-      <p:sp>
-        <p:nvSpPr>
-          <p:cNvPr id="7" name="Slide Number Placeholder 6"/>
-          <p:cNvSpPr>
-            <a:spLocks noGrp="1"/>
-          </p:cNvSpPr>
-          <p:nvPr>
-            <p:ph type="sldNum" sz="quarter" idx="12"/>
-          </p:nvPr>
-        </p:nvSpPr>
-        <p:spPr/>
-        <p:txBody>
-          <a:bodyPr/>
-          <a:lstStyle/>
           <a:p>
             <a:fld id="{B6F15528-21DE-4FAA-801E-634DDDAF4B2B}" type="slidenum">
               <a:rPr lang="en-US" smtClean="0"/>
@@ -2275,6 +2436,137 @@
               <a:t>‹#›</a:t>
             </a:fld>
             <a:endParaRPr lang="en-US"/>
+          </a:p>
+        </p:txBody>
+      </p:sp>
+      <p:sp>
+        <p:nvSpPr>
+          <p:cNvPr id="3" name="Text Placeholder 2"/>
+          <p:cNvSpPr>
+            <a:spLocks noGrp="1"/>
+          </p:cNvSpPr>
+          <p:nvPr>
+            <p:ph type="body" idx="2"/>
+          </p:nvPr>
+        </p:nvSpPr>
+        <p:spPr>
+          <a:xfrm>
+            <a:off x="609600" y="1752600"/>
+            <a:ext cx="1600200" cy="4343400"/>
+          </a:xfrm>
+          <a:ln w="50800" cap="sq" cmpd="dbl" algn="ctr">
+            <a:solidFill>
+              <a:schemeClr val="accent2"/>
+            </a:solidFill>
+            <a:prstDash val="solid"/>
+            <a:miter lim="800000"/>
+          </a:ln>
+          <a:effectLst/>
+        </p:spPr>
+        <p:style>
+          <a:lnRef idx="3">
+            <a:schemeClr val="lt1"/>
+          </a:lnRef>
+          <a:fillRef idx="1">
+            <a:schemeClr val="accent2"/>
+          </a:fillRef>
+          <a:effectRef idx="1">
+            <a:schemeClr val="accent2"/>
+          </a:effectRef>
+          <a:fontRef idx="minor">
+            <a:schemeClr val="lt1"/>
+          </a:fontRef>
+        </p:style>
+        <p:txBody>
+          <a:bodyPr lIns="137160" tIns="182880" rIns="137160" bIns="91440"/>
+          <a:lstStyle>
+            <a:lvl1pPr marL="0" indent="0">
+              <a:spcAft>
+                <a:spcPts val="1000"/>
+              </a:spcAft>
+              <a:buNone/>
+              <a:defRPr sz="1800"/>
+            </a:lvl1pPr>
+            <a:lvl2pPr>
+              <a:buNone/>
+              <a:defRPr sz="1200"/>
+            </a:lvl2pPr>
+            <a:lvl3pPr>
+              <a:buNone/>
+              <a:defRPr sz="1000"/>
+            </a:lvl3pPr>
+            <a:lvl4pPr>
+              <a:buNone/>
+              <a:defRPr sz="900"/>
+            </a:lvl4pPr>
+            <a:lvl5pPr>
+              <a:buNone/>
+              <a:defRPr sz="900"/>
+            </a:lvl5pPr>
+          </a:lstStyle>
+          <a:p>
+            <a:pPr lvl="0" eaLnBrk="1" latinLnBrk="0" hangingPunct="1"/>
+            <a:r>
+              <a:rPr kumimoji="0" lang="en-US" smtClean="0"/>
+              <a:t>Click to edit Master text styles</a:t>
+            </a:r>
+          </a:p>
+        </p:txBody>
+      </p:sp>
+      <p:sp>
+        <p:nvSpPr>
+          <p:cNvPr id="9" name="Content Placeholder 8"/>
+          <p:cNvSpPr>
+            <a:spLocks noGrp="1"/>
+          </p:cNvSpPr>
+          <p:nvPr>
+            <p:ph sz="quarter" idx="1"/>
+          </p:nvPr>
+        </p:nvSpPr>
+        <p:spPr>
+          <a:xfrm>
+            <a:off x="2362200" y="1752600"/>
+            <a:ext cx="6400800" cy="4419600"/>
+          </a:xfrm>
+        </p:spPr>
+        <p:txBody>
+          <a:bodyPr/>
+          <a:lstStyle/>
+          <a:p>
+            <a:pPr lvl="0" eaLnBrk="1" latinLnBrk="0" hangingPunct="1"/>
+            <a:r>
+              <a:rPr lang="en-US" smtClean="0"/>
+              <a:t>Click to edit Master text styles</a:t>
+            </a:r>
+          </a:p>
+          <a:p>
+            <a:pPr lvl="1" eaLnBrk="1" latinLnBrk="0" hangingPunct="1"/>
+            <a:r>
+              <a:rPr lang="en-US" smtClean="0"/>
+              <a:t>Second level</a:t>
+            </a:r>
+          </a:p>
+          <a:p>
+            <a:pPr lvl="2" eaLnBrk="1" latinLnBrk="0" hangingPunct="1"/>
+            <a:r>
+              <a:rPr lang="en-US" smtClean="0"/>
+              <a:t>Third level</a:t>
+            </a:r>
+          </a:p>
+          <a:p>
+            <a:pPr lvl="3" eaLnBrk="1" latinLnBrk="0" hangingPunct="1"/>
+            <a:r>
+              <a:rPr lang="en-US" smtClean="0"/>
+              <a:t>Fourth level</a:t>
+            </a:r>
+          </a:p>
+          <a:p>
+            <a:pPr lvl="4" eaLnBrk="1" latinLnBrk="0" hangingPunct="1"/>
+            <a:r>
+              <a:rPr lang="en-US" smtClean="0"/>
+              <a:t>Fifth level</a:t>
+            </a:r>
+            <a:endParaRPr kumimoji="0" lang="en-US"/>
           </a:p>
         </p:txBody>
       </p:sp>
@@ -2287,8 +2579,13 @@
 </file>
 
 <file path=ppt/slideLayouts/slideLayout9.xml><?xml version="1.0" encoding="utf-8"?>
-<p:sldLayout xmlns:a="http://schemas.openxmlformats.org/drawingml/2006/main" xmlns:r="http://schemas.openxmlformats.org/officeDocument/2006/relationships" xmlns:p="http://schemas.openxmlformats.org/presentationml/2006/main" type="picTx" preserve="1">
+<p:sldLayout xmlns:a="http://schemas.openxmlformats.org/drawingml/2006/main" xmlns:r="http://schemas.openxmlformats.org/officeDocument/2006/relationships" xmlns:p="http://schemas.openxmlformats.org/presentationml/2006/main" showMasterSp="0" type="picTx" preserve="1">
   <p:cSld name="Picture with Caption">
+    <p:bg>
+      <p:bgRef idx="1003">
+        <a:schemeClr val="bg2"/>
+      </p:bgRef>
+    </p:bg>
     <p:spTree>
       <p:nvGrpSpPr>
         <p:cNvPr id="1" name=""/>
@@ -2305,6 +2602,202 @@
       </p:grpSpPr>
       <p:sp>
         <p:nvSpPr>
+          <p:cNvPr id="4" name="Text Placeholder 3"/>
+          <p:cNvSpPr>
+            <a:spLocks noGrp="1"/>
+          </p:cNvSpPr>
+          <p:nvPr>
+            <p:ph type="body" sz="half" idx="2"/>
+          </p:nvPr>
+        </p:nvSpPr>
+        <p:spPr>
+          <a:xfrm>
+            <a:off x="1600200" y="5486400"/>
+            <a:ext cx="7315200" cy="685800"/>
+          </a:xfrm>
+        </p:spPr>
+        <p:txBody>
+          <a:bodyPr/>
+          <a:lstStyle>
+            <a:lvl1pPr marL="0" indent="0">
+              <a:buFontTx/>
+              <a:buNone/>
+              <a:defRPr sz="1700"/>
+            </a:lvl1pPr>
+            <a:lvl2pPr>
+              <a:buFontTx/>
+              <a:buNone/>
+              <a:defRPr sz="1200"/>
+            </a:lvl2pPr>
+            <a:lvl3pPr>
+              <a:buFontTx/>
+              <a:buNone/>
+              <a:defRPr sz="1000"/>
+            </a:lvl3pPr>
+            <a:lvl4pPr>
+              <a:buFontTx/>
+              <a:buNone/>
+              <a:defRPr sz="900"/>
+            </a:lvl4pPr>
+            <a:lvl5pPr>
+              <a:buFontTx/>
+              <a:buNone/>
+              <a:defRPr sz="900"/>
+            </a:lvl5pPr>
+          </a:lstStyle>
+          <a:p>
+            <a:pPr lvl="0" eaLnBrk="1" latinLnBrk="0" hangingPunct="1"/>
+            <a:r>
+              <a:rPr kumimoji="0" lang="en-US" smtClean="0"/>
+              <a:t>Click to edit Master text styles</a:t>
+            </a:r>
+          </a:p>
+        </p:txBody>
+      </p:sp>
+      <p:sp>
+        <p:nvSpPr>
+          <p:cNvPr id="8" name="Rectangle 7"/>
+          <p:cNvSpPr/>
+          <p:nvPr/>
+        </p:nvSpPr>
+        <p:spPr bwMode="white">
+          <a:xfrm>
+            <a:off x="-9144" y="4572000"/>
+            <a:ext cx="9144000" cy="886968"/>
+          </a:xfrm>
+          <a:prstGeom prst="rect">
+            <a:avLst/>
+          </a:prstGeom>
+          <a:solidFill>
+            <a:srgbClr val="FFFFFF"/>
+          </a:solidFill>
+          <a:ln w="50800" cap="rnd" cmpd="dbl" algn="ctr">
+            <a:noFill/>
+            <a:prstDash val="solid"/>
+          </a:ln>
+          <a:effectLst/>
+        </p:spPr>
+        <p:style>
+          <a:lnRef idx="3">
+            <a:schemeClr val="lt1"/>
+          </a:lnRef>
+          <a:fillRef idx="1">
+            <a:schemeClr val="accent1"/>
+          </a:fillRef>
+          <a:effectRef idx="1">
+            <a:schemeClr val="accent1"/>
+          </a:effectRef>
+          <a:fontRef idx="minor">
+            <a:schemeClr val="lt1"/>
+          </a:fontRef>
+        </p:style>
+        <p:txBody>
+          <a:bodyPr anchor="ctr"/>
+          <a:lstStyle/>
+          <a:p>
+            <a:pPr algn="ctr" eaLnBrk="1" latinLnBrk="0" hangingPunct="1"/>
+            <a:endParaRPr kumimoji="0" lang="en-US"/>
+          </a:p>
+        </p:txBody>
+      </p:sp>
+      <p:sp>
+        <p:nvSpPr>
+          <p:cNvPr id="9" name="Rectangle 8"/>
+          <p:cNvSpPr/>
+          <p:nvPr/>
+        </p:nvSpPr>
+        <p:spPr>
+          <a:xfrm>
+            <a:off x="-9144" y="4663440"/>
+            <a:ext cx="1463040" cy="713232"/>
+          </a:xfrm>
+          <a:prstGeom prst="rect">
+            <a:avLst/>
+          </a:prstGeom>
+          <a:solidFill>
+            <a:schemeClr val="accent2">
+              <a:alpha val="100000"/>
+            </a:schemeClr>
+          </a:solidFill>
+          <a:ln w="50800" cap="rnd" cmpd="dbl" algn="ctr">
+            <a:noFill/>
+            <a:prstDash val="solid"/>
+          </a:ln>
+          <a:effectLst/>
+        </p:spPr>
+        <p:style>
+          <a:lnRef idx="3">
+            <a:schemeClr val="lt1"/>
+          </a:lnRef>
+          <a:fillRef idx="1">
+            <a:schemeClr val="accent1"/>
+          </a:fillRef>
+          <a:effectRef idx="1">
+            <a:schemeClr val="accent1"/>
+          </a:effectRef>
+          <a:fontRef idx="minor">
+            <a:schemeClr val="lt1"/>
+          </a:fontRef>
+        </p:style>
+        <p:txBody>
+          <a:bodyPr anchor="ctr"/>
+          <a:lstStyle/>
+          <a:p>
+            <a:pPr algn="ctr" eaLnBrk="1" latinLnBrk="0" hangingPunct="1"/>
+            <a:endParaRPr kumimoji="0" lang="en-US"/>
+          </a:p>
+        </p:txBody>
+      </p:sp>
+      <p:sp>
+        <p:nvSpPr>
+          <p:cNvPr id="10" name="Rectangle 9"/>
+          <p:cNvSpPr/>
+          <p:nvPr/>
+        </p:nvSpPr>
+        <p:spPr>
+          <a:xfrm>
+            <a:off x="1545336" y="4654296"/>
+            <a:ext cx="7598664" cy="713232"/>
+          </a:xfrm>
+          <a:prstGeom prst="rect">
+            <a:avLst/>
+          </a:prstGeom>
+          <a:solidFill>
+            <a:schemeClr val="accent1">
+              <a:alpha val="100000"/>
+            </a:schemeClr>
+          </a:solidFill>
+          <a:ln w="50800" cap="rnd" cmpd="dbl" algn="ctr">
+            <a:noFill/>
+            <a:prstDash val="solid"/>
+          </a:ln>
+          <a:effectLst/>
+        </p:spPr>
+        <p:style>
+          <a:lnRef idx="3">
+            <a:schemeClr val="lt1"/>
+          </a:lnRef>
+          <a:fillRef idx="1">
+            <a:schemeClr val="accent1"/>
+          </a:fillRef>
+          <a:effectRef idx="1">
+            <a:schemeClr val="accent1"/>
+          </a:effectRef>
+          <a:fontRef idx="minor">
+            <a:schemeClr val="lt1"/>
+          </a:fontRef>
+        </p:style>
+        <p:txBody>
+          <a:bodyPr anchor="ctr"/>
+          <a:lstStyle/>
+          <a:p>
+            <a:pPr algn="ctr" eaLnBrk="1" latinLnBrk="0" hangingPunct="1"/>
+            <a:endParaRPr kumimoji="0" lang="en-US"/>
+          </a:p>
+        </p:txBody>
+      </p:sp>
+      <p:sp>
+        <p:nvSpPr>
           <p:cNvPr id="2" name="Title 1"/>
           <p:cNvSpPr>
             <a:spLocks noGrp="1"/>
@@ -2315,28 +2808,165 @@
         </p:nvSpPr>
         <p:spPr>
           <a:xfrm>
-            <a:off x="1792288" y="4800600"/>
-            <a:ext cx="5486400" cy="566738"/>
-          </a:xfrm>
-        </p:spPr>
-        <p:txBody>
-          <a:bodyPr anchor="b"/>
+            <a:off x="1600200" y="4648200"/>
+            <a:ext cx="7315200" cy="685800"/>
+          </a:xfrm>
+        </p:spPr>
+        <p:txBody>
+          <a:bodyPr anchor="ctr"/>
           <a:lstStyle>
             <a:lvl1pPr algn="l">
-              <a:defRPr sz="2000" b="1"/>
+              <a:buNone/>
+              <a:defRPr sz="2800" b="0">
+                <a:solidFill>
+                  <a:srgbClr val="FFFFFF"/>
+                </a:solidFill>
+              </a:defRPr>
             </a:lvl1pPr>
           </a:lstStyle>
           <a:p>
             <a:r>
-              <a:rPr lang="en-US" smtClean="0"/>
+              <a:rPr kumimoji="0" lang="en-US" smtClean="0"/>
               <a:t>Click to edit Master title style</a:t>
             </a:r>
+            <a:endParaRPr kumimoji="0" lang="en-US"/>
+          </a:p>
+        </p:txBody>
+      </p:sp>
+      <p:sp>
+        <p:nvSpPr>
+          <p:cNvPr id="11" name="Rectangle 10"/>
+          <p:cNvSpPr/>
+          <p:nvPr/>
+        </p:nvSpPr>
+        <p:spPr bwMode="white">
+          <a:xfrm>
+            <a:off x="1447800" y="0"/>
+            <a:ext cx="100584" cy="6867144"/>
+          </a:xfrm>
+          <a:prstGeom prst="rect">
+            <a:avLst/>
+          </a:prstGeom>
+          <a:solidFill>
+            <a:srgbClr val="FFFFFF"/>
+          </a:solidFill>
+          <a:ln w="50800" cap="rnd" cmpd="dbl" algn="ctr">
+            <a:noFill/>
+            <a:prstDash val="solid"/>
+          </a:ln>
+          <a:effectLst/>
+        </p:spPr>
+        <p:style>
+          <a:lnRef idx="3">
+            <a:schemeClr val="lt1"/>
+          </a:lnRef>
+          <a:fillRef idx="1">
+            <a:schemeClr val="accent1"/>
+          </a:fillRef>
+          <a:effectRef idx="1">
+            <a:schemeClr val="accent1"/>
+          </a:effectRef>
+          <a:fontRef idx="minor">
+            <a:schemeClr val="lt1"/>
+          </a:fontRef>
+        </p:style>
+        <p:txBody>
+          <a:bodyPr anchor="ctr"/>
+          <a:lstStyle/>
+          <a:p>
+            <a:pPr algn="ctr" eaLnBrk="1" latinLnBrk="0" hangingPunct="1"/>
+            <a:endParaRPr kumimoji="0" lang="en-US"/>
+          </a:p>
+        </p:txBody>
+      </p:sp>
+      <p:sp>
+        <p:nvSpPr>
+          <p:cNvPr id="12" name="Date Placeholder 11"/>
+          <p:cNvSpPr>
+            <a:spLocks noGrp="1"/>
+          </p:cNvSpPr>
+          <p:nvPr>
+            <p:ph type="dt" sz="half" idx="10"/>
+          </p:nvPr>
+        </p:nvSpPr>
+        <p:spPr>
+          <a:xfrm>
+            <a:off x="6248400" y="6248400"/>
+            <a:ext cx="2667000" cy="365125"/>
+          </a:xfrm>
+        </p:spPr>
+        <p:txBody>
+          <a:bodyPr rtlCol="0"/>
+          <a:lstStyle/>
+          <a:p>
+            <a:fld id="{1D8BD707-D9CF-40AE-B4C6-C98DA3205C09}" type="datetimeFigureOut">
+              <a:rPr lang="en-US" smtClean="0"/>
+              <a:pPr/>
+              <a:t>6/24/2009</a:t>
+            </a:fld>
             <a:endParaRPr lang="en-US"/>
           </a:p>
         </p:txBody>
       </p:sp>
       <p:sp>
         <p:nvSpPr>
+          <p:cNvPr id="13" name="Slide Number Placeholder 12"/>
+          <p:cNvSpPr>
+            <a:spLocks noGrp="1"/>
+          </p:cNvSpPr>
+          <p:nvPr>
+            <p:ph type="sldNum" sz="quarter" idx="11"/>
+          </p:nvPr>
+        </p:nvSpPr>
+        <p:spPr>
+          <a:xfrm>
+            <a:off x="0" y="4667249"/>
+            <a:ext cx="1447800" cy="663578"/>
+          </a:xfrm>
+        </p:spPr>
+        <p:txBody>
+          <a:bodyPr rtlCol="0"/>
+          <a:lstStyle>
+            <a:lvl1pPr>
+              <a:defRPr sz="2800"/>
+            </a:lvl1pPr>
+          </a:lstStyle>
+          <a:p>
+            <a:fld id="{B6F15528-21DE-4FAA-801E-634DDDAF4B2B}" type="slidenum">
+              <a:rPr lang="en-US" smtClean="0"/>
+              <a:pPr/>
+              <a:t>‹#›</a:t>
+            </a:fld>
+            <a:endParaRPr lang="en-US"/>
+          </a:p>
+        </p:txBody>
+      </p:sp>
+      <p:sp>
+        <p:nvSpPr>
+          <p:cNvPr id="14" name="Footer Placeholder 13"/>
+          <p:cNvSpPr>
+            <a:spLocks noGrp="1"/>
+          </p:cNvSpPr>
+          <p:nvPr>
+            <p:ph type="ftr" sz="quarter" idx="12"/>
+          </p:nvPr>
+        </p:nvSpPr>
+        <p:spPr>
+          <a:xfrm>
+            <a:off x="1600200" y="6248206"/>
+            <a:ext cx="4572000" cy="365125"/>
+          </a:xfrm>
+        </p:spPr>
+        <p:txBody>
+          <a:bodyPr rtlCol="0"/>
+          <a:lstStyle/>
+          <a:p>
+            <a:endParaRPr lang="en-US"/>
+          </a:p>
+        </p:txBody>
+      </p:sp>
+      <p:sp>
+        <p:nvSpPr>
           <p:cNvPr id="3" name="Picture Placeholder 2"/>
           <p:cNvSpPr>
             <a:spLocks noGrp="1"/>
@@ -2347,9 +2977,17 @@
         </p:nvSpPr>
         <p:spPr>
           <a:xfrm>
-            <a:off x="1792288" y="612775"/>
-            <a:ext cx="5486400" cy="4114800"/>
-          </a:xfrm>
+            <a:off x="1560576" y="0"/>
+            <a:ext cx="7583424" cy="4568952"/>
+          </a:xfrm>
+          <a:solidFill>
+            <a:schemeClr val="accent1">
+              <a:tint val="40000"/>
+            </a:schemeClr>
+          </a:solidFill>
+          <a:ln>
+            <a:noFill/>
+          </a:ln>
         </p:spPr>
         <p:txBody>
           <a:bodyPr/>
@@ -2358,180 +2996,20 @@
               <a:buNone/>
               <a:defRPr sz="3200"/>
             </a:lvl1pPr>
-            <a:lvl2pPr marL="457200" indent="0">
-              <a:buNone/>
-              <a:defRPr sz="2800"/>
-            </a:lvl2pPr>
-            <a:lvl3pPr marL="914400" indent="0">
-              <a:buNone/>
-              <a:defRPr sz="2400"/>
-            </a:lvl3pPr>
-            <a:lvl4pPr marL="1371600" indent="0">
-              <a:buNone/>
-              <a:defRPr sz="2000"/>
-            </a:lvl4pPr>
-            <a:lvl5pPr marL="1828800" indent="0">
-              <a:buNone/>
-              <a:defRPr sz="2000"/>
-            </a:lvl5pPr>
-            <a:lvl6pPr marL="2286000" indent="0">
-              <a:buNone/>
-              <a:defRPr sz="2000"/>
-            </a:lvl6pPr>
-            <a:lvl7pPr marL="2743200" indent="0">
-              <a:buNone/>
-              <a:defRPr sz="2000"/>
-            </a:lvl7pPr>
-            <a:lvl8pPr marL="3200400" indent="0">
-              <a:buNone/>
-              <a:defRPr sz="2000"/>
-            </a:lvl8pPr>
-            <a:lvl9pPr marL="3657600" indent="0">
-              <a:buNone/>
-              <a:defRPr sz="2000"/>
-            </a:lvl9pPr>
           </a:lstStyle>
           <a:p>
-            <a:endParaRPr lang="en-US"/>
-          </a:p>
-        </p:txBody>
-      </p:sp>
-      <p:sp>
-        <p:nvSpPr>
-          <p:cNvPr id="4" name="Text Placeholder 3"/>
-          <p:cNvSpPr>
-            <a:spLocks noGrp="1"/>
-          </p:cNvSpPr>
-          <p:nvPr>
-            <p:ph type="body" sz="half" idx="2"/>
-          </p:nvPr>
-        </p:nvSpPr>
-        <p:spPr>
-          <a:xfrm>
-            <a:off x="1792288" y="5367338"/>
-            <a:ext cx="5486400" cy="804862"/>
-          </a:xfrm>
-        </p:spPr>
-        <p:txBody>
-          <a:bodyPr/>
-          <a:lstStyle>
-            <a:lvl1pPr marL="0" indent="0">
-              <a:buNone/>
-              <a:defRPr sz="1400"/>
-            </a:lvl1pPr>
-            <a:lvl2pPr marL="457200" indent="0">
-              <a:buNone/>
-              <a:defRPr sz="1200"/>
-            </a:lvl2pPr>
-            <a:lvl3pPr marL="914400" indent="0">
-              <a:buNone/>
-              <a:defRPr sz="1000"/>
-            </a:lvl3pPr>
-            <a:lvl4pPr marL="1371600" indent="0">
-              <a:buNone/>
-              <a:defRPr sz="900"/>
-            </a:lvl4pPr>
-            <a:lvl5pPr marL="1828800" indent="0">
-              <a:buNone/>
-              <a:defRPr sz="900"/>
-            </a:lvl5pPr>
-            <a:lvl6pPr marL="2286000" indent="0">
-              <a:buNone/>
-              <a:defRPr sz="900"/>
-            </a:lvl6pPr>
-            <a:lvl7pPr marL="2743200" indent="0">
-              <a:buNone/>
-              <a:defRPr sz="900"/>
-            </a:lvl7pPr>
-            <a:lvl8pPr marL="3200400" indent="0">
-              <a:buNone/>
-              <a:defRPr sz="900"/>
-            </a:lvl8pPr>
-            <a:lvl9pPr marL="3657600" indent="0">
-              <a:buNone/>
-              <a:defRPr sz="900"/>
-            </a:lvl9pPr>
-          </a:lstStyle>
-          <a:p>
-            <a:pPr lvl="0"/>
-            <a:r>
-              <a:rPr lang="en-US" smtClean="0"/>
-              <a:t>Click to edit Master text styles</a:t>
-            </a:r>
-          </a:p>
-        </p:txBody>
-      </p:sp>
-      <p:sp>
-        <p:nvSpPr>
-          <p:cNvPr id="5" name="Date Placeholder 4"/>
-          <p:cNvSpPr>
-            <a:spLocks noGrp="1"/>
-          </p:cNvSpPr>
-          <p:nvPr>
-            <p:ph type="dt" sz="half" idx="10"/>
-          </p:nvPr>
-        </p:nvSpPr>
-        <p:spPr/>
-        <p:txBody>
-          <a:bodyPr/>
-          <a:lstStyle/>
-          <a:p>
-            <a:fld id="{1D8BD707-D9CF-40AE-B4C6-C98DA3205C09}" type="datetimeFigureOut">
-              <a:rPr lang="en-US" smtClean="0"/>
-              <a:pPr/>
-              <a:t>6/23/2009</a:t>
-            </a:fld>
-            <a:endParaRPr lang="en-US"/>
-          </a:p>
-        </p:txBody>
-      </p:sp>
-      <p:sp>
-        <p:nvSpPr>
-          <p:cNvPr id="6" name="Footer Placeholder 5"/>
-          <p:cNvSpPr>
-            <a:spLocks noGrp="1"/>
-          </p:cNvSpPr>
-          <p:nvPr>
-            <p:ph type="ftr" sz="quarter" idx="11"/>
-          </p:nvPr>
-        </p:nvSpPr>
-        <p:spPr/>
-        <p:txBody>
-          <a:bodyPr/>
-          <a:lstStyle/>
-          <a:p>
-            <a:endParaRPr lang="en-US"/>
-          </a:p>
-        </p:txBody>
-      </p:sp>
-      <p:sp>
-        <p:nvSpPr>
-          <p:cNvPr id="7" name="Slide Number Placeholder 6"/>
-          <p:cNvSpPr>
-            <a:spLocks noGrp="1"/>
-          </p:cNvSpPr>
-          <p:nvPr>
-            <p:ph type="sldNum" sz="quarter" idx="12"/>
-          </p:nvPr>
-        </p:nvSpPr>
-        <p:spPr/>
-        <p:txBody>
-          <a:bodyPr/>
-          <a:lstStyle/>
-          <a:p>
-            <a:fld id="{B6F15528-21DE-4FAA-801E-634DDDAF4B2B}" type="slidenum">
-              <a:rPr lang="en-US" smtClean="0"/>
-              <a:pPr/>
-              <a:t>‹#›</a:t>
-            </a:fld>
-            <a:endParaRPr lang="en-US"/>
+            <a:r>
+              <a:rPr kumimoji="0" lang="en-US" smtClean="0"/>
+              <a:t>Click icon to add picture</a:t>
+            </a:r>
+            <a:endParaRPr kumimoji="0" lang="en-US" dirty="0"/>
           </a:p>
         </p:txBody>
       </p:sp>
     </p:spTree>
   </p:cSld>
   <p:clrMapOvr>
-    <a:masterClrMapping/>
+    <a:overrideClrMapping bg1="lt1" tx1="dk1" bg2="lt2" tx2="dk2" accent1="accent1" accent2="accent2" accent3="accent3" accent4="accent4" accent5="accent5" accent6="accent6" hlink="hlink" folHlink="folHlink"/>
   </p:clrMapOvr>
 </p:sldLayout>
 </file>
@@ -2560,7 +3038,7 @@
       </p:grpSpPr>
       <p:sp>
         <p:nvSpPr>
-          <p:cNvPr id="2" name="Title Placeholder 1"/>
+          <p:cNvPr id="22" name="Title Placeholder 21"/>
           <p:cNvSpPr>
             <a:spLocks noGrp="1"/>
           </p:cNvSpPr>
@@ -2570,30 +3048,30 @@
         </p:nvSpPr>
         <p:spPr>
           <a:xfrm>
-            <a:off x="457200" y="274638"/>
-            <a:ext cx="8229600" cy="1143000"/>
+            <a:off x="609600" y="228600"/>
+            <a:ext cx="8153400" cy="990600"/>
           </a:xfrm>
           <a:prstGeom prst="rect">
             <a:avLst/>
           </a:prstGeom>
         </p:spPr>
         <p:txBody>
-          <a:bodyPr vert="horz" lIns="91440" tIns="45720" rIns="91440" bIns="45720" rtlCol="0" anchor="ctr">
+          <a:bodyPr vert="horz" anchor="ctr">
             <a:normAutofit/>
           </a:bodyPr>
           <a:lstStyle/>
           <a:p>
             <a:r>
-              <a:rPr lang="en-US" smtClean="0"/>
+              <a:rPr kumimoji="0" lang="en-US" smtClean="0"/>
               <a:t>Click to edit Master title style</a:t>
             </a:r>
-            <a:endParaRPr lang="en-US"/>
-          </a:p>
-        </p:txBody>
-      </p:sp>
-      <p:sp>
-        <p:nvSpPr>
-          <p:cNvPr id="3" name="Text Placeholder 2"/>
+            <a:endParaRPr kumimoji="0" lang="en-US"/>
+          </a:p>
+        </p:txBody>
+      </p:sp>
+      <p:sp>
+        <p:nvSpPr>
+          <p:cNvPr id="13" name="Text Placeholder 12"/>
           <p:cNvSpPr>
             <a:spLocks noGrp="1"/>
           </p:cNvSpPr>
@@ -2603,59 +3081,59 @@
         </p:nvSpPr>
         <p:spPr>
           <a:xfrm>
-            <a:off x="457200" y="1600200"/>
-            <a:ext cx="8229600" cy="4525963"/>
+            <a:off x="612648" y="1600200"/>
+            <a:ext cx="8153400" cy="4526280"/>
           </a:xfrm>
           <a:prstGeom prst="rect">
             <a:avLst/>
           </a:prstGeom>
         </p:spPr>
         <p:txBody>
-          <a:bodyPr vert="horz" lIns="91440" tIns="45720" rIns="91440" bIns="45720" rtlCol="0">
+          <a:bodyPr vert="horz">
             <a:normAutofit/>
           </a:bodyPr>
           <a:lstStyle/>
           <a:p>
-            <a:pPr lvl="0"/>
-            <a:r>
-              <a:rPr lang="en-US" smtClean="0"/>
+            <a:pPr lvl="0" eaLnBrk="1" latinLnBrk="0" hangingPunct="1"/>
+            <a:r>
+              <a:rPr kumimoji="0" lang="en-US" smtClean="0"/>
               <a:t>Click to edit Master text styles</a:t>
             </a:r>
           </a:p>
           <a:p>
-            <a:pPr lvl="1"/>
-            <a:r>
-              <a:rPr lang="en-US" smtClean="0"/>
+            <a:pPr lvl="1" eaLnBrk="1" latinLnBrk="0" hangingPunct="1"/>
+            <a:r>
+              <a:rPr kumimoji="0" lang="en-US" smtClean="0"/>
               <a:t>Second level</a:t>
             </a:r>
           </a:p>
           <a:p>
-            <a:pPr lvl="2"/>
-            <a:r>
-              <a:rPr lang="en-US" smtClean="0"/>
+            <a:pPr lvl="2" eaLnBrk="1" latinLnBrk="0" hangingPunct="1"/>
+            <a:r>
+              <a:rPr kumimoji="0" lang="en-US" smtClean="0"/>
               <a:t>Third level</a:t>
             </a:r>
           </a:p>
           <a:p>
-            <a:pPr lvl="3"/>
-            <a:r>
-              <a:rPr lang="en-US" smtClean="0"/>
+            <a:pPr lvl="3" eaLnBrk="1" latinLnBrk="0" hangingPunct="1"/>
+            <a:r>
+              <a:rPr kumimoji="0" lang="en-US" smtClean="0"/>
               <a:t>Fourth level</a:t>
             </a:r>
           </a:p>
           <a:p>
-            <a:pPr lvl="4"/>
-            <a:r>
-              <a:rPr lang="en-US" smtClean="0"/>
+            <a:pPr lvl="4" eaLnBrk="1" latinLnBrk="0" hangingPunct="1"/>
+            <a:r>
+              <a:rPr kumimoji="0" lang="en-US" smtClean="0"/>
               <a:t>Fifth level</a:t>
             </a:r>
-            <a:endParaRPr lang="en-US"/>
-          </a:p>
-        </p:txBody>
-      </p:sp>
-      <p:sp>
-        <p:nvSpPr>
-          <p:cNvPr id="4" name="Date Placeholder 3"/>
+            <a:endParaRPr kumimoji="0" lang="en-US"/>
+          </a:p>
+        </p:txBody>
+      </p:sp>
+      <p:sp>
+        <p:nvSpPr>
+          <p:cNvPr id="14" name="Date Placeholder 13"/>
           <p:cNvSpPr>
             <a:spLocks noGrp="1"/>
           </p:cNvSpPr>
@@ -2665,22 +3143,20 @@
         </p:nvSpPr>
         <p:spPr>
           <a:xfrm>
-            <a:off x="457200" y="6356350"/>
-            <a:ext cx="2133600" cy="365125"/>
+            <a:off x="6096000" y="6248400"/>
+            <a:ext cx="2667000" cy="365125"/>
           </a:xfrm>
           <a:prstGeom prst="rect">
             <a:avLst/>
           </a:prstGeom>
         </p:spPr>
         <p:txBody>
-          <a:bodyPr vert="horz" lIns="91440" tIns="45720" rIns="91440" bIns="45720" rtlCol="0" anchor="ctr"/>
+          <a:bodyPr vert="horz" anchor="ctr" anchorCtr="0"/>
           <a:lstStyle>
-            <a:lvl1pPr algn="l">
-              <a:defRPr sz="1200">
+            <a:lvl1pPr algn="l" eaLnBrk="1" latinLnBrk="0" hangingPunct="1">
+              <a:defRPr kumimoji="0" sz="1400">
                 <a:solidFill>
-                  <a:schemeClr val="tx1">
-                    <a:tint val="75000"/>
-                  </a:schemeClr>
+                  <a:schemeClr val="tx2"/>
                 </a:solidFill>
               </a:defRPr>
             </a:lvl1pPr>
@@ -2689,7 +3165,7 @@
             <a:fld id="{1D8BD707-D9CF-40AE-B4C6-C98DA3205C09}" type="datetimeFigureOut">
               <a:rPr lang="en-US" smtClean="0"/>
               <a:pPr/>
-              <a:t>6/23/2009</a:t>
+              <a:t>6/24/2009</a:t>
             </a:fld>
             <a:endParaRPr lang="en-US"/>
           </a:p>
@@ -2697,7 +3173,7 @@
       </p:sp>
       <p:sp>
         <p:nvSpPr>
-          <p:cNvPr id="5" name="Footer Placeholder 4"/>
+          <p:cNvPr id="3" name="Footer Placeholder 2"/>
           <p:cNvSpPr>
             <a:spLocks noGrp="1"/>
           </p:cNvSpPr>
@@ -2707,22 +3183,20 @@
         </p:nvSpPr>
         <p:spPr>
           <a:xfrm>
-            <a:off x="3124200" y="6356350"/>
-            <a:ext cx="2895600" cy="365125"/>
+            <a:off x="609600" y="6248206"/>
+            <a:ext cx="5421083" cy="365125"/>
           </a:xfrm>
           <a:prstGeom prst="rect">
             <a:avLst/>
           </a:prstGeom>
         </p:spPr>
         <p:txBody>
-          <a:bodyPr vert="horz" lIns="91440" tIns="45720" rIns="91440" bIns="45720" rtlCol="0" anchor="ctr"/>
+          <a:bodyPr vert="horz" anchor="ctr"/>
           <a:lstStyle>
-            <a:lvl1pPr algn="ctr">
-              <a:defRPr sz="1200">
+            <a:lvl1pPr algn="r" eaLnBrk="1" latinLnBrk="0" hangingPunct="1">
+              <a:defRPr kumimoji="0" sz="1400">
                 <a:solidFill>
-                  <a:schemeClr val="tx1">
-                    <a:tint val="75000"/>
-                  </a:schemeClr>
+                  <a:schemeClr val="tx2"/>
                 </a:solidFill>
               </a:defRPr>
             </a:lvl1pPr>
@@ -2734,32 +3208,174 @@
       </p:sp>
       <p:sp>
         <p:nvSpPr>
-          <p:cNvPr id="6" name="Slide Number Placeholder 5"/>
-          <p:cNvSpPr>
-            <a:spLocks noGrp="1"/>
-          </p:cNvSpPr>
-          <p:nvPr>
-            <p:ph type="sldNum" sz="quarter" idx="4"/>
-          </p:nvPr>
-        </p:nvSpPr>
-        <p:spPr>
-          <a:xfrm>
-            <a:off x="6553200" y="6356350"/>
-            <a:ext cx="2133600" cy="365125"/>
+          <p:cNvPr id="7" name="Rectangle 6"/>
+          <p:cNvSpPr/>
+          <p:nvPr/>
+        </p:nvSpPr>
+        <p:spPr bwMode="white">
+          <a:xfrm>
+            <a:off x="0" y="1234440"/>
+            <a:ext cx="9144000" cy="320040"/>
           </a:xfrm>
           <a:prstGeom prst="rect">
             <a:avLst/>
           </a:prstGeom>
-        </p:spPr>
-        <p:txBody>
-          <a:bodyPr vert="horz" lIns="91440" tIns="45720" rIns="91440" bIns="45720" rtlCol="0" anchor="ctr"/>
+          <a:solidFill>
+            <a:srgbClr val="FFFFFF"/>
+          </a:solidFill>
+          <a:ln w="50800" cap="rnd" cmpd="dbl" algn="ctr">
+            <a:noFill/>
+            <a:prstDash val="solid"/>
+          </a:ln>
+          <a:effectLst/>
+        </p:spPr>
+        <p:style>
+          <a:lnRef idx="3">
+            <a:schemeClr val="lt1"/>
+          </a:lnRef>
+          <a:fillRef idx="1">
+            <a:schemeClr val="accent1"/>
+          </a:fillRef>
+          <a:effectRef idx="1">
+            <a:schemeClr val="accent1"/>
+          </a:effectRef>
+          <a:fontRef idx="minor">
+            <a:schemeClr val="lt1"/>
+          </a:fontRef>
+        </p:style>
+        <p:txBody>
+          <a:bodyPr anchor="ctr"/>
+          <a:lstStyle/>
+          <a:p>
+            <a:pPr algn="ctr" eaLnBrk="1" latinLnBrk="0" hangingPunct="1"/>
+            <a:endParaRPr kumimoji="0" lang="en-US"/>
+          </a:p>
+        </p:txBody>
+      </p:sp>
+      <p:sp>
+        <p:nvSpPr>
+          <p:cNvPr id="8" name="Rectangle 7"/>
+          <p:cNvSpPr/>
+          <p:nvPr/>
+        </p:nvSpPr>
+        <p:spPr>
+          <a:xfrm>
+            <a:off x="0" y="1280160"/>
+            <a:ext cx="533400" cy="228600"/>
+          </a:xfrm>
+          <a:prstGeom prst="rect">
+            <a:avLst/>
+          </a:prstGeom>
+          <a:solidFill>
+            <a:schemeClr val="accent2">
+              <a:alpha val="100000"/>
+            </a:schemeClr>
+          </a:solidFill>
+          <a:ln w="50800" cap="rnd" cmpd="dbl" algn="ctr">
+            <a:noFill/>
+            <a:prstDash val="solid"/>
+          </a:ln>
+          <a:effectLst/>
+        </p:spPr>
+        <p:style>
+          <a:lnRef idx="3">
+            <a:schemeClr val="lt1"/>
+          </a:lnRef>
+          <a:fillRef idx="1">
+            <a:schemeClr val="accent1"/>
+          </a:fillRef>
+          <a:effectRef idx="1">
+            <a:schemeClr val="accent1"/>
+          </a:effectRef>
+          <a:fontRef idx="minor">
+            <a:schemeClr val="lt1"/>
+          </a:fontRef>
+        </p:style>
+        <p:txBody>
+          <a:bodyPr anchor="ctr"/>
+          <a:lstStyle/>
+          <a:p>
+            <a:pPr algn="ctr" eaLnBrk="1" latinLnBrk="0" hangingPunct="1"/>
+            <a:endParaRPr kumimoji="0" lang="en-US"/>
+          </a:p>
+        </p:txBody>
+      </p:sp>
+      <p:sp>
+        <p:nvSpPr>
+          <p:cNvPr id="9" name="Rectangle 8"/>
+          <p:cNvSpPr/>
+          <p:nvPr/>
+        </p:nvSpPr>
+        <p:spPr>
+          <a:xfrm>
+            <a:off x="590550" y="1280160"/>
+            <a:ext cx="8553450" cy="228600"/>
+          </a:xfrm>
+          <a:prstGeom prst="rect">
+            <a:avLst/>
+          </a:prstGeom>
+          <a:solidFill>
+            <a:schemeClr val="accent1">
+              <a:alpha val="100000"/>
+            </a:schemeClr>
+          </a:solidFill>
+          <a:ln w="50800" cap="rnd" cmpd="dbl" algn="ctr">
+            <a:noFill/>
+            <a:prstDash val="solid"/>
+          </a:ln>
+          <a:effectLst/>
+        </p:spPr>
+        <p:style>
+          <a:lnRef idx="3">
+            <a:schemeClr val="lt1"/>
+          </a:lnRef>
+          <a:fillRef idx="1">
+            <a:schemeClr val="accent1"/>
+          </a:fillRef>
+          <a:effectRef idx="1">
+            <a:schemeClr val="accent1"/>
+          </a:effectRef>
+          <a:fontRef idx="minor">
+            <a:schemeClr val="lt1"/>
+          </a:fontRef>
+        </p:style>
+        <p:txBody>
+          <a:bodyPr anchor="ctr"/>
+          <a:lstStyle/>
+          <a:p>
+            <a:pPr algn="ctr" eaLnBrk="1" latinLnBrk="0" hangingPunct="1"/>
+            <a:endParaRPr kumimoji="0" lang="en-US"/>
+          </a:p>
+        </p:txBody>
+      </p:sp>
+      <p:sp>
+        <p:nvSpPr>
+          <p:cNvPr id="23" name="Slide Number Placeholder 22"/>
+          <p:cNvSpPr>
+            <a:spLocks noGrp="1"/>
+          </p:cNvSpPr>
+          <p:nvPr>
+            <p:ph type="sldNum" sz="quarter" idx="4"/>
+          </p:nvPr>
+        </p:nvSpPr>
+        <p:spPr>
+          <a:xfrm>
+            <a:off x="0" y="1272222"/>
+            <a:ext cx="533400" cy="244476"/>
+          </a:xfrm>
+          <a:prstGeom prst="rect">
+            <a:avLst/>
+          </a:prstGeom>
+        </p:spPr>
+        <p:txBody>
+          <a:bodyPr vert="horz" anchor="ctr" anchorCtr="0">
+            <a:normAutofit/>
+          </a:bodyPr>
           <a:lstStyle>
-            <a:lvl1pPr algn="r">
-              <a:defRPr sz="1200">
+            <a:lvl1pPr algn="ctr" eaLnBrk="1" latinLnBrk="0" hangingPunct="1">
+              <a:defRPr kumimoji="0" sz="1400" b="1">
                 <a:solidFill>
-                  <a:schemeClr val="tx1">
-                    <a:tint val="75000"/>
-                  </a:schemeClr>
+                  <a:srgbClr val="FFFFFF"/>
                 </a:solidFill>
               </a:defRPr>
             </a:lvl1pPr>
@@ -2778,28 +3394,28 @@
   </p:cSld>
   <p:clrMap bg1="lt1" tx1="dk1" bg2="lt2" tx2="dk2" accent1="accent1" accent2="accent2" accent3="accent3" accent4="accent4" accent5="accent5" accent6="accent6" hlink="hlink" folHlink="folHlink"/>
   <p:sldLayoutIdLst>
-    <p:sldLayoutId id="2147483649" r:id="rId1"/>
-    <p:sldLayoutId id="2147483650" r:id="rId2"/>
-    <p:sldLayoutId id="2147483651" r:id="rId3"/>
-    <p:sldLayoutId id="2147483652" r:id="rId4"/>
-    <p:sldLayoutId id="2147483653" r:id="rId5"/>
-    <p:sldLayoutId id="2147483654" r:id="rId6"/>
-    <p:sldLayoutId id="2147483655" r:id="rId7"/>
-    <p:sldLayoutId id="2147483656" r:id="rId8"/>
-    <p:sldLayoutId id="2147483657" r:id="rId9"/>
-    <p:sldLayoutId id="2147483658" r:id="rId10"/>
-    <p:sldLayoutId id="2147483659" r:id="rId11"/>
+    <p:sldLayoutId id="2147483733" r:id="rId1"/>
+    <p:sldLayoutId id="2147483734" r:id="rId2"/>
+    <p:sldLayoutId id="2147483735" r:id="rId3"/>
+    <p:sldLayoutId id="2147483736" r:id="rId4"/>
+    <p:sldLayoutId id="2147483737" r:id="rId5"/>
+    <p:sldLayoutId id="2147483738" r:id="rId6"/>
+    <p:sldLayoutId id="2147483739" r:id="rId7"/>
+    <p:sldLayoutId id="2147483740" r:id="rId8"/>
+    <p:sldLayoutId id="2147483741" r:id="rId9"/>
+    <p:sldLayoutId id="2147483742" r:id="rId10"/>
+    <p:sldLayoutId id="2147483743" r:id="rId11"/>
   </p:sldLayoutIdLst>
   <p:txStyles>
     <p:titleStyle>
-      <a:lvl1pPr algn="ctr" defTabSz="914400" rtl="0" eaLnBrk="1" latinLnBrk="0" hangingPunct="1">
+      <a:lvl1pPr algn="l" rtl="0" eaLnBrk="1" latinLnBrk="0" hangingPunct="1">
         <a:spcBef>
           <a:spcPct val="0"/>
         </a:spcBef>
         <a:buNone/>
-        <a:defRPr sz="4400" kern="1200">
+        <a:defRPr kumimoji="0" sz="4400" kern="1200">
           <a:solidFill>
-            <a:schemeClr val="tx1"/>
+            <a:schemeClr val="tx2"/>
           </a:solidFill>
           <a:latin typeface="+mj-lt"/>
           <a:ea typeface="+mj-ea"/>
@@ -2808,13 +3424,17 @@
       </a:lvl1pPr>
     </p:titleStyle>
     <p:bodyStyle>
-      <a:lvl1pPr marL="342900" indent="-342900" algn="l" defTabSz="914400" rtl="0" eaLnBrk="1" latinLnBrk="0" hangingPunct="1">
+      <a:lvl1pPr marL="320040" indent="-320040" algn="l" rtl="0" eaLnBrk="1" latinLnBrk="0" hangingPunct="1">
         <a:spcBef>
-          <a:spcPct val="20000"/>
+          <a:spcPts val="700"/>
         </a:spcBef>
-        <a:buFont typeface="Arial" pitchFamily="34" charset="0"/>
-        <a:buChar char="•"/>
-        <a:defRPr sz="3200" kern="1200">
+        <a:buClr>
+          <a:schemeClr val="accent2"/>
+        </a:buClr>
+        <a:buSzPct val="60000"/>
+        <a:buFont typeface="Wingdings"/>
+        <a:buChar char=""/>
+        <a:defRPr kumimoji="0" sz="2900" kern="1200">
           <a:solidFill>
             <a:schemeClr val="tx1"/>
           </a:solidFill>
@@ -2823,13 +3443,17 @@
           <a:cs typeface="+mn-cs"/>
         </a:defRPr>
       </a:lvl1pPr>
-      <a:lvl2pPr marL="742950" indent="-285750" algn="l" defTabSz="914400" rtl="0" eaLnBrk="1" latinLnBrk="0" hangingPunct="1">
+      <a:lvl2pPr marL="640080" indent="-274320" algn="l" rtl="0" eaLnBrk="1" latinLnBrk="0" hangingPunct="1">
         <a:spcBef>
-          <a:spcPct val="20000"/>
+          <a:spcPts val="550"/>
         </a:spcBef>
-        <a:buFont typeface="Arial" pitchFamily="34" charset="0"/>
-        <a:buChar char="–"/>
-        <a:defRPr sz="2800" kern="1200">
+        <a:buClr>
+          <a:schemeClr val="accent1"/>
+        </a:buClr>
+        <a:buSzPct val="70000"/>
+        <a:buFont typeface="Wingdings 2"/>
+        <a:buChar char=""/>
+        <a:defRPr kumimoji="0" sz="2600" kern="1200">
           <a:solidFill>
             <a:schemeClr val="tx1"/>
           </a:solidFill>
@@ -2838,13 +3462,17 @@
           <a:cs typeface="+mn-cs"/>
         </a:defRPr>
       </a:lvl2pPr>
-      <a:lvl3pPr marL="1143000" indent="-228600" algn="l" defTabSz="914400" rtl="0" eaLnBrk="1" latinLnBrk="0" hangingPunct="1">
+      <a:lvl3pPr marL="914400" indent="-228600" algn="l" rtl="0" eaLnBrk="1" latinLnBrk="0" hangingPunct="1">
         <a:spcBef>
-          <a:spcPct val="20000"/>
+          <a:spcPts val="500"/>
         </a:spcBef>
-        <a:buFont typeface="Arial" pitchFamily="34" charset="0"/>
-        <a:buChar char="•"/>
-        <a:defRPr sz="2400" kern="1200">
+        <a:buClr>
+          <a:schemeClr val="accent2"/>
+        </a:buClr>
+        <a:buSzPct val="75000"/>
+        <a:buFont typeface="Wingdings"/>
+        <a:buChar char=""/>
+        <a:defRPr kumimoji="0" sz="2300" kern="1200">
           <a:solidFill>
             <a:schemeClr val="tx1"/>
           </a:solidFill>
@@ -2853,13 +3481,17 @@
           <a:cs typeface="+mn-cs"/>
         </a:defRPr>
       </a:lvl3pPr>
-      <a:lvl4pPr marL="1600200" indent="-228600" algn="l" defTabSz="914400" rtl="0" eaLnBrk="1" latinLnBrk="0" hangingPunct="1">
+      <a:lvl4pPr marL="1371600" indent="-228600" algn="l" rtl="0" eaLnBrk="1" latinLnBrk="0" hangingPunct="1">
         <a:spcBef>
-          <a:spcPct val="20000"/>
+          <a:spcPts val="400"/>
         </a:spcBef>
-        <a:buFont typeface="Arial" pitchFamily="34" charset="0"/>
-        <a:buChar char="–"/>
-        <a:defRPr sz="2000" kern="1200">
+        <a:buClr>
+          <a:schemeClr val="accent3"/>
+        </a:buClr>
+        <a:buSzPct val="75000"/>
+        <a:buFont typeface="Wingdings"/>
+        <a:buChar char=""/>
+        <a:defRPr kumimoji="0" sz="2000" kern="1200">
           <a:solidFill>
             <a:schemeClr val="tx1"/>
           </a:solidFill>
@@ -2868,13 +3500,17 @@
           <a:cs typeface="+mn-cs"/>
         </a:defRPr>
       </a:lvl4pPr>
-      <a:lvl5pPr marL="2057400" indent="-228600" algn="l" defTabSz="914400" rtl="0" eaLnBrk="1" latinLnBrk="0" hangingPunct="1">
+      <a:lvl5pPr marL="1828800" indent="-228600" algn="l" rtl="0" eaLnBrk="1" latinLnBrk="0" hangingPunct="1">
         <a:spcBef>
-          <a:spcPct val="20000"/>
+          <a:spcPts val="400"/>
         </a:spcBef>
-        <a:buFont typeface="Arial" pitchFamily="34" charset="0"/>
-        <a:buChar char="»"/>
-        <a:defRPr sz="2000" kern="1200">
+        <a:buClr>
+          <a:schemeClr val="accent4"/>
+        </a:buClr>
+        <a:buSzPct val="65000"/>
+        <a:buFont typeface="Wingdings"/>
+        <a:buChar char=""/>
+        <a:defRPr kumimoji="0" sz="2000" kern="1200">
           <a:solidFill>
             <a:schemeClr val="tx1"/>
           </a:solidFill>
@@ -2883,13 +3519,16 @@
           <a:cs typeface="+mn-cs"/>
         </a:defRPr>
       </a:lvl5pPr>
-      <a:lvl6pPr marL="2514600" indent="-228600" algn="l" defTabSz="914400" rtl="0" eaLnBrk="1" latinLnBrk="0" hangingPunct="1">
+      <a:lvl6pPr marL="2103120" indent="-228600" algn="l" rtl="0" eaLnBrk="1" latinLnBrk="0" hangingPunct="1">
         <a:spcBef>
           <a:spcPct val="20000"/>
         </a:spcBef>
-        <a:buFont typeface="Arial" pitchFamily="34" charset="0"/>
-        <a:buChar char="•"/>
-        <a:defRPr sz="2000" kern="1200">
+        <a:buClr>
+          <a:schemeClr val="accent1"/>
+        </a:buClr>
+        <a:buFont typeface="Wingdings"/>
+        <a:buChar char="§"/>
+        <a:defRPr kumimoji="0" sz="1800" kern="1200" baseline="0">
           <a:solidFill>
             <a:schemeClr val="tx1"/>
           </a:solidFill>
@@ -2898,13 +3537,16 @@
           <a:cs typeface="+mn-cs"/>
         </a:defRPr>
       </a:lvl6pPr>
-      <a:lvl7pPr marL="2971800" indent="-228600" algn="l" defTabSz="914400" rtl="0" eaLnBrk="1" latinLnBrk="0" hangingPunct="1">
+      <a:lvl7pPr marL="2377440" indent="-228600" algn="l" rtl="0" eaLnBrk="1" latinLnBrk="0" hangingPunct="1">
         <a:spcBef>
           <a:spcPct val="20000"/>
         </a:spcBef>
-        <a:buFont typeface="Arial" pitchFamily="34" charset="0"/>
-        <a:buChar char="•"/>
-        <a:defRPr sz="2000" kern="1200">
+        <a:buClr>
+          <a:schemeClr val="accent2"/>
+        </a:buClr>
+        <a:buFont typeface="Wingdings"/>
+        <a:buChar char="§"/>
+        <a:defRPr kumimoji="0" sz="1800" kern="1200" baseline="0">
           <a:solidFill>
             <a:schemeClr val="tx1"/>
           </a:solidFill>
@@ -2913,13 +3555,16 @@
           <a:cs typeface="+mn-cs"/>
         </a:defRPr>
       </a:lvl7pPr>
-      <a:lvl8pPr marL="3429000" indent="-228600" algn="l" defTabSz="914400" rtl="0" eaLnBrk="1" latinLnBrk="0" hangingPunct="1">
+      <a:lvl8pPr marL="2651760" indent="-228600" algn="l" rtl="0" eaLnBrk="1" latinLnBrk="0" hangingPunct="1">
         <a:spcBef>
           <a:spcPct val="20000"/>
         </a:spcBef>
-        <a:buFont typeface="Arial" pitchFamily="34" charset="0"/>
-        <a:buChar char="•"/>
-        <a:defRPr sz="2000" kern="1200">
+        <a:buClr>
+          <a:schemeClr val="accent3"/>
+        </a:buClr>
+        <a:buFont typeface="Wingdings"/>
+        <a:buChar char="§"/>
+        <a:defRPr kumimoji="0" sz="1800" kern="1200" baseline="0">
           <a:solidFill>
             <a:schemeClr val="tx1"/>
           </a:solidFill>
@@ -2928,13 +3573,16 @@
           <a:cs typeface="+mn-cs"/>
         </a:defRPr>
       </a:lvl8pPr>
-      <a:lvl9pPr marL="3886200" indent="-228600" algn="l" defTabSz="914400" rtl="0" eaLnBrk="1" latinLnBrk="0" hangingPunct="1">
+      <a:lvl9pPr marL="2926080" indent="-228600" algn="l" rtl="0" eaLnBrk="1" latinLnBrk="0" hangingPunct="1">
         <a:spcBef>
           <a:spcPct val="20000"/>
         </a:spcBef>
-        <a:buFont typeface="Arial" pitchFamily="34" charset="0"/>
-        <a:buChar char="•"/>
-        <a:defRPr sz="2000" kern="1200">
+        <a:buClr>
+          <a:schemeClr val="accent4"/>
+        </a:buClr>
+        <a:buFont typeface="Wingdings"/>
+        <a:buChar char="§"/>
+        <a:defRPr kumimoji="0" sz="1800" kern="1200" baseline="0">
           <a:solidFill>
             <a:schemeClr val="tx1"/>
           </a:solidFill>
@@ -2945,11 +3593,8 @@
       </a:lvl9pPr>
     </p:bodyStyle>
     <p:otherStyle>
-      <a:defPPr>
-        <a:defRPr lang="en-US"/>
-      </a:defPPr>
-      <a:lvl1pPr marL="0" algn="l" defTabSz="914400" rtl="0" eaLnBrk="1" latinLnBrk="0" hangingPunct="1">
-        <a:defRPr sz="1800" kern="1200">
+      <a:lvl1pPr marL="0" algn="l" rtl="0" eaLnBrk="1" latinLnBrk="0" hangingPunct="1">
+        <a:defRPr kumimoji="0" kern="1200">
           <a:solidFill>
             <a:schemeClr val="tx1"/>
           </a:solidFill>
@@ -2958,8 +3603,8 @@
           <a:cs typeface="+mn-cs"/>
         </a:defRPr>
       </a:lvl1pPr>
-      <a:lvl2pPr marL="457200" algn="l" defTabSz="914400" rtl="0" eaLnBrk="1" latinLnBrk="0" hangingPunct="1">
-        <a:defRPr sz="1800" kern="1200">
+      <a:lvl2pPr marL="457200" algn="l" rtl="0" eaLnBrk="1" latinLnBrk="0" hangingPunct="1">
+        <a:defRPr kumimoji="0" kern="1200">
           <a:solidFill>
             <a:schemeClr val="tx1"/>
           </a:solidFill>
@@ -2968,8 +3613,8 @@
           <a:cs typeface="+mn-cs"/>
         </a:defRPr>
       </a:lvl2pPr>
-      <a:lvl3pPr marL="914400" algn="l" defTabSz="914400" rtl="0" eaLnBrk="1" latinLnBrk="0" hangingPunct="1">
-        <a:defRPr sz="1800" kern="1200">
+      <a:lvl3pPr marL="914400" algn="l" rtl="0" eaLnBrk="1" latinLnBrk="0" hangingPunct="1">
+        <a:defRPr kumimoji="0" kern="1200">
           <a:solidFill>
             <a:schemeClr val="tx1"/>
           </a:solidFill>
@@ -2978,8 +3623,8 @@
           <a:cs typeface="+mn-cs"/>
         </a:defRPr>
       </a:lvl3pPr>
-      <a:lvl4pPr marL="1371600" algn="l" defTabSz="914400" rtl="0" eaLnBrk="1" latinLnBrk="0" hangingPunct="1">
-        <a:defRPr sz="1800" kern="1200">
+      <a:lvl4pPr marL="1371600" algn="l" rtl="0" eaLnBrk="1" latinLnBrk="0" hangingPunct="1">
+        <a:defRPr kumimoji="0" kern="1200">
           <a:solidFill>
             <a:schemeClr val="tx1"/>
           </a:solidFill>
@@ -2988,8 +3633,8 @@
           <a:cs typeface="+mn-cs"/>
         </a:defRPr>
       </a:lvl4pPr>
-      <a:lvl5pPr marL="1828800" algn="l" defTabSz="914400" rtl="0" eaLnBrk="1" latinLnBrk="0" hangingPunct="1">
-        <a:defRPr sz="1800" kern="1200">
+      <a:lvl5pPr marL="1828800" algn="l" rtl="0" eaLnBrk="1" latinLnBrk="0" hangingPunct="1">
+        <a:defRPr kumimoji="0" kern="1200">
           <a:solidFill>
             <a:schemeClr val="tx1"/>
           </a:solidFill>
@@ -2998,8 +3643,8 @@
           <a:cs typeface="+mn-cs"/>
         </a:defRPr>
       </a:lvl5pPr>
-      <a:lvl6pPr marL="2286000" algn="l" defTabSz="914400" rtl="0" eaLnBrk="1" latinLnBrk="0" hangingPunct="1">
-        <a:defRPr sz="1800" kern="1200">
+      <a:lvl6pPr marL="2286000" algn="l" rtl="0" eaLnBrk="1" latinLnBrk="0" hangingPunct="1">
+        <a:defRPr kumimoji="0" kern="1200">
           <a:solidFill>
             <a:schemeClr val="tx1"/>
           </a:solidFill>
@@ -3008,8 +3653,8 @@
           <a:cs typeface="+mn-cs"/>
         </a:defRPr>
       </a:lvl6pPr>
-      <a:lvl7pPr marL="2743200" algn="l" defTabSz="914400" rtl="0" eaLnBrk="1" latinLnBrk="0" hangingPunct="1">
-        <a:defRPr sz="1800" kern="1200">
+      <a:lvl7pPr marL="2743200" algn="l" rtl="0" eaLnBrk="1" latinLnBrk="0" hangingPunct="1">
+        <a:defRPr kumimoji="0" kern="1200">
           <a:solidFill>
             <a:schemeClr val="tx1"/>
           </a:solidFill>
@@ -3018,8 +3663,8 @@
           <a:cs typeface="+mn-cs"/>
         </a:defRPr>
       </a:lvl7pPr>
-      <a:lvl8pPr marL="3200400" algn="l" defTabSz="914400" rtl="0" eaLnBrk="1" latinLnBrk="0" hangingPunct="1">
-        <a:defRPr sz="1800" kern="1200">
+      <a:lvl8pPr marL="3200400" algn="l" rtl="0" eaLnBrk="1" latinLnBrk="0" hangingPunct="1">
+        <a:defRPr kumimoji="0" kern="1200">
           <a:solidFill>
             <a:schemeClr val="tx1"/>
           </a:solidFill>
@@ -3028,8 +3673,8 @@
           <a:cs typeface="+mn-cs"/>
         </a:defRPr>
       </a:lvl8pPr>
-      <a:lvl9pPr marL="3657600" algn="l" defTabSz="914400" rtl="0" eaLnBrk="1" latinLnBrk="0" hangingPunct="1">
-        <a:defRPr sz="1800" kern="1200">
+      <a:lvl9pPr marL="3657600" algn="l" rtl="0" eaLnBrk="1" latinLnBrk="0" hangingPunct="1">
+        <a:defRPr kumimoji="0" kern="1200">
           <a:solidFill>
             <a:schemeClr val="tx1"/>
           </a:solidFill>
@@ -3060,6 +3705,31 @@
           <a:chExt cx="0" cy="0"/>
         </a:xfrm>
       </p:grpSpPr>
+      <p:pic>
+        <p:nvPicPr>
+          <p:cNvPr id="5" name="Picture 4" descr="title.jpg"/>
+          <p:cNvPicPr>
+            <a:picLocks noChangeAspect="1"/>
+          </p:cNvPicPr>
+          <p:nvPr/>
+        </p:nvPicPr>
+        <p:blipFill>
+          <a:blip r:embed="rId2" cstate="print"/>
+          <a:srcRect t="2374" b="5060"/>
+          <a:stretch>
+            <a:fillRect/>
+          </a:stretch>
+        </p:blipFill>
+        <p:spPr>
+          <a:xfrm>
+            <a:off x="0" y="0"/>
+            <a:ext cx="9144000" cy="5943600"/>
+          </a:xfrm>
+          <a:prstGeom prst="rect">
+            <a:avLst/>
+          </a:prstGeom>
+        </p:spPr>
+      </p:pic>
       <p:sp>
         <p:nvSpPr>
           <p:cNvPr id="2" name="Title 1"/>
@@ -3080,8 +3750,8 @@
               <a:t>Unobtrusive </a:t>
             </a:r>
             <a:r>
-              <a:rPr lang="en-CA" dirty="0" err="1" smtClean="0"/>
-              <a:t>Javascript</a:t>
+              <a:rPr lang="en-CA" dirty="0" smtClean="0"/>
+              <a:t>JavaScript</a:t>
             </a:r>
             <a:r>
               <a:rPr lang="en-CA" dirty="0" smtClean="0"/>
@@ -3118,7 +3788,7 @@
         </p:nvSpPr>
         <p:spPr>
           <a:xfrm>
-            <a:off x="1371600" y="5410200"/>
+            <a:off x="2286000" y="5943600"/>
             <a:ext cx="6400800" cy="914400"/>
           </a:xfrm>
         </p:spPr>
@@ -3126,6 +3796,7 @@
           <a:bodyPr/>
           <a:lstStyle/>
           <a:p>
+            <a:pPr algn="r"/>
             <a:r>
               <a:rPr lang="en-CA" dirty="0" smtClean="0"/>
               <a:t>Andrew </a:t>
@@ -3143,6 +3814,13 @@
   <p:clrMapOvr>
     <a:masterClrMapping/>
   </p:clrMapOvr>
+  <p:timing>
+    <p:tnLst>
+      <p:par>
+        <p:cTn id="1" dur="indefinite" restart="never" nodeType="tmRoot"/>
+      </p:par>
+    </p:tnLst>
+  </p:timing>
 </p:sld>
 </file>
 
@@ -3175,7 +3853,9 @@
         </p:nvSpPr>
         <p:spPr/>
         <p:txBody>
-          <a:bodyPr/>
+          <a:bodyPr>
+            <a:normAutofit/>
+          </a:bodyPr>
           <a:lstStyle/>
           <a:p>
             <a:r>
@@ -3193,13 +3873,18 @@
             <a:spLocks noGrp="1"/>
           </p:cNvSpPr>
           <p:nvPr>
-            <p:ph idx="1"/>
-          </p:nvPr>
-        </p:nvSpPr>
-        <p:spPr/>
+            <p:ph sz="quarter" idx="1"/>
+          </p:nvPr>
+        </p:nvSpPr>
+        <p:spPr>
+          <a:xfrm>
+            <a:off x="612648" y="1600200"/>
+            <a:ext cx="8153400" cy="4953000"/>
+          </a:xfrm>
+        </p:spPr>
         <p:txBody>
           <a:bodyPr>
-            <a:normAutofit fontScale="92500" lnSpcReduction="10000"/>
+            <a:normAutofit/>
           </a:bodyPr>
           <a:lstStyle/>
           <a:p>
@@ -3214,6 +3899,34 @@
           <a:p>
             <a:r>
               <a:rPr lang="en-CA" b="1" dirty="0" smtClean="0"/>
+              <a:t>Progressive </a:t>
+            </a:r>
+            <a:r>
+              <a:rPr lang="en-CA" b="1" dirty="0" smtClean="0"/>
+              <a:t>enhancement</a:t>
+            </a:r>
+            <a:r>
+              <a:rPr lang="en-CA" dirty="0" smtClean="0"/>
+              <a:t> to support user agents that may not support advanced JavaScript functionality</a:t>
+            </a:r>
+          </a:p>
+          <a:p>
+            <a:r>
+              <a:rPr lang="en-CA" b="1" dirty="0" smtClean="0"/>
+              <a:t>Separation of functionality </a:t>
+            </a:r>
+            <a:r>
+              <a:rPr lang="en-CA" dirty="0" smtClean="0"/>
+              <a:t>(the "behaviour layer") from a Web page's structure/content and </a:t>
+            </a:r>
+            <a:r>
+              <a:rPr lang="en-CA" dirty="0" smtClean="0"/>
+              <a:t>presentation</a:t>
+            </a:r>
+          </a:p>
+          <a:p>
+            <a:r>
+              <a:rPr lang="en-CA" b="1" dirty="0" smtClean="0"/>
               <a:t>Best practices </a:t>
             </a:r>
             <a:r>
@@ -3222,40 +3935,7 @@
             </a:r>
           </a:p>
           <a:p>
-            <a:r>
-              <a:rPr lang="en-CA" b="1" dirty="0" smtClean="0"/>
-              <a:t>Progressive enhancement</a:t>
-            </a:r>
-            <a:r>
-              <a:rPr lang="en-CA" dirty="0" smtClean="0"/>
-              <a:t> to support user agents that may not support advanced JavaScript functionality</a:t>
-            </a:r>
-          </a:p>
-          <a:p>
-            <a:r>
-              <a:rPr lang="en-CA" b="1" dirty="0" smtClean="0"/>
-              <a:t>Separation </a:t>
-            </a:r>
-            <a:r>
-              <a:rPr lang="en-CA" b="1" dirty="0" smtClean="0"/>
-              <a:t>of functionality </a:t>
-            </a:r>
-            <a:r>
-              <a:rPr lang="en-CA" dirty="0" smtClean="0"/>
-              <a:t>(the "</a:t>
-            </a:r>
-            <a:r>
-              <a:rPr lang="en-CA" dirty="0" smtClean="0"/>
-              <a:t>behaviour </a:t>
-            </a:r>
-            <a:r>
-              <a:rPr lang="en-CA" dirty="0" smtClean="0"/>
-              <a:t>layer") from a Web page's structure/content and </a:t>
-            </a:r>
-            <a:r>
-              <a:rPr lang="en-CA" dirty="0" smtClean="0"/>
-              <a:t>presentation</a:t>
-            </a:r>
+            <a:endParaRPr lang="en-CA" dirty="0" smtClean="0"/>
           </a:p>
         </p:txBody>
       </p:sp>
@@ -3264,13 +3944,1200 @@
   <p:clrMapOvr>
     <a:masterClrMapping/>
   </p:clrMapOvr>
+  <p:timing>
+    <p:tnLst>
+      <p:par>
+        <p:cTn id="1" dur="indefinite" restart="never" nodeType="tmRoot"/>
+      </p:par>
+    </p:tnLst>
+  </p:timing>
+</p:sld>
+</file>
+
+<file path=ppt/slides/slide3.xml><?xml version="1.0" encoding="utf-8"?>
+<p:sld xmlns:a="http://schemas.openxmlformats.org/drawingml/2006/main" xmlns:r="http://schemas.openxmlformats.org/officeDocument/2006/relationships" xmlns:p="http://schemas.openxmlformats.org/presentationml/2006/main">
+  <p:cSld>
+    <p:spTree>
+      <p:nvGrpSpPr>
+        <p:cNvPr id="1" name=""/>
+        <p:cNvGrpSpPr/>
+        <p:nvPr/>
+      </p:nvGrpSpPr>
+      <p:grpSpPr>
+        <a:xfrm>
+          <a:off x="0" y="0"/>
+          <a:ext cx="0" cy="0"/>
+          <a:chOff x="0" y="0"/>
+          <a:chExt cx="0" cy="0"/>
+        </a:xfrm>
+      </p:grpSpPr>
+      <p:sp>
+        <p:nvSpPr>
+          <p:cNvPr id="2" name="Title 1"/>
+          <p:cNvSpPr>
+            <a:spLocks noGrp="1"/>
+          </p:cNvSpPr>
+          <p:nvPr>
+            <p:ph type="title"/>
+          </p:nvPr>
+        </p:nvSpPr>
+        <p:spPr/>
+        <p:txBody>
+          <a:bodyPr/>
+          <a:lstStyle/>
+          <a:p>
+            <a:r>
+              <a:rPr lang="en-CA" dirty="0" smtClean="0"/>
+              <a:t>Why use Unobtrusive JavaScript</a:t>
+            </a:r>
+            <a:endParaRPr lang="en-CA" dirty="0"/>
+          </a:p>
+        </p:txBody>
+      </p:sp>
+      <p:sp>
+        <p:nvSpPr>
+          <p:cNvPr id="5" name="Content Placeholder 4"/>
+          <p:cNvSpPr>
+            <a:spLocks noGrp="1"/>
+          </p:cNvSpPr>
+          <p:nvPr>
+            <p:ph sz="quarter" idx="2"/>
+          </p:nvPr>
+        </p:nvSpPr>
+        <p:spPr>
+          <a:xfrm>
+            <a:off x="457200" y="2438400"/>
+            <a:ext cx="4267200" cy="4114800"/>
+          </a:xfrm>
+        </p:spPr>
+        <p:txBody>
+          <a:bodyPr>
+            <a:normAutofit fontScale="25000" lnSpcReduction="20000"/>
+          </a:bodyPr>
+          <a:lstStyle/>
+          <a:p>
+            <a:pPr>
+              <a:lnSpc>
+                <a:spcPct val="120000"/>
+              </a:lnSpc>
+              <a:buNone/>
+            </a:pPr>
+            <a:r>
+              <a:rPr lang="en-CA" dirty="0" smtClean="0"/>
+              <a:t>&lt;</a:t>
+            </a:r>
+            <a:r>
+              <a:rPr lang="en-CA" dirty="0" err="1" smtClean="0"/>
+              <a:t>li</a:t>
+            </a:r>
+            <a:r>
+              <a:rPr lang="en-CA" dirty="0" smtClean="0"/>
+              <a:t>&gt;</a:t>
+            </a:r>
+          </a:p>
+          <a:p>
+            <a:pPr lvl="1">
+              <a:lnSpc>
+                <a:spcPct val="120000"/>
+              </a:lnSpc>
+              <a:buNone/>
+            </a:pPr>
+            <a:r>
+              <a:rPr lang="en-CA" dirty="0" smtClean="0"/>
+              <a:t>&lt;input </a:t>
+            </a:r>
+            <a:r>
+              <a:rPr lang="en-CA" dirty="0" smtClean="0"/>
+              <a:t>name="</a:t>
+            </a:r>
+            <a:r>
+              <a:rPr lang="en-CA" dirty="0" err="1" smtClean="0"/>
+              <a:t>todos</a:t>
+            </a:r>
+            <a:r>
+              <a:rPr lang="en-CA" dirty="0" smtClean="0"/>
+              <a:t>[1][complete]" type="hidden" value="0" </a:t>
+            </a:r>
+            <a:r>
+              <a:rPr lang="en-CA" dirty="0" smtClean="0"/>
+              <a:t>/&gt;</a:t>
+            </a:r>
+            <a:br>
+              <a:rPr lang="en-CA" dirty="0" smtClean="0"/>
+            </a:br>
+            <a:r>
+              <a:rPr lang="en-CA" dirty="0" smtClean="0"/>
+              <a:t>&lt;</a:t>
+            </a:r>
+            <a:r>
+              <a:rPr lang="en-CA" dirty="0" smtClean="0"/>
+              <a:t>input id="todos_1_complete" name="</a:t>
+            </a:r>
+            <a:r>
+              <a:rPr lang="en-CA" dirty="0" err="1" smtClean="0"/>
+              <a:t>todos</a:t>
+            </a:r>
+            <a:r>
+              <a:rPr lang="en-CA" dirty="0" smtClean="0"/>
+              <a:t>[1][complete]" type="checkbox" value="1" </a:t>
+            </a:r>
+            <a:r>
+              <a:rPr lang="en-CA" dirty="0" smtClean="0"/>
+              <a:t>/&gt;</a:t>
+            </a:r>
+            <a:br>
+              <a:rPr lang="en-CA" dirty="0" smtClean="0"/>
+            </a:br>
+            <a:r>
+              <a:rPr lang="en-CA" dirty="0" smtClean="0"/>
+              <a:t>&lt;</a:t>
+            </a:r>
+            <a:r>
+              <a:rPr lang="en-CA" dirty="0" smtClean="0"/>
+              <a:t>script type="text/</a:t>
+            </a:r>
+            <a:r>
+              <a:rPr lang="en-CA" dirty="0" err="1" smtClean="0"/>
+              <a:t>javascript</a:t>
+            </a:r>
+            <a:r>
+              <a:rPr lang="en-CA" dirty="0" smtClean="0"/>
+              <a:t>"&gt;</a:t>
+            </a:r>
+            <a:br>
+              <a:rPr lang="en-CA" dirty="0" smtClean="0"/>
+            </a:br>
+            <a:r>
+              <a:rPr lang="en-CA" dirty="0" smtClean="0"/>
+              <a:t/>
+            </a:r>
+            <a:br>
+              <a:rPr lang="en-CA" dirty="0" smtClean="0"/>
+            </a:br>
+            <a:r>
+              <a:rPr lang="en-CA" dirty="0" smtClean="0"/>
+              <a:t>//&lt;![CDATA[</a:t>
+            </a:r>
+          </a:p>
+          <a:p>
+            <a:pPr lvl="1">
+              <a:lnSpc>
+                <a:spcPct val="120000"/>
+              </a:lnSpc>
+              <a:buNone/>
+            </a:pPr>
+            <a:r>
+              <a:rPr lang="en-CA" dirty="0" smtClean="0"/>
+              <a:t>new </a:t>
+            </a:r>
+            <a:r>
+              <a:rPr lang="en-CA" dirty="0" err="1" smtClean="0"/>
+              <a:t>Form.Element.EventObserver</a:t>
+            </a:r>
+            <a:r>
+              <a:rPr lang="en-CA" dirty="0" smtClean="0"/>
+              <a:t>('todos_1_complete', function(element, value) {new </a:t>
+            </a:r>
+            <a:r>
+              <a:rPr lang="en-CA" dirty="0" err="1" smtClean="0"/>
+              <a:t>Ajax.Request</a:t>
+            </a:r>
+            <a:r>
+              <a:rPr lang="en-CA" dirty="0" smtClean="0"/>
+              <a:t>('/</a:t>
+            </a:r>
+            <a:r>
+              <a:rPr lang="en-CA" dirty="0" err="1" smtClean="0"/>
+              <a:t>todonts</a:t>
+            </a:r>
+            <a:r>
+              <a:rPr lang="en-CA" dirty="0" smtClean="0"/>
+              <a:t>/1', {</a:t>
+            </a:r>
+            <a:r>
+              <a:rPr lang="en-CA" dirty="0" err="1" smtClean="0"/>
+              <a:t>asynchronous:true</a:t>
+            </a:r>
+            <a:r>
+              <a:rPr lang="en-CA" dirty="0" smtClean="0"/>
+              <a:t>, </a:t>
+            </a:r>
+            <a:r>
+              <a:rPr lang="en-CA" dirty="0" err="1" smtClean="0"/>
+              <a:t>evalScripts:true</a:t>
+            </a:r>
+            <a:r>
+              <a:rPr lang="en-CA" dirty="0" smtClean="0"/>
+              <a:t>, </a:t>
+            </a:r>
+            <a:r>
+              <a:rPr lang="en-CA" dirty="0" err="1" smtClean="0"/>
+              <a:t>method:'put</a:t>
+            </a:r>
+            <a:r>
+              <a:rPr lang="en-CA" dirty="0" smtClean="0"/>
+              <a:t>', </a:t>
+            </a:r>
+            <a:r>
+              <a:rPr lang="en-CA" dirty="0" err="1" smtClean="0"/>
+              <a:t>onSuccess:function</a:t>
+            </a:r>
+            <a:r>
+              <a:rPr lang="en-CA" dirty="0" smtClean="0"/>
+              <a:t>(request){</a:t>
+            </a:r>
+            <a:br>
+              <a:rPr lang="en-CA" dirty="0" smtClean="0"/>
+            </a:br>
+            <a:r>
+              <a:rPr lang="en-CA" dirty="0" smtClean="0"/>
+              <a:t>	 </a:t>
+            </a:r>
+            <a:r>
+              <a:rPr lang="en-CA" dirty="0" err="1" smtClean="0"/>
+              <a:t>var</a:t>
+            </a:r>
+            <a:r>
+              <a:rPr lang="en-CA" dirty="0" smtClean="0"/>
+              <a:t> </a:t>
+            </a:r>
+            <a:r>
+              <a:rPr lang="en-CA" dirty="0" err="1" smtClean="0"/>
+              <a:t>li</a:t>
+            </a:r>
+            <a:r>
+              <a:rPr lang="en-CA" dirty="0" smtClean="0"/>
+              <a:t> = </a:t>
+            </a:r>
+            <a:r>
+              <a:rPr lang="en-CA" dirty="0" err="1" smtClean="0"/>
+              <a:t>element.up</a:t>
+            </a:r>
+            <a:r>
+              <a:rPr lang="en-CA" dirty="0" smtClean="0"/>
+              <a:t>(</a:t>
+            </a:r>
+            <a:r>
+              <a:rPr lang="en-CA" dirty="0" smtClean="0"/>
+              <a:t>'</a:t>
+            </a:r>
+            <a:r>
+              <a:rPr lang="en-CA" dirty="0" err="1" smtClean="0"/>
+              <a:t>li</a:t>
+            </a:r>
+            <a:r>
+              <a:rPr lang="en-CA" dirty="0" smtClean="0"/>
+              <a:t>‘)</a:t>
+            </a:r>
+            <a:br>
+              <a:rPr lang="en-CA" dirty="0" smtClean="0"/>
+            </a:br>
+            <a:r>
+              <a:rPr lang="en-CA" dirty="0" smtClean="0"/>
+              <a:t>                           </a:t>
+            </a:r>
+            <a:r>
+              <a:rPr lang="en-CA" dirty="0" smtClean="0"/>
+              <a:t>if(</a:t>
+            </a:r>
+            <a:r>
+              <a:rPr lang="en-CA" dirty="0" err="1" smtClean="0"/>
+              <a:t>element.checked</a:t>
+            </a:r>
+            <a:r>
+              <a:rPr lang="en-CA" dirty="0" smtClean="0"/>
+              <a:t>){</a:t>
+            </a:r>
+            <a:br>
+              <a:rPr lang="en-CA" dirty="0" smtClean="0"/>
+            </a:br>
+            <a:r>
+              <a:rPr lang="en-CA" dirty="0" smtClean="0"/>
+              <a:t>                              </a:t>
+            </a:r>
+            <a:r>
+              <a:rPr lang="en-CA" dirty="0" err="1" smtClean="0"/>
+              <a:t>li.addClassName</a:t>
+            </a:r>
+            <a:r>
+              <a:rPr lang="en-CA" dirty="0" smtClean="0"/>
+              <a:t>(</a:t>
+            </a:r>
+            <a:r>
+              <a:rPr lang="en-CA" dirty="0" smtClean="0"/>
+              <a:t>'complete‘)</a:t>
+            </a:r>
+            <a:br>
+              <a:rPr lang="en-CA" dirty="0" smtClean="0"/>
+            </a:br>
+            <a:r>
+              <a:rPr lang="en-CA" dirty="0" smtClean="0"/>
+              <a:t>                           </a:t>
+            </a:r>
+            <a:r>
+              <a:rPr lang="en-CA" dirty="0" smtClean="0"/>
+              <a:t>}else</a:t>
+            </a:r>
+            <a:r>
+              <a:rPr lang="en-CA" dirty="0" smtClean="0"/>
+              <a:t>{</a:t>
+            </a:r>
+            <a:br>
+              <a:rPr lang="en-CA" dirty="0" smtClean="0"/>
+            </a:br>
+            <a:r>
+              <a:rPr lang="en-CA" dirty="0" smtClean="0"/>
+              <a:t>                              </a:t>
+            </a:r>
+            <a:r>
+              <a:rPr lang="en-CA" dirty="0" err="1" smtClean="0"/>
+              <a:t>li.removeClassName</a:t>
+            </a:r>
+            <a:r>
+              <a:rPr lang="en-CA" dirty="0" smtClean="0"/>
+              <a:t>(</a:t>
+            </a:r>
+            <a:r>
+              <a:rPr lang="en-CA" dirty="0" smtClean="0"/>
+              <a:t>'complete‘)</a:t>
+            </a:r>
+            <a:br>
+              <a:rPr lang="en-CA" dirty="0" smtClean="0"/>
+            </a:br>
+            <a:r>
+              <a:rPr lang="en-CA" dirty="0" smtClean="0"/>
+              <a:t>                           };</a:t>
+            </a:r>
+            <a:br>
+              <a:rPr lang="en-CA" dirty="0" smtClean="0"/>
+            </a:br>
+            <a:r>
+              <a:rPr lang="en-CA" dirty="0" smtClean="0"/>
+              <a:t>                           </a:t>
+            </a:r>
+            <a:r>
+              <a:rPr lang="en-CA" dirty="0" err="1" smtClean="0"/>
+              <a:t>li.highlight</a:t>
+            </a:r>
+            <a:r>
+              <a:rPr lang="en-CA" dirty="0" smtClean="0"/>
+              <a:t>(); </a:t>
+            </a:r>
+            <a:r>
+              <a:rPr lang="en-CA" dirty="0" smtClean="0"/>
+              <a:t/>
+            </a:r>
+            <a:br>
+              <a:rPr lang="en-CA" dirty="0" smtClean="0"/>
+            </a:br>
+            <a:r>
+              <a:rPr lang="en-CA" dirty="0" smtClean="0"/>
+              <a:t>                        </a:t>
+            </a:r>
+            <a:r>
+              <a:rPr lang="en-CA" dirty="0" smtClean="0"/>
+              <a:t>}, </a:t>
+            </a:r>
+            <a:r>
+              <a:rPr lang="en-CA" dirty="0" err="1" smtClean="0"/>
+              <a:t>parameters:'todo</a:t>
+            </a:r>
+            <a:r>
+              <a:rPr lang="en-CA" dirty="0" smtClean="0"/>
+              <a:t>[complete]=' + </a:t>
+            </a:r>
+            <a:r>
+              <a:rPr lang="en-CA" dirty="0" err="1" smtClean="0"/>
+              <a:t>element.checked</a:t>
+            </a:r>
+            <a:r>
+              <a:rPr lang="en-CA" dirty="0" smtClean="0"/>
+              <a:t> + '&amp;</a:t>
+            </a:r>
+            <a:r>
+              <a:rPr lang="en-CA" dirty="0" err="1" smtClean="0"/>
+              <a:t>authenticity_token</a:t>
+            </a:r>
+            <a:r>
+              <a:rPr lang="en-CA" dirty="0" smtClean="0"/>
+              <a:t>=' + </a:t>
+            </a:r>
+            <a:r>
+              <a:rPr lang="en-CA" dirty="0" err="1" smtClean="0"/>
+              <a:t>encodeURIComponent</a:t>
+            </a:r>
+            <a:r>
+              <a:rPr lang="en-CA" dirty="0" smtClean="0"/>
+              <a:t>('wNqAr3/4sRWFEV3QAT//L8gNkO35Re2impKlBkbxxYQ</a:t>
+            </a:r>
+            <a:r>
+              <a:rPr lang="en-CA" dirty="0" smtClean="0"/>
+              <a:t>=')})})</a:t>
+            </a:r>
+            <a:br>
+              <a:rPr lang="en-CA" dirty="0" smtClean="0"/>
+            </a:br>
+            <a:r>
+              <a:rPr lang="en-CA" dirty="0" smtClean="0"/>
+              <a:t/>
+            </a:r>
+            <a:br>
+              <a:rPr lang="en-CA" dirty="0" smtClean="0"/>
+            </a:br>
+            <a:r>
+              <a:rPr lang="en-CA" dirty="0" smtClean="0"/>
+              <a:t>//]]&gt;</a:t>
+            </a:r>
+            <a:br>
+              <a:rPr lang="en-CA" dirty="0" smtClean="0"/>
+            </a:br>
+            <a:r>
+              <a:rPr lang="en-CA" dirty="0" smtClean="0"/>
+              <a:t/>
+            </a:r>
+            <a:br>
+              <a:rPr lang="en-CA" dirty="0" smtClean="0"/>
+            </a:br>
+            <a:r>
+              <a:rPr lang="en-CA" dirty="0" smtClean="0"/>
+              <a:t>&lt;/script&gt;</a:t>
+            </a:r>
+            <a:r>
+              <a:rPr lang="en-CA" dirty="0" smtClean="0"/>
+              <a:t/>
+            </a:r>
+            <a:br>
+              <a:rPr lang="en-CA" dirty="0" smtClean="0"/>
+            </a:br>
+            <a:r>
+              <a:rPr lang="en-CA" dirty="0" smtClean="0"/>
+              <a:t>&lt;</a:t>
+            </a:r>
+            <a:r>
+              <a:rPr lang="en-CA" dirty="0" smtClean="0"/>
+              <a:t>span class="name"&gt;Take out Dog&lt;/span</a:t>
+            </a:r>
+            <a:r>
+              <a:rPr lang="en-CA" dirty="0" smtClean="0"/>
+              <a:t>&gt;</a:t>
+            </a:r>
+          </a:p>
+          <a:p>
+            <a:pPr lvl="1">
+              <a:lnSpc>
+                <a:spcPct val="120000"/>
+              </a:lnSpc>
+              <a:buNone/>
+            </a:pPr>
+            <a:r>
+              <a:rPr lang="en-CA" dirty="0" smtClean="0"/>
+              <a:t>&lt;</a:t>
+            </a:r>
+            <a:r>
+              <a:rPr lang="en-CA" dirty="0" smtClean="0"/>
+              <a:t>div class="controls</a:t>
+            </a:r>
+            <a:r>
+              <a:rPr lang="en-CA" dirty="0" smtClean="0"/>
+              <a:t>"&gt;</a:t>
+            </a:r>
+            <a:br>
+              <a:rPr lang="en-CA" dirty="0" smtClean="0"/>
+            </a:br>
+            <a:r>
+              <a:rPr lang="en-CA" dirty="0" smtClean="0"/>
+              <a:t>&lt;</a:t>
+            </a:r>
+            <a:r>
+              <a:rPr lang="en-CA" dirty="0" smtClean="0"/>
+              <a:t>a </a:t>
+            </a:r>
+            <a:r>
+              <a:rPr lang="en-CA" dirty="0" err="1" smtClean="0"/>
+              <a:t>href</a:t>
+            </a:r>
+            <a:r>
+              <a:rPr lang="en-CA" dirty="0" smtClean="0"/>
+              <a:t>="/</a:t>
+            </a:r>
+            <a:r>
+              <a:rPr lang="en-CA" dirty="0" err="1" smtClean="0"/>
+              <a:t>todonts</a:t>
+            </a:r>
+            <a:r>
+              <a:rPr lang="en-CA" dirty="0" smtClean="0"/>
+              <a:t>/1/edit"&gt;Edit&lt;/a&gt; </a:t>
+            </a:r>
+            <a:r>
+              <a:rPr lang="en-CA" dirty="0" smtClean="0"/>
+              <a:t>|</a:t>
+            </a:r>
+            <a:br>
+              <a:rPr lang="en-CA" dirty="0" smtClean="0"/>
+            </a:br>
+            <a:r>
+              <a:rPr lang="en-CA" dirty="0" smtClean="0"/>
+              <a:t>&lt;a </a:t>
+            </a:r>
+            <a:r>
+              <a:rPr lang="en-CA" dirty="0" err="1" smtClean="0"/>
+              <a:t>href</a:t>
+            </a:r>
+            <a:r>
+              <a:rPr lang="en-CA" dirty="0" smtClean="0"/>
+              <a:t>="/</a:t>
+            </a:r>
+            <a:r>
+              <a:rPr lang="en-CA" dirty="0" err="1" smtClean="0"/>
+              <a:t>todonts</a:t>
+            </a:r>
+            <a:r>
+              <a:rPr lang="en-CA" dirty="0" smtClean="0"/>
+              <a:t>/1" </a:t>
+            </a:r>
+            <a:r>
+              <a:rPr lang="en-CA" dirty="0" err="1" smtClean="0"/>
+              <a:t>onclick</a:t>
+            </a:r>
+            <a:r>
+              <a:rPr lang="en-CA" dirty="0" smtClean="0"/>
+              <a:t>="if (confirm('Are you sure you want to remove \'Take out Dog\'?')) { </a:t>
+            </a:r>
+            <a:r>
+              <a:rPr lang="en-CA" dirty="0" err="1" smtClean="0"/>
+              <a:t>var</a:t>
+            </a:r>
+            <a:r>
+              <a:rPr lang="en-CA" dirty="0" smtClean="0"/>
+              <a:t> f = </a:t>
+            </a:r>
+            <a:r>
+              <a:rPr lang="en-CA" dirty="0" err="1" smtClean="0"/>
+              <a:t>document.createElement</a:t>
+            </a:r>
+            <a:r>
+              <a:rPr lang="en-CA" dirty="0" smtClean="0"/>
+              <a:t>('form'); </a:t>
+            </a:r>
+            <a:r>
+              <a:rPr lang="en-CA" dirty="0" err="1" smtClean="0"/>
+              <a:t>f.style.display</a:t>
+            </a:r>
+            <a:r>
+              <a:rPr lang="en-CA" dirty="0" smtClean="0"/>
+              <a:t> = 'none'; </a:t>
+            </a:r>
+            <a:r>
+              <a:rPr lang="en-CA" dirty="0" err="1" smtClean="0"/>
+              <a:t>this.parentNode.appendChild</a:t>
+            </a:r>
+            <a:r>
+              <a:rPr lang="en-CA" dirty="0" smtClean="0"/>
+              <a:t>(f); </a:t>
+            </a:r>
+            <a:r>
+              <a:rPr lang="en-CA" dirty="0" err="1" smtClean="0"/>
+              <a:t>f.method</a:t>
+            </a:r>
+            <a:r>
+              <a:rPr lang="en-CA" dirty="0" smtClean="0"/>
+              <a:t> = 'POST'; </a:t>
+            </a:r>
+            <a:r>
+              <a:rPr lang="en-CA" dirty="0" err="1" smtClean="0"/>
+              <a:t>f.action</a:t>
+            </a:r>
+            <a:r>
+              <a:rPr lang="en-CA" dirty="0" smtClean="0"/>
+              <a:t> = </a:t>
+            </a:r>
+            <a:r>
+              <a:rPr lang="en-CA" dirty="0" err="1" smtClean="0"/>
+              <a:t>this.href;var</a:t>
+            </a:r>
+            <a:r>
+              <a:rPr lang="en-CA" dirty="0" smtClean="0"/>
+              <a:t> m = </a:t>
+            </a:r>
+            <a:r>
+              <a:rPr lang="en-CA" dirty="0" err="1" smtClean="0"/>
+              <a:t>document.createElement</a:t>
+            </a:r>
+            <a:r>
+              <a:rPr lang="en-CA" dirty="0" smtClean="0"/>
+              <a:t>('input'); </a:t>
+            </a:r>
+            <a:r>
+              <a:rPr lang="en-CA" dirty="0" err="1" smtClean="0"/>
+              <a:t>m.setAttribute</a:t>
+            </a:r>
+            <a:r>
+              <a:rPr lang="en-CA" dirty="0" smtClean="0"/>
+              <a:t>('type', 'hidden'); </a:t>
+            </a:r>
+            <a:r>
+              <a:rPr lang="en-CA" dirty="0" err="1" smtClean="0"/>
+              <a:t>m.setAttribute</a:t>
+            </a:r>
+            <a:r>
+              <a:rPr lang="en-CA" dirty="0" smtClean="0"/>
+              <a:t>('name', '_method'); </a:t>
+            </a:r>
+            <a:r>
+              <a:rPr lang="en-CA" dirty="0" err="1" smtClean="0"/>
+              <a:t>m.setAttribute</a:t>
+            </a:r>
+            <a:r>
+              <a:rPr lang="en-CA" dirty="0" smtClean="0"/>
+              <a:t>('value', 'delete'); </a:t>
+            </a:r>
+            <a:r>
+              <a:rPr lang="en-CA" dirty="0" err="1" smtClean="0"/>
+              <a:t>f.appendChild</a:t>
+            </a:r>
+            <a:r>
+              <a:rPr lang="en-CA" dirty="0" smtClean="0"/>
+              <a:t>(m);</a:t>
+            </a:r>
+            <a:r>
+              <a:rPr lang="en-CA" dirty="0" err="1" smtClean="0"/>
+              <a:t>var</a:t>
+            </a:r>
+            <a:r>
+              <a:rPr lang="en-CA" dirty="0" smtClean="0"/>
+              <a:t> s = </a:t>
+            </a:r>
+            <a:r>
+              <a:rPr lang="en-CA" dirty="0" err="1" smtClean="0"/>
+              <a:t>document.createElement</a:t>
+            </a:r>
+            <a:r>
+              <a:rPr lang="en-CA" dirty="0" smtClean="0"/>
+              <a:t>('input'); </a:t>
+            </a:r>
+            <a:r>
+              <a:rPr lang="en-CA" dirty="0" err="1" smtClean="0"/>
+              <a:t>s.setAttribute</a:t>
+            </a:r>
+            <a:r>
+              <a:rPr lang="en-CA" dirty="0" smtClean="0"/>
+              <a:t>('type', 'hidden'); </a:t>
+            </a:r>
+            <a:r>
+              <a:rPr lang="en-CA" dirty="0" err="1" smtClean="0"/>
+              <a:t>s.setAttribute</a:t>
+            </a:r>
+            <a:r>
+              <a:rPr lang="en-CA" dirty="0" smtClean="0"/>
+              <a:t>('name', '</a:t>
+            </a:r>
+            <a:r>
+              <a:rPr lang="en-CA" dirty="0" err="1" smtClean="0"/>
+              <a:t>authenticity_token</a:t>
+            </a:r>
+            <a:r>
+              <a:rPr lang="en-CA" dirty="0" smtClean="0"/>
+              <a:t>'); </a:t>
+            </a:r>
+            <a:r>
+              <a:rPr lang="en-CA" dirty="0" err="1" smtClean="0"/>
+              <a:t>s.setAttribute</a:t>
+            </a:r>
+            <a:r>
+              <a:rPr lang="en-CA" dirty="0" smtClean="0"/>
+              <a:t>('value', 'wNqAr3/4sRWFEV3QAT//L8gNkO35Re2impKlBkbxxYQ='); </a:t>
+            </a:r>
+            <a:r>
+              <a:rPr lang="en-CA" dirty="0" err="1" smtClean="0"/>
+              <a:t>f.appendChild</a:t>
+            </a:r>
+            <a:r>
+              <a:rPr lang="en-CA" dirty="0" smtClean="0"/>
+              <a:t>(s);</a:t>
+            </a:r>
+            <a:r>
+              <a:rPr lang="en-CA" dirty="0" err="1" smtClean="0"/>
+              <a:t>f.submit</a:t>
+            </a:r>
+            <a:r>
+              <a:rPr lang="en-CA" dirty="0" smtClean="0"/>
+              <a:t>(); };return false;"&gt;Delete&lt;/a&gt;</a:t>
+            </a:r>
+          </a:p>
+          <a:p>
+            <a:pPr lvl="1">
+              <a:lnSpc>
+                <a:spcPct val="120000"/>
+              </a:lnSpc>
+              <a:buNone/>
+            </a:pPr>
+            <a:r>
+              <a:rPr lang="en-CA" dirty="0" smtClean="0"/>
+              <a:t>&lt;/</a:t>
+            </a:r>
+            <a:r>
+              <a:rPr lang="en-CA" dirty="0" smtClean="0"/>
+              <a:t>div</a:t>
+            </a:r>
+            <a:r>
+              <a:rPr lang="en-CA" dirty="0" smtClean="0"/>
+              <a:t>&gt;</a:t>
+            </a:r>
+          </a:p>
+          <a:p>
+            <a:pPr>
+              <a:lnSpc>
+                <a:spcPct val="120000"/>
+              </a:lnSpc>
+              <a:buNone/>
+            </a:pPr>
+            <a:r>
+              <a:rPr lang="en-CA" dirty="0" smtClean="0"/>
+              <a:t>&lt;/</a:t>
+            </a:r>
+            <a:r>
+              <a:rPr lang="en-CA" dirty="0" err="1" smtClean="0"/>
+              <a:t>li</a:t>
+            </a:r>
+            <a:r>
+              <a:rPr lang="en-CA" dirty="0" smtClean="0"/>
+              <a:t>&gt;</a:t>
+            </a:r>
+            <a:endParaRPr lang="en-CA" dirty="0"/>
+          </a:p>
+        </p:txBody>
+      </p:sp>
+      <p:sp>
+        <p:nvSpPr>
+          <p:cNvPr id="7" name="Content Placeholder 6"/>
+          <p:cNvSpPr>
+            <a:spLocks noGrp="1"/>
+          </p:cNvSpPr>
+          <p:nvPr>
+            <p:ph sz="quarter" idx="4"/>
+          </p:nvPr>
+        </p:nvSpPr>
+        <p:spPr/>
+        <p:txBody>
+          <a:bodyPr>
+            <a:normAutofit fontScale="55000" lnSpcReduction="20000"/>
+          </a:bodyPr>
+          <a:lstStyle/>
+          <a:p>
+            <a:pPr>
+              <a:buNone/>
+            </a:pPr>
+            <a:r>
+              <a:rPr lang="en-CA" dirty="0" smtClean="0"/>
+              <a:t>&lt;</a:t>
+            </a:r>
+            <a:r>
+              <a:rPr lang="en-CA" dirty="0" err="1" smtClean="0"/>
+              <a:t>li</a:t>
+            </a:r>
+            <a:r>
+              <a:rPr lang="en-CA" dirty="0" smtClean="0"/>
+              <a:t> class="</a:t>
+            </a:r>
+            <a:r>
+              <a:rPr lang="en-CA" dirty="0" err="1" smtClean="0"/>
+              <a:t>todo</a:t>
+            </a:r>
+            <a:r>
+              <a:rPr lang="en-CA" dirty="0" smtClean="0"/>
+              <a:t>" id="todo_1"&gt; </a:t>
+            </a:r>
+            <a:endParaRPr lang="en-CA" dirty="0" smtClean="0"/>
+          </a:p>
+          <a:p>
+            <a:pPr lvl="1">
+              <a:buNone/>
+            </a:pPr>
+            <a:r>
+              <a:rPr lang="en-CA" dirty="0" smtClean="0"/>
+              <a:t>&lt;input name</a:t>
+            </a:r>
+            <a:r>
+              <a:rPr lang="en-CA" dirty="0" smtClean="0"/>
+              <a:t>="</a:t>
+            </a:r>
+            <a:r>
+              <a:rPr lang="en-CA" dirty="0" err="1" smtClean="0"/>
+              <a:t>todos</a:t>
+            </a:r>
+            <a:r>
+              <a:rPr lang="en-CA" dirty="0" smtClean="0"/>
+              <a:t>[1][complete]" type="hidden" value="0" </a:t>
+            </a:r>
+            <a:r>
+              <a:rPr lang="en-CA" dirty="0" smtClean="0"/>
+              <a:t>/&gt;</a:t>
+            </a:r>
+          </a:p>
+          <a:p>
+            <a:pPr lvl="1">
+              <a:buNone/>
+            </a:pPr>
+            <a:r>
+              <a:rPr lang="en-CA" dirty="0" smtClean="0"/>
+              <a:t>&lt;</a:t>
+            </a:r>
+            <a:r>
+              <a:rPr lang="en-CA" dirty="0" smtClean="0"/>
+              <a:t>input id="todos_1_complete" name="</a:t>
+            </a:r>
+            <a:r>
+              <a:rPr lang="en-CA" dirty="0" err="1" smtClean="0"/>
+              <a:t>todos</a:t>
+            </a:r>
+            <a:r>
+              <a:rPr lang="en-CA" dirty="0" smtClean="0"/>
+              <a:t>[1][complete]" type="checkbox" value="1" /&gt; </a:t>
+            </a:r>
+            <a:endParaRPr lang="en-CA" dirty="0" smtClean="0"/>
+          </a:p>
+          <a:p>
+            <a:pPr lvl="1">
+              <a:buNone/>
+            </a:pPr>
+            <a:r>
+              <a:rPr lang="en-CA" dirty="0" smtClean="0"/>
+              <a:t>&lt;</a:t>
+            </a:r>
+            <a:r>
+              <a:rPr lang="en-CA" dirty="0" smtClean="0"/>
+              <a:t>span class="name"&gt;Take out Dog&lt;/span&gt; </a:t>
+            </a:r>
+            <a:endParaRPr lang="en-CA" dirty="0" smtClean="0"/>
+          </a:p>
+          <a:p>
+            <a:pPr lvl="1">
+              <a:buNone/>
+            </a:pPr>
+            <a:r>
+              <a:rPr lang="en-CA" dirty="0" smtClean="0"/>
+              <a:t>&lt;</a:t>
+            </a:r>
+            <a:r>
+              <a:rPr lang="en-CA" dirty="0" smtClean="0"/>
+              <a:t>div class="controls"&gt; </a:t>
+            </a:r>
+            <a:endParaRPr lang="en-CA" dirty="0" smtClean="0"/>
+          </a:p>
+          <a:p>
+            <a:pPr lvl="1">
+              <a:buNone/>
+            </a:pPr>
+            <a:r>
+              <a:rPr lang="en-CA" dirty="0" smtClean="0"/>
+              <a:t>	</a:t>
+            </a:r>
+            <a:r>
+              <a:rPr lang="en-CA" dirty="0" smtClean="0"/>
+              <a:t>&lt;</a:t>
+            </a:r>
+            <a:r>
+              <a:rPr lang="en-CA" dirty="0" smtClean="0"/>
+              <a:t>a </a:t>
+            </a:r>
+            <a:r>
+              <a:rPr lang="en-CA" dirty="0" err="1" smtClean="0"/>
+              <a:t>href</a:t>
+            </a:r>
+            <a:r>
+              <a:rPr lang="en-CA" dirty="0" smtClean="0"/>
+              <a:t>="/</a:t>
+            </a:r>
+            <a:r>
+              <a:rPr lang="en-CA" dirty="0" err="1" smtClean="0"/>
+              <a:t>todos</a:t>
+            </a:r>
+            <a:r>
+              <a:rPr lang="en-CA" dirty="0" smtClean="0"/>
+              <a:t>/1/edit"&gt;Edit&lt;/a&gt; | &lt;a </a:t>
+            </a:r>
+            <a:r>
+              <a:rPr lang="en-CA" dirty="0" err="1" smtClean="0"/>
+              <a:t>href</a:t>
+            </a:r>
+            <a:r>
+              <a:rPr lang="en-CA" dirty="0" smtClean="0"/>
+              <a:t>="/</a:t>
+            </a:r>
+            <a:r>
+              <a:rPr lang="en-CA" dirty="0" err="1" smtClean="0"/>
+              <a:t>todos</a:t>
+            </a:r>
+            <a:r>
+              <a:rPr lang="en-CA" dirty="0" smtClean="0"/>
+              <a:t>/1/</a:t>
+            </a:r>
+            <a:r>
+              <a:rPr lang="en-CA" dirty="0" err="1" smtClean="0"/>
+              <a:t>confirm_delete</a:t>
+            </a:r>
+            <a:r>
+              <a:rPr lang="en-CA" dirty="0" smtClean="0"/>
+              <a:t>" class="delete"&gt;Delete&lt;/a&gt; </a:t>
+            </a:r>
+            <a:endParaRPr lang="en-CA" dirty="0" smtClean="0"/>
+          </a:p>
+          <a:p>
+            <a:pPr lvl="1">
+              <a:buNone/>
+            </a:pPr>
+            <a:r>
+              <a:rPr lang="en-CA" dirty="0" smtClean="0"/>
+              <a:t>&lt;/</a:t>
+            </a:r>
+            <a:r>
+              <a:rPr lang="en-CA" dirty="0" smtClean="0"/>
+              <a:t>div&gt; </a:t>
+            </a:r>
+            <a:endParaRPr lang="en-CA" dirty="0" smtClean="0"/>
+          </a:p>
+          <a:p>
+            <a:pPr>
+              <a:buNone/>
+            </a:pPr>
+            <a:r>
+              <a:rPr lang="en-CA" dirty="0" smtClean="0"/>
+              <a:t>&lt;/</a:t>
+            </a:r>
+            <a:r>
+              <a:rPr lang="en-CA" dirty="0" err="1" smtClean="0"/>
+              <a:t>li</a:t>
+            </a:r>
+            <a:r>
+              <a:rPr lang="en-CA" dirty="0" smtClean="0"/>
+              <a:t>&gt; </a:t>
+            </a:r>
+            <a:endParaRPr lang="en-CA" dirty="0"/>
+          </a:p>
+        </p:txBody>
+      </p:sp>
+      <p:sp>
+        <p:nvSpPr>
+          <p:cNvPr id="4" name="Text Placeholder 3"/>
+          <p:cNvSpPr>
+            <a:spLocks noGrp="1"/>
+          </p:cNvSpPr>
+          <p:nvPr>
+            <p:ph type="body" sz="quarter" idx="1"/>
+          </p:nvPr>
+        </p:nvSpPr>
+        <p:spPr>
+          <a:xfrm>
+            <a:off x="533400" y="1752600"/>
+            <a:ext cx="4114800" cy="640080"/>
+          </a:xfrm>
+        </p:spPr>
+        <p:txBody>
+          <a:bodyPr/>
+          <a:lstStyle/>
+          <a:p>
+            <a:r>
+              <a:rPr lang="en-CA" dirty="0" smtClean="0"/>
+              <a:t>The Bad (Obtrusive Way)</a:t>
+            </a:r>
+            <a:endParaRPr lang="en-CA" dirty="0"/>
+          </a:p>
+        </p:txBody>
+      </p:sp>
+      <p:sp>
+        <p:nvSpPr>
+          <p:cNvPr id="6" name="Text Placeholder 5"/>
+          <p:cNvSpPr>
+            <a:spLocks noGrp="1"/>
+          </p:cNvSpPr>
+          <p:nvPr>
+            <p:ph type="body" sz="quarter" idx="3"/>
+          </p:nvPr>
+        </p:nvSpPr>
+        <p:spPr/>
+        <p:txBody>
+          <a:bodyPr/>
+          <a:lstStyle/>
+          <a:p>
+            <a:r>
+              <a:rPr lang="en-CA" dirty="0" smtClean="0"/>
+              <a:t>The Good (Unobtrusive Way)</a:t>
+            </a:r>
+            <a:endParaRPr lang="en-CA" dirty="0"/>
+          </a:p>
+        </p:txBody>
+      </p:sp>
+    </p:spTree>
+  </p:cSld>
+  <p:clrMapOvr>
+    <a:masterClrMapping/>
+  </p:clrMapOvr>
+  <p:timing>
+    <p:tnLst>
+      <p:par>
+        <p:cTn id="1" dur="indefinite" restart="never" nodeType="tmRoot"/>
+      </p:par>
+    </p:tnLst>
+  </p:timing>
+</p:sld>
+</file>
+
+<file path=ppt/slides/slide4.xml><?xml version="1.0" encoding="utf-8"?>
+<p:sld xmlns:a="http://schemas.openxmlformats.org/drawingml/2006/main" xmlns:r="http://schemas.openxmlformats.org/officeDocument/2006/relationships" xmlns:p="http://schemas.openxmlformats.org/presentationml/2006/main">
+  <p:cSld>
+    <p:spTree>
+      <p:nvGrpSpPr>
+        <p:cNvPr id="1" name=""/>
+        <p:cNvGrpSpPr/>
+        <p:nvPr/>
+      </p:nvGrpSpPr>
+      <p:grpSpPr>
+        <a:xfrm>
+          <a:off x="0" y="0"/>
+          <a:ext cx="0" cy="0"/>
+          <a:chOff x="0" y="0"/>
+          <a:chExt cx="0" cy="0"/>
+        </a:xfrm>
+      </p:grpSpPr>
+      <p:sp>
+        <p:nvSpPr>
+          <p:cNvPr id="7" name="Title 6"/>
+          <p:cNvSpPr>
+            <a:spLocks noGrp="1"/>
+          </p:cNvSpPr>
+          <p:nvPr>
+            <p:ph type="title"/>
+          </p:nvPr>
+        </p:nvSpPr>
+        <p:spPr/>
+        <p:txBody>
+          <a:bodyPr/>
+          <a:lstStyle/>
+          <a:p>
+            <a:pPr algn="ctr"/>
+            <a:r>
+              <a:rPr lang="en-CA" dirty="0" smtClean="0"/>
+              <a:t>More Information</a:t>
+            </a:r>
+            <a:endParaRPr lang="en-CA" dirty="0"/>
+          </a:p>
+        </p:txBody>
+      </p:sp>
+      <p:sp>
+        <p:nvSpPr>
+          <p:cNvPr id="9" name="Content Placeholder 8"/>
+          <p:cNvSpPr>
+            <a:spLocks noGrp="1"/>
+          </p:cNvSpPr>
+          <p:nvPr>
+            <p:ph sz="quarter" idx="1"/>
+          </p:nvPr>
+        </p:nvSpPr>
+        <p:spPr/>
+        <p:txBody>
+          <a:bodyPr/>
+          <a:lstStyle/>
+          <a:p>
+            <a:r>
+              <a:rPr lang="en-CA" dirty="0" smtClean="0"/>
+              <a:t>My Blog: </a:t>
+            </a:r>
+            <a:r>
+              <a:rPr lang="en-CA" dirty="0" smtClean="0">
+                <a:hlinkClick r:id="rId2"/>
+              </a:rPr>
+              <a:t>http://blog.anlek.com</a:t>
+            </a:r>
+            <a:endParaRPr lang="en-CA" dirty="0" smtClean="0"/>
+          </a:p>
+          <a:p>
+            <a:r>
+              <a:rPr lang="en-CA" dirty="0" smtClean="0"/>
+              <a:t>My </a:t>
+            </a:r>
+            <a:r>
+              <a:rPr lang="en-CA" dirty="0" err="1" smtClean="0"/>
+              <a:t>GitHub</a:t>
+            </a:r>
+            <a:r>
+              <a:rPr lang="en-CA" dirty="0" smtClean="0"/>
+              <a:t>: </a:t>
+            </a:r>
+            <a:r>
+              <a:rPr lang="en-CA" dirty="0" smtClean="0">
+                <a:hlinkClick r:id="rId3"/>
+              </a:rPr>
+              <a:t>http://github.com/anlek</a:t>
+            </a:r>
+            <a:r>
+              <a:rPr lang="en-CA" dirty="0" smtClean="0">
+                <a:hlinkClick r:id="rId3"/>
+              </a:rPr>
+              <a:t>/</a:t>
+            </a:r>
+            <a:endParaRPr lang="en-CA" dirty="0" smtClean="0"/>
+          </a:p>
+          <a:p>
+            <a:endParaRPr lang="en-CA" dirty="0" smtClean="0"/>
+          </a:p>
+          <a:p>
+            <a:r>
+              <a:rPr lang="en-CA" dirty="0" smtClean="0"/>
+              <a:t>Learn more on Unobtrusive </a:t>
+            </a:r>
+            <a:r>
+              <a:rPr lang="en-CA" dirty="0" err="1" smtClean="0"/>
+              <a:t>Javascript</a:t>
+            </a:r>
+            <a:r>
+              <a:rPr lang="en-CA" dirty="0" smtClean="0"/>
+              <a:t> at:</a:t>
+            </a:r>
+            <a:br>
+              <a:rPr lang="en-CA" dirty="0" smtClean="0"/>
+            </a:br>
+            <a:r>
+              <a:rPr lang="en-CA" dirty="0" smtClean="0"/>
+              <a:t> </a:t>
+            </a:r>
+            <a:r>
+              <a:rPr lang="en-CA" dirty="0" smtClean="0">
+                <a:hlinkClick r:id="rId4"/>
+              </a:rPr>
+              <a:t>https://</a:t>
+            </a:r>
+            <a:r>
+              <a:rPr lang="en-CA" dirty="0" smtClean="0">
+                <a:hlinkClick r:id="rId4"/>
+              </a:rPr>
+              <a:t>peepcode.com/products/unobtrusive-prototype-js</a:t>
+            </a:r>
+            <a:endParaRPr lang="en-CA" dirty="0" smtClean="0"/>
+          </a:p>
+          <a:p>
+            <a:endParaRPr lang="en-CA" dirty="0" smtClean="0"/>
+          </a:p>
+        </p:txBody>
+      </p:sp>
+    </p:spTree>
+  </p:cSld>
+  <p:clrMapOvr>
+    <a:masterClrMapping/>
+  </p:clrMapOvr>
+  <p:timing>
+    <p:tnLst>
+      <p:par>
+        <p:cTn id="1" dur="indefinite" restart="never" nodeType="tmRoot"/>
+      </p:par>
+    </p:tnLst>
+  </p:timing>
 </p:sld>
 </file>
 
 <file path=ppt/theme/theme1.xml><?xml version="1.0" encoding="utf-8"?>
-<a:theme xmlns:a="http://schemas.openxmlformats.org/drawingml/2006/main" name="Office Theme">
+<a:theme xmlns:a="http://schemas.openxmlformats.org/drawingml/2006/main" name="Median">
   <a:themeElements>
-    <a:clrScheme name="Office">
+    <a:clrScheme name="Median">
       <a:dk1>
         <a:sysClr val="windowText" lastClr="000000"/>
       </a:dk1>
@@ -3278,82 +5145,50 @@
         <a:sysClr val="window" lastClr="FFFFFF"/>
       </a:lt1>
       <a:dk2>
-        <a:srgbClr val="1F497D"/>
+        <a:srgbClr val="775F55"/>
       </a:dk2>
       <a:lt2>
-        <a:srgbClr val="EEECE1"/>
+        <a:srgbClr val="EBDDC3"/>
       </a:lt2>
       <a:accent1>
-        <a:srgbClr val="4F81BD"/>
+        <a:srgbClr val="94B6D2"/>
       </a:accent1>
       <a:accent2>
-        <a:srgbClr val="C0504D"/>
+        <a:srgbClr val="DD8047"/>
       </a:accent2>
       <a:accent3>
-        <a:srgbClr val="9BBB59"/>
+        <a:srgbClr val="A5AB81"/>
       </a:accent3>
       <a:accent4>
-        <a:srgbClr val="8064A2"/>
+        <a:srgbClr val="D8B25C"/>
       </a:accent4>
       <a:accent5>
-        <a:srgbClr val="4BACC6"/>
+        <a:srgbClr val="7BA79D"/>
       </a:accent5>
       <a:accent6>
-        <a:srgbClr val="F79646"/>
+        <a:srgbClr val="968C8C"/>
       </a:accent6>
       <a:hlink>
-        <a:srgbClr val="0000FF"/>
+        <a:srgbClr val="F7B615"/>
       </a:hlink>
       <a:folHlink>
-        <a:srgbClr val="800080"/>
+        <a:srgbClr val="704404"/>
       </a:folHlink>
     </a:clrScheme>
-    <a:fontScheme name="Office">
+    <a:fontScheme name="Median">
       <a:majorFont>
-        <a:latin typeface="Calibri"/>
+        <a:latin typeface="Tw Cen MT"/>
         <a:ea typeface=""/>
         <a:cs typeface=""/>
-        <a:font script="Jpan" typeface="ＭＳ Ｐゴシック"/>
-        <a:font script="Hang" typeface="맑은 고딕"/>
-        <a:font script="Hans" typeface="宋体"/>
-        <a:font script="Hant" typeface="新細明體"/>
-        <a:font script="Arab" typeface="Times New Roman"/>
-        <a:font script="Hebr" typeface="Times New Roman"/>
-        <a:font script="Thai" typeface="Angsana New"/>
-        <a:font script="Ethi" typeface="Nyala"/>
-        <a:font script="Beng" typeface="Vrinda"/>
-        <a:font script="Gujr" typeface="Shruti"/>
-        <a:font script="Khmr" typeface="MoolBoran"/>
-        <a:font script="Knda" typeface="Tunga"/>
-        <a:font script="Guru" typeface="Raavi"/>
-        <a:font script="Cans" typeface="Euphemia"/>
-        <a:font script="Cher" typeface="Plantagenet Cherokee"/>
-        <a:font script="Yiii" typeface="Microsoft Yi Baiti"/>
-        <a:font script="Tibt" typeface="Microsoft Himalaya"/>
-        <a:font script="Thaa" typeface="MV Boli"/>
-        <a:font script="Deva" typeface="Mangal"/>
-        <a:font script="Telu" typeface="Gautami"/>
-        <a:font script="Taml" typeface="Latha"/>
-        <a:font script="Syrc" typeface="Estrangelo Edessa"/>
-        <a:font script="Orya" typeface="Kalinga"/>
-        <a:font script="Mlym" typeface="Kartika"/>
-        <a:font script="Laoo" typeface="DokChampa"/>
-        <a:font script="Sinh" typeface="Iskoola Pota"/>
-        <a:font script="Mong" typeface="Mongolian Baiti"/>
-        <a:font script="Viet" typeface="Times New Roman"/>
-        <a:font script="Uigh" typeface="Microsoft Uighur"/>
-      </a:majorFont>
-      <a:minorFont>
-        <a:latin typeface="Calibri"/>
-        <a:ea typeface=""/>
-        <a:cs typeface=""/>
-        <a:font script="Jpan" typeface="ＭＳ Ｐゴシック"/>
-        <a:font script="Hang" typeface="맑은 고딕"/>
-        <a:font script="Hans" typeface="宋体"/>
-        <a:font script="Hant" typeface="新細明體"/>
+        <a:font script="Grek" typeface="Calibri"/>
+        <a:font script="Cyrl" typeface="Calibri"/>
+        <a:font script="Jpan" typeface="HGPｺﾞｼｯｸE"/>
+        <a:font script="Hang" typeface="HY얕은샘물M"/>
+        <a:font script="Hans" typeface="华文仿宋"/>
+        <a:font script="Hant" typeface="微軟正黑體"/>
         <a:font script="Arab" typeface="Arial"/>
-        <a:font script="Hebr" typeface="Arial"/>
-        <a:font script="Thai" typeface="Cordia New"/>
+        <a:font script="Hebr" typeface="Levenim MT"/>
+        <a:font script="Thai" typeface="FreesiaUPC"/>
         <a:font script="Ethi" typeface="Nyala"/>
         <a:font script="Beng" typeface="Vrinda"/>
         <a:font script="Gujr" typeface="Shruti"/>
@@ -3374,79 +5209,74 @@
         <a:font script="Laoo" typeface="DokChampa"/>
         <a:font script="Sinh" typeface="Iskoola Pota"/>
         <a:font script="Mong" typeface="Mongolian Baiti"/>
-        <a:font script="Viet" typeface="Arial"/>
+        <a:font script="Viet" typeface="Tahoma"/>
+        <a:font script="Uigh" typeface="Microsoft Uighur"/>
+      </a:majorFont>
+      <a:minorFont>
+        <a:latin typeface="Tw Cen MT"/>
+        <a:ea typeface=""/>
+        <a:cs typeface=""/>
+        <a:font script="Grek" typeface="Calibri"/>
+        <a:font script="Cyrl" typeface="Calibri"/>
+        <a:font script="Jpan" typeface="HGPｺﾞｼｯｸE"/>
+        <a:font script="Hang" typeface="HY얕은샘물M"/>
+        <a:font script="Hans" typeface="华文仿宋"/>
+        <a:font script="Hant" typeface="微軟正黑體"/>
+        <a:font script="Arab" typeface="Arial"/>
+        <a:font script="Hebr" typeface="Levenim MT"/>
+        <a:font script="Thai" typeface="FreesiaUPC"/>
+        <a:font script="Ethi" typeface="Nyala"/>
+        <a:font script="Beng" typeface="Vrinda"/>
+        <a:font script="Gujr" typeface="Shruti"/>
+        <a:font script="Khmr" typeface="DaunPenh"/>
+        <a:font script="Knda" typeface="Tunga"/>
+        <a:font script="Guru" typeface="Raavi"/>
+        <a:font script="Cans" typeface="Euphemia"/>
+        <a:font script="Cher" typeface="Plantagenet Cherokee"/>
+        <a:font script="Yiii" typeface="Microsoft Yi Baiti"/>
+        <a:font script="Tibt" typeface="Microsoft Himalaya"/>
+        <a:font script="Thaa" typeface="MV Boli"/>
+        <a:font script="Deva" typeface="Mangal"/>
+        <a:font script="Telu" typeface="Gautami"/>
+        <a:font script="Taml" typeface="Latha"/>
+        <a:font script="Syrc" typeface="Estrangelo Edessa"/>
+        <a:font script="Orya" typeface="Kalinga"/>
+        <a:font script="Mlym" typeface="Kartika"/>
+        <a:font script="Laoo" typeface="DokChampa"/>
+        <a:font script="Sinh" typeface="Iskoola Pota"/>
+        <a:font script="Mong" typeface="Mongolian Baiti"/>
+        <a:font script="Viet" typeface="Tahoma"/>
         <a:font script="Uigh" typeface="Microsoft Uighur"/>
       </a:minorFont>
     </a:fontScheme>
-    <a:fmtScheme name="Office">
+    <a:fmtScheme name="Median">
       <a:fillStyleLst>
         <a:solidFill>
           <a:schemeClr val="phClr"/>
         </a:solidFill>
-        <a:gradFill rotWithShape="1">
-          <a:gsLst>
-            <a:gs pos="0">
-              <a:schemeClr val="phClr">
-                <a:tint val="50000"/>
-                <a:satMod val="300000"/>
-              </a:schemeClr>
-            </a:gs>
-            <a:gs pos="35000">
-              <a:schemeClr val="phClr">
-                <a:tint val="37000"/>
-                <a:satMod val="300000"/>
-              </a:schemeClr>
-            </a:gs>
-            <a:gs pos="100000">
-              <a:schemeClr val="phClr">
-                <a:tint val="15000"/>
-                <a:satMod val="350000"/>
-              </a:schemeClr>
-            </a:gs>
-          </a:gsLst>
-          <a:lin ang="16200000" scaled="1"/>
-        </a:gradFill>
-        <a:gradFill rotWithShape="1">
-          <a:gsLst>
-            <a:gs pos="0">
-              <a:schemeClr val="phClr">
-                <a:shade val="51000"/>
-                <a:satMod val="130000"/>
-              </a:schemeClr>
-            </a:gs>
-            <a:gs pos="80000">
-              <a:schemeClr val="phClr">
-                <a:shade val="93000"/>
-                <a:satMod val="130000"/>
-              </a:schemeClr>
-            </a:gs>
-            <a:gs pos="100000">
-              <a:schemeClr val="phClr">
-                <a:shade val="94000"/>
-                <a:satMod val="135000"/>
-              </a:schemeClr>
-            </a:gs>
-          </a:gsLst>
-          <a:lin ang="16200000" scaled="0"/>
-        </a:gradFill>
+        <a:solidFill>
+          <a:schemeClr val="phClr">
+            <a:tint val="50000"/>
+          </a:schemeClr>
+        </a:solidFill>
+        <a:solidFill>
+          <a:schemeClr val="phClr"/>
+        </a:solidFill>
       </a:fillStyleLst>
       <a:lnStyleLst>
-        <a:ln w="9525" cap="flat" cmpd="sng" algn="ctr">
-          <a:solidFill>
-            <a:schemeClr val="phClr">
-              <a:shade val="95000"/>
-              <a:satMod val="105000"/>
-            </a:schemeClr>
-          </a:solidFill>
-          <a:prstDash val="solid"/>
-        </a:ln>
-        <a:ln w="25400" cap="flat" cmpd="sng" algn="ctr">
+        <a:ln w="10000" cap="flat" cmpd="sng" algn="ctr">
           <a:solidFill>
             <a:schemeClr val="phClr"/>
           </a:solidFill>
           <a:prstDash val="solid"/>
         </a:ln>
-        <a:ln w="38100" cap="flat" cmpd="sng" algn="ctr">
+        <a:ln w="19050" cap="flat" cmpd="sng" algn="ctr">
+          <a:solidFill>
+            <a:schemeClr val="phClr"/>
+          </a:solidFill>
+          <a:prstDash val="solid"/>
+        </a:ln>
+        <a:ln w="47625" cap="flat" cmpd="dbl" algn="ctr">
           <a:solidFill>
             <a:schemeClr val="phClr"/>
           </a:solidFill>
@@ -3456,40 +5286,43 @@
       <a:effectStyleLst>
         <a:effectStyle>
           <a:effectLst>
-            <a:outerShdw blurRad="40000" dist="20000" dir="5400000" rotWithShape="0">
+            <a:outerShdw blurRad="38100" dist="30000" dir="5400000" rotWithShape="0">
               <a:srgbClr val="000000">
-                <a:alpha val="38000"/>
+                <a:alpha val="45000"/>
               </a:srgbClr>
             </a:outerShdw>
           </a:effectLst>
         </a:effectStyle>
         <a:effectStyle>
           <a:effectLst>
-            <a:outerShdw blurRad="40000" dist="23000" dir="5400000" rotWithShape="0">
+            <a:outerShdw blurRad="38100" dist="30000" dir="5400000" rotWithShape="0">
               <a:srgbClr val="000000">
-                <a:alpha val="35000"/>
+                <a:alpha val="45000"/>
               </a:srgbClr>
             </a:outerShdw>
           </a:effectLst>
         </a:effectStyle>
         <a:effectStyle>
           <a:effectLst>
-            <a:outerShdw blurRad="40000" dist="23000" dir="5400000" rotWithShape="0">
+            <a:outerShdw blurRad="38100" dist="25400" dir="5400000" rotWithShape="0">
               <a:srgbClr val="000000">
                 <a:alpha val="35000"/>
               </a:srgbClr>
             </a:outerShdw>
           </a:effectLst>
           <a:scene3d>
-            <a:camera prst="orthographicFront">
+            <a:camera prst="isometricTopDown" fov="0">
               <a:rot lat="0" lon="0" rev="0"/>
             </a:camera>
-            <a:lightRig rig="threePt" dir="t">
-              <a:rot lat="0" lon="0" rev="1200000"/>
+            <a:lightRig rig="balanced" dir="t">
+              <a:rot lat="0" lon="0" rev="13800000"/>
             </a:lightRig>
           </a:scene3d>
-          <a:sp3d>
-            <a:bevelT w="63500" h="25400"/>
+          <a:sp3d extrusionH="12700" prstMaterial="plastic">
+            <a:bevelT w="38100" h="25400" prst="softRound"/>
+            <a:contourClr>
+              <a:schemeClr val="phClr"/>
+            </a:contourClr>
           </a:sp3d>
         </a:effectStyle>
       </a:effectStyleLst>
@@ -3497,51 +5330,34 @@
         <a:solidFill>
           <a:schemeClr val="phClr"/>
         </a:solidFill>
-        <a:gradFill rotWithShape="1">
-          <a:gsLst>
-            <a:gs pos="0">
+        <a:blipFill>
+          <a:blip xmlns:r="http://schemas.openxmlformats.org/officeDocument/2006/relationships" r:embed="rId1">
+            <a:duotone>
               <a:schemeClr val="phClr">
-                <a:tint val="40000"/>
-                <a:satMod val="350000"/>
+                <a:shade val="90000"/>
+                <a:satMod val="140000"/>
               </a:schemeClr>
-            </a:gs>
-            <a:gs pos="40000">
               <a:schemeClr val="phClr">
-                <a:tint val="45000"/>
-                <a:shade val="99000"/>
-                <a:satMod val="350000"/>
+                <a:satMod val="120000"/>
               </a:schemeClr>
-            </a:gs>
-            <a:gs pos="100000">
+            </a:duotone>
+          </a:blip>
+          <a:tile tx="0" ty="0" sx="100000" sy="100000" flip="none" algn="tl"/>
+        </a:blipFill>
+        <a:blipFill>
+          <a:blip xmlns:r="http://schemas.openxmlformats.org/officeDocument/2006/relationships" r:embed="rId2">
+            <a:duotone>
               <a:schemeClr val="phClr">
-                <a:shade val="20000"/>
-                <a:satMod val="255000"/>
+                <a:shade val="90000"/>
+                <a:satMod val="140000"/>
               </a:schemeClr>
-            </a:gs>
-          </a:gsLst>
-          <a:path path="circle">
-            <a:fillToRect l="50000" t="-80000" r="50000" b="180000"/>
-          </a:path>
-        </a:gradFill>
-        <a:gradFill rotWithShape="1">
-          <a:gsLst>
-            <a:gs pos="0">
               <a:schemeClr val="phClr">
-                <a:tint val="80000"/>
-                <a:satMod val="300000"/>
+                <a:satMod val="120000"/>
               </a:schemeClr>
-            </a:gs>
-            <a:gs pos="100000">
-              <a:schemeClr val="phClr">
-                <a:shade val="30000"/>
-                <a:satMod val="200000"/>
-              </a:schemeClr>
-            </a:gs>
-          </a:gsLst>
-          <a:path path="circle">
-            <a:fillToRect l="50000" t="50000" r="50000" b="50000"/>
-          </a:path>
-        </a:gradFill>
+            </a:duotone>
+          </a:blip>
+          <a:tile tx="0" ty="0" sx="100000" sy="100000" flip="none" algn="tl"/>
+        </a:blipFill>
       </a:bgFillStyleLst>
     </a:fmtScheme>
   </a:themeElements>

--- a/presentation/Unobtrusive_Javascript.pptx
+++ b/presentation/Unobtrusive_Javascript.pptx
@@ -402,7 +402,7 @@
             <a:fld id="{1D8BD707-D9CF-40AE-B4C6-C98DA3205C09}" type="datetimeFigureOut">
               <a:rPr lang="en-US" smtClean="0"/>
               <a:pPr/>
-              <a:t>6/24/2009</a:t>
+              <a:t>6/25/2009</a:t>
             </a:fld>
             <a:endParaRPr lang="en-US"/>
           </a:p>
@@ -595,7 +595,7 @@
             <a:fld id="{1D8BD707-D9CF-40AE-B4C6-C98DA3205C09}" type="datetimeFigureOut">
               <a:rPr lang="en-US" smtClean="0"/>
               <a:pPr/>
-              <a:t>6/24/2009</a:t>
+              <a:t>6/25/2009</a:t>
             </a:fld>
             <a:endParaRPr lang="en-US"/>
           </a:p>
@@ -782,7 +782,7 @@
             <a:fld id="{1D8BD707-D9CF-40AE-B4C6-C98DA3205C09}" type="datetimeFigureOut">
               <a:rPr lang="en-US" smtClean="0"/>
               <a:pPr/>
-              <a:t>6/24/2009</a:t>
+              <a:t>6/25/2009</a:t>
             </a:fld>
             <a:endParaRPr lang="en-US"/>
           </a:p>
@@ -1047,7 +1047,7 @@
             <a:fld id="{1D8BD707-D9CF-40AE-B4C6-C98DA3205C09}" type="datetimeFigureOut">
               <a:rPr lang="en-US" smtClean="0"/>
               <a:pPr/>
-              <a:t>6/24/2009</a:t>
+              <a:t>6/25/2009</a:t>
             </a:fld>
             <a:endParaRPr lang="en-US"/>
           </a:p>
@@ -1465,7 +1465,7 @@
             <a:fld id="{1D8BD707-D9CF-40AE-B4C6-C98DA3205C09}" type="datetimeFigureOut">
               <a:rPr lang="en-US" smtClean="0"/>
               <a:pPr/>
-              <a:t>6/24/2009</a:t>
+              <a:t>6/25/2009</a:t>
             </a:fld>
             <a:endParaRPr lang="en-US"/>
           </a:p>
@@ -1709,7 +1709,7 @@
             <a:fld id="{1D8BD707-D9CF-40AE-B4C6-C98DA3205C09}" type="datetimeFigureOut">
               <a:rPr lang="en-US" smtClean="0"/>
               <a:pPr/>
-              <a:t>6/24/2009</a:t>
+              <a:t>6/25/2009</a:t>
             </a:fld>
             <a:endParaRPr lang="en-US"/>
           </a:p>
@@ -1947,7 +1947,7 @@
             <a:fld id="{1D8BD707-D9CF-40AE-B4C6-C98DA3205C09}" type="datetimeFigureOut">
               <a:rPr lang="en-US" smtClean="0"/>
               <a:pPr/>
-              <a:t>6/24/2009</a:t>
+              <a:t>6/25/2009</a:t>
             </a:fld>
             <a:endParaRPr lang="en-US"/>
           </a:p>
@@ -2144,7 +2144,7 @@
             <a:fld id="{1D8BD707-D9CF-40AE-B4C6-C98DA3205C09}" type="datetimeFigureOut">
               <a:rPr lang="en-US" smtClean="0"/>
               <a:pPr/>
-              <a:t>6/24/2009</a:t>
+              <a:t>6/25/2009</a:t>
             </a:fld>
             <a:endParaRPr lang="en-US"/>
           </a:p>
@@ -2244,7 +2244,7 @@
             <a:fld id="{1D8BD707-D9CF-40AE-B4C6-C98DA3205C09}" type="datetimeFigureOut">
               <a:rPr lang="en-US" smtClean="0"/>
               <a:pPr/>
-              <a:t>6/24/2009</a:t>
+              <a:t>6/25/2009</a:t>
             </a:fld>
             <a:endParaRPr lang="en-US"/>
           </a:p>
@@ -2382,7 +2382,7 @@
             <a:fld id="{1D8BD707-D9CF-40AE-B4C6-C98DA3205C09}" type="datetimeFigureOut">
               <a:rPr lang="en-US" smtClean="0"/>
               <a:pPr/>
-              <a:t>6/24/2009</a:t>
+              <a:t>6/25/2009</a:t>
             </a:fld>
             <a:endParaRPr lang="en-US"/>
           </a:p>
@@ -2902,7 +2902,7 @@
             <a:fld id="{1D8BD707-D9CF-40AE-B4C6-C98DA3205C09}" type="datetimeFigureOut">
               <a:rPr lang="en-US" smtClean="0"/>
               <a:pPr/>
-              <a:t>6/24/2009</a:t>
+              <a:t>6/25/2009</a:t>
             </a:fld>
             <a:endParaRPr lang="en-US"/>
           </a:p>
@@ -3165,7 +3165,7 @@
             <a:fld id="{1D8BD707-D9CF-40AE-B4C6-C98DA3205C09}" type="datetimeFigureOut">
               <a:rPr lang="en-US" smtClean="0"/>
               <a:pPr/>
-              <a:t>6/24/2009</a:t>
+              <a:t>6/25/2009</a:t>
             </a:fld>
             <a:endParaRPr lang="en-US"/>
           </a:p>
@@ -3742,20 +3742,23 @@
         </p:nvSpPr>
         <p:spPr/>
         <p:txBody>
-          <a:bodyPr/>
-          <a:lstStyle/>
-          <a:p>
-            <a:r>
-              <a:rPr lang="en-CA" dirty="0" smtClean="0"/>
-              <a:t>Unobtrusive </a:t>
-            </a:r>
-            <a:r>
-              <a:rPr lang="en-CA" dirty="0" smtClean="0"/>
-              <a:t>JavaScript</a:t>
-            </a:r>
-            <a:r>
-              <a:rPr lang="en-CA" dirty="0" smtClean="0"/>
-              <a:t/>
+          <a:bodyPr>
+            <a:scene3d>
+              <a:camera prst="orthographicFront"/>
+              <a:lightRig rig="twoPt" dir="t"/>
+            </a:scene3d>
+            <a:sp3d prstMaterial="dkEdge">
+              <a:bevelT w="50800" h="38100"/>
+              <a:extrusionClr>
+                <a:schemeClr val="bg1"/>
+              </a:extrusionClr>
+            </a:sp3d>
+          </a:bodyPr>
+          <a:lstStyle/>
+          <a:p>
+            <a:r>
+              <a:rPr lang="en-CA" dirty="0" smtClean="0"/>
+              <a:t>Unobtrusive JavaScript</a:t>
             </a:r>
             <a:br>
               <a:rPr lang="en-CA" dirty="0" smtClean="0"/>
@@ -3899,11 +3902,7 @@
           <a:p>
             <a:r>
               <a:rPr lang="en-CA" b="1" dirty="0" smtClean="0"/>
-              <a:t>Progressive </a:t>
-            </a:r>
-            <a:r>
-              <a:rPr lang="en-CA" b="1" dirty="0" smtClean="0"/>
-              <a:t>enhancement</a:t>
+              <a:t>Progressive enhancement</a:t>
             </a:r>
             <a:r>
               <a:rPr lang="en-CA" dirty="0" smtClean="0"/>
@@ -3917,11 +3916,7 @@
             </a:r>
             <a:r>
               <a:rPr lang="en-CA" dirty="0" smtClean="0"/>
-              <a:t>(the "behaviour layer") from a Web page's structure/content and </a:t>
-            </a:r>
-            <a:r>
-              <a:rPr lang="en-CA" dirty="0" smtClean="0"/>
-              <a:t>presentation</a:t>
+              <a:t>(the "behaviour layer") from a Web page's structure/content and presentation</a:t>
             </a:r>
           </a:p>
           <a:p>
@@ -4044,11 +4039,7 @@
             </a:pPr>
             <a:r>
               <a:rPr lang="en-CA" dirty="0" smtClean="0"/>
-              <a:t>&lt;input </a:t>
-            </a:r>
-            <a:r>
-              <a:rPr lang="en-CA" dirty="0" smtClean="0"/>
-              <a:t>name="</a:t>
+              <a:t>&lt;input name="</a:t>
             </a:r>
             <a:r>
               <a:rPr lang="en-CA" dirty="0" err="1" smtClean="0"/>
@@ -4056,22 +4047,14 @@
             </a:r>
             <a:r>
               <a:rPr lang="en-CA" dirty="0" smtClean="0"/>
-              <a:t>[1][complete]" type="hidden" value="0" </a:t>
-            </a:r>
-            <a:r>
-              <a:rPr lang="en-CA" dirty="0" smtClean="0"/>
-              <a:t>/&gt;</a:t>
+              <a:t>[1][complete]" type="hidden" value="0" /&gt;</a:t>
             </a:r>
             <a:br>
               <a:rPr lang="en-CA" dirty="0" smtClean="0"/>
             </a:br>
             <a:r>
               <a:rPr lang="en-CA" dirty="0" smtClean="0"/>
-              <a:t>&lt;</a:t>
-            </a:r>
-            <a:r>
-              <a:rPr lang="en-CA" dirty="0" smtClean="0"/>
-              <a:t>input id="todos_1_complete" name="</a:t>
+              <a:t>&lt;input id="todos_1_complete" name="</a:t>
             </a:r>
             <a:r>
               <a:rPr lang="en-CA" dirty="0" err="1" smtClean="0"/>
@@ -4079,22 +4062,14 @@
             </a:r>
             <a:r>
               <a:rPr lang="en-CA" dirty="0" smtClean="0"/>
-              <a:t>[1][complete]" type="checkbox" value="1" </a:t>
-            </a:r>
-            <a:r>
-              <a:rPr lang="en-CA" dirty="0" smtClean="0"/>
-              <a:t>/&gt;</a:t>
+              <a:t>[1][complete]" type="checkbox" value="1" /&gt;</a:t>
             </a:r>
             <a:br>
               <a:rPr lang="en-CA" dirty="0" smtClean="0"/>
             </a:br>
             <a:r>
               <a:rPr lang="en-CA" dirty="0" smtClean="0"/>
-              <a:t>&lt;</a:t>
-            </a:r>
-            <a:r>
-              <a:rPr lang="en-CA" dirty="0" smtClean="0"/>
-              <a:t>script type="text/</a:t>
+              <a:t>&lt;script type="text/</a:t>
             </a:r>
             <a:r>
               <a:rPr lang="en-CA" dirty="0" err="1" smtClean="0"/>
@@ -4215,11 +4190,7 @@
             </a:r>
             <a:r>
               <a:rPr lang="en-CA" dirty="0" smtClean="0"/>
-              <a:t>(</a:t>
-            </a:r>
-            <a:r>
-              <a:rPr lang="en-CA" dirty="0" smtClean="0"/>
-              <a:t>'</a:t>
+              <a:t>('</a:t>
             </a:r>
             <a:r>
               <a:rPr lang="en-CA" dirty="0" err="1" smtClean="0"/>
@@ -4234,11 +4205,89 @@
             </a:br>
             <a:r>
               <a:rPr lang="en-CA" dirty="0" smtClean="0"/>
+              <a:t>                           if(</a:t>
+            </a:r>
+            <a:r>
+              <a:rPr lang="en-CA" dirty="0" err="1" smtClean="0"/>
+              <a:t>element.checked</a:t>
+            </a:r>
+            <a:r>
+              <a:rPr lang="en-CA" dirty="0" smtClean="0"/>
+              <a:t>){</a:t>
+            </a:r>
+            <a:br>
+              <a:rPr lang="en-CA" dirty="0" smtClean="0"/>
+            </a:br>
+            <a:r>
+              <a:rPr lang="en-CA" dirty="0" smtClean="0"/>
+              <a:t>                              </a:t>
+            </a:r>
+            <a:r>
+              <a:rPr lang="en-CA" dirty="0" err="1" smtClean="0"/>
+              <a:t>li.addClassName</a:t>
+            </a:r>
+            <a:r>
+              <a:rPr lang="en-CA" dirty="0" smtClean="0"/>
+              <a:t>('complete‘)</a:t>
+            </a:r>
+            <a:br>
+              <a:rPr lang="en-CA" dirty="0" smtClean="0"/>
+            </a:br>
+            <a:r>
+              <a:rPr lang="en-CA" dirty="0" smtClean="0"/>
+              <a:t>                           }else{</a:t>
+            </a:r>
+            <a:br>
+              <a:rPr lang="en-CA" dirty="0" smtClean="0"/>
+            </a:br>
+            <a:r>
+              <a:rPr lang="en-CA" dirty="0" smtClean="0"/>
+              <a:t>                              </a:t>
+            </a:r>
+            <a:r>
+              <a:rPr lang="en-CA" dirty="0" err="1" smtClean="0"/>
+              <a:t>li.removeClassName</a:t>
+            </a:r>
+            <a:r>
+              <a:rPr lang="en-CA" dirty="0" smtClean="0"/>
+              <a:t>('complete‘)</a:t>
+            </a:r>
+            <a:br>
+              <a:rPr lang="en-CA" dirty="0" smtClean="0"/>
+            </a:br>
+            <a:r>
+              <a:rPr lang="en-CA" dirty="0" smtClean="0"/>
+              <a:t>                           };</a:t>
+            </a:r>
+            <a:br>
+              <a:rPr lang="en-CA" dirty="0" smtClean="0"/>
+            </a:br>
+            <a:r>
+              <a:rPr lang="en-CA" dirty="0" smtClean="0"/>
               <a:t>                           </a:t>
             </a:r>
             <a:r>
-              <a:rPr lang="en-CA" dirty="0" smtClean="0"/>
-              <a:t>if(</a:t>
+              <a:rPr lang="en-CA" dirty="0" err="1" smtClean="0"/>
+              <a:t>li.highlight</a:t>
+            </a:r>
+            <a:r>
+              <a:rPr lang="en-CA" dirty="0" smtClean="0"/>
+              <a:t>(); </a:t>
+            </a:r>
+            <a:br>
+              <a:rPr lang="en-CA" dirty="0" smtClean="0"/>
+            </a:br>
+            <a:r>
+              <a:rPr lang="en-CA" dirty="0" smtClean="0"/>
+              <a:t>                        }, </a:t>
+            </a:r>
+            <a:r>
+              <a:rPr lang="en-CA" dirty="0" err="1" smtClean="0"/>
+              <a:t>parameters:'todo</a:t>
+            </a:r>
+            <a:r>
+              <a:rPr lang="en-CA" dirty="0" smtClean="0"/>
+              <a:t>[complete]=' + </a:t>
             </a:r>
             <a:r>
               <a:rPr lang="en-CA" dirty="0" err="1" smtClean="0"/>
@@ -4246,180 +4295,58 @@
             </a:r>
             <a:r>
               <a:rPr lang="en-CA" dirty="0" smtClean="0"/>
-              <a:t>){</a:t>
+              <a:t> + '&amp;</a:t>
+            </a:r>
+            <a:r>
+              <a:rPr lang="en-CA" dirty="0" err="1" smtClean="0"/>
+              <a:t>authenticity_token</a:t>
+            </a:r>
+            <a:r>
+              <a:rPr lang="en-CA" dirty="0" smtClean="0"/>
+              <a:t>=' + </a:t>
+            </a:r>
+            <a:r>
+              <a:rPr lang="en-CA" dirty="0" err="1" smtClean="0"/>
+              <a:t>encodeURIComponent</a:t>
+            </a:r>
+            <a:r>
+              <a:rPr lang="en-CA" dirty="0" smtClean="0"/>
+              <a:t>('wNqAr3/4sRWFEV3QAT//L8gNkO35Re2impKlBkbxxYQ=')})})</a:t>
             </a:r>
             <a:br>
               <a:rPr lang="en-CA" dirty="0" smtClean="0"/>
             </a:br>
             <a:r>
               <a:rPr lang="en-CA" dirty="0" smtClean="0"/>
-              <a:t>                              </a:t>
-            </a:r>
-            <a:r>
-              <a:rPr lang="en-CA" dirty="0" err="1" smtClean="0"/>
-              <a:t>li.addClassName</a:t>
-            </a:r>
-            <a:r>
-              <a:rPr lang="en-CA" dirty="0" smtClean="0"/>
-              <a:t>(</a:t>
-            </a:r>
-            <a:r>
-              <a:rPr lang="en-CA" dirty="0" smtClean="0"/>
-              <a:t>'complete‘)</a:t>
+              <a:t/>
             </a:r>
             <a:br>
               <a:rPr lang="en-CA" dirty="0" smtClean="0"/>
             </a:br>
             <a:r>
               <a:rPr lang="en-CA" dirty="0" smtClean="0"/>
-              <a:t>                           </a:t>
-            </a:r>
-            <a:r>
-              <a:rPr lang="en-CA" dirty="0" smtClean="0"/>
-              <a:t>}else</a:t>
-            </a:r>
-            <a:r>
-              <a:rPr lang="en-CA" dirty="0" smtClean="0"/>
-              <a:t>{</a:t>
+              <a:t>//]]&gt;</a:t>
             </a:r>
             <a:br>
               <a:rPr lang="en-CA" dirty="0" smtClean="0"/>
             </a:br>
             <a:r>
               <a:rPr lang="en-CA" dirty="0" smtClean="0"/>
-              <a:t>                              </a:t>
-            </a:r>
-            <a:r>
-              <a:rPr lang="en-CA" dirty="0" err="1" smtClean="0"/>
-              <a:t>li.removeClassName</a:t>
-            </a:r>
-            <a:r>
-              <a:rPr lang="en-CA" dirty="0" smtClean="0"/>
-              <a:t>(</a:t>
-            </a:r>
-            <a:r>
-              <a:rPr lang="en-CA" dirty="0" smtClean="0"/>
-              <a:t>'complete‘)</a:t>
+              <a:t/>
             </a:r>
             <a:br>
               <a:rPr lang="en-CA" dirty="0" smtClean="0"/>
             </a:br>
             <a:r>
               <a:rPr lang="en-CA" dirty="0" smtClean="0"/>
-              <a:t>                           };</a:t>
+              <a:t>&lt;/script&gt;</a:t>
             </a:r>
             <a:br>
               <a:rPr lang="en-CA" dirty="0" smtClean="0"/>
             </a:br>
             <a:r>
               <a:rPr lang="en-CA" dirty="0" smtClean="0"/>
-              <a:t>                           </a:t>
-            </a:r>
-            <a:r>
-              <a:rPr lang="en-CA" dirty="0" err="1" smtClean="0"/>
-              <a:t>li.highlight</a:t>
-            </a:r>
-            <a:r>
-              <a:rPr lang="en-CA" dirty="0" smtClean="0"/>
-              <a:t>(); </a:t>
-            </a:r>
-            <a:r>
-              <a:rPr lang="en-CA" dirty="0" smtClean="0"/>
-              <a:t/>
-            </a:r>
-            <a:br>
-              <a:rPr lang="en-CA" dirty="0" smtClean="0"/>
-            </a:br>
-            <a:r>
-              <a:rPr lang="en-CA" dirty="0" smtClean="0"/>
-              <a:t>                        </a:t>
-            </a:r>
-            <a:r>
-              <a:rPr lang="en-CA" dirty="0" smtClean="0"/>
-              <a:t>}, </a:t>
-            </a:r>
-            <a:r>
-              <a:rPr lang="en-CA" dirty="0" err="1" smtClean="0"/>
-              <a:t>parameters:'todo</a:t>
-            </a:r>
-            <a:r>
-              <a:rPr lang="en-CA" dirty="0" smtClean="0"/>
-              <a:t>[complete]=' + </a:t>
-            </a:r>
-            <a:r>
-              <a:rPr lang="en-CA" dirty="0" err="1" smtClean="0"/>
-              <a:t>element.checked</a:t>
-            </a:r>
-            <a:r>
-              <a:rPr lang="en-CA" dirty="0" smtClean="0"/>
-              <a:t> + '&amp;</a:t>
-            </a:r>
-            <a:r>
-              <a:rPr lang="en-CA" dirty="0" err="1" smtClean="0"/>
-              <a:t>authenticity_token</a:t>
-            </a:r>
-            <a:r>
-              <a:rPr lang="en-CA" dirty="0" smtClean="0"/>
-              <a:t>=' + </a:t>
-            </a:r>
-            <a:r>
-              <a:rPr lang="en-CA" dirty="0" err="1" smtClean="0"/>
-              <a:t>encodeURIComponent</a:t>
-            </a:r>
-            <a:r>
-              <a:rPr lang="en-CA" dirty="0" smtClean="0"/>
-              <a:t>('wNqAr3/4sRWFEV3QAT//L8gNkO35Re2impKlBkbxxYQ</a:t>
-            </a:r>
-            <a:r>
-              <a:rPr lang="en-CA" dirty="0" smtClean="0"/>
-              <a:t>=')})})</a:t>
-            </a:r>
-            <a:br>
-              <a:rPr lang="en-CA" dirty="0" smtClean="0"/>
-            </a:br>
-            <a:r>
-              <a:rPr lang="en-CA" dirty="0" smtClean="0"/>
-              <a:t/>
-            </a:r>
-            <a:br>
-              <a:rPr lang="en-CA" dirty="0" smtClean="0"/>
-            </a:br>
-            <a:r>
-              <a:rPr lang="en-CA" dirty="0" smtClean="0"/>
-              <a:t>//]]&gt;</a:t>
-            </a:r>
-            <a:br>
-              <a:rPr lang="en-CA" dirty="0" smtClean="0"/>
-            </a:br>
-            <a:r>
-              <a:rPr lang="en-CA" dirty="0" smtClean="0"/>
-              <a:t/>
-            </a:r>
-            <a:br>
-              <a:rPr lang="en-CA" dirty="0" smtClean="0"/>
-            </a:br>
-            <a:r>
-              <a:rPr lang="en-CA" dirty="0" smtClean="0"/>
-              <a:t>&lt;/script&gt;</a:t>
-            </a:r>
-            <a:r>
-              <a:rPr lang="en-CA" dirty="0" smtClean="0"/>
-              <a:t/>
-            </a:r>
-            <a:br>
-              <a:rPr lang="en-CA" dirty="0" smtClean="0"/>
-            </a:br>
-            <a:r>
-              <a:rPr lang="en-CA" dirty="0" smtClean="0"/>
-              <a:t>&lt;</a:t>
-            </a:r>
-            <a:r>
-              <a:rPr lang="en-CA" dirty="0" smtClean="0"/>
-              <a:t>span class="name"&gt;Take out Dog&lt;/span</a:t>
-            </a:r>
-            <a:r>
-              <a:rPr lang="en-CA" dirty="0" smtClean="0"/>
-              <a:t>&gt;</a:t>
+              <a:t>&lt;span class="name"&gt;Take out Dog&lt;/span&gt;</a:t>
             </a:r>
           </a:p>
           <a:p>
@@ -4431,26 +4358,14 @@
             </a:pPr>
             <a:r>
               <a:rPr lang="en-CA" dirty="0" smtClean="0"/>
-              <a:t>&lt;</a:t>
-            </a:r>
-            <a:r>
-              <a:rPr lang="en-CA" dirty="0" smtClean="0"/>
-              <a:t>div class="controls</a:t>
-            </a:r>
-            <a:r>
-              <a:rPr lang="en-CA" dirty="0" smtClean="0"/>
-              <a:t>"&gt;</a:t>
+              <a:t>&lt;div class="controls"&gt;</a:t>
             </a:r>
             <a:br>
               <a:rPr lang="en-CA" dirty="0" smtClean="0"/>
             </a:br>
             <a:r>
               <a:rPr lang="en-CA" dirty="0" smtClean="0"/>
-              <a:t>&lt;</a:t>
-            </a:r>
-            <a:r>
-              <a:rPr lang="en-CA" dirty="0" smtClean="0"/>
-              <a:t>a </a:t>
+              <a:t>&lt;a </a:t>
             </a:r>
             <a:r>
               <a:rPr lang="en-CA" dirty="0" err="1" smtClean="0"/>
@@ -4466,11 +4381,7 @@
             </a:r>
             <a:r>
               <a:rPr lang="en-CA" dirty="0" smtClean="0"/>
-              <a:t>/1/edit"&gt;Edit&lt;/a&gt; </a:t>
-            </a:r>
-            <a:r>
-              <a:rPr lang="en-CA" dirty="0" smtClean="0"/>
-              <a:t>|</a:t>
+              <a:t>/1/edit"&gt;Edit&lt;/a&gt; |</a:t>
             </a:r>
             <a:br>
               <a:rPr lang="en-CA" dirty="0" smtClean="0"/>
@@ -4673,15 +4584,7 @@
             </a:pPr>
             <a:r>
               <a:rPr lang="en-CA" dirty="0" smtClean="0"/>
-              <a:t>&lt;/</a:t>
-            </a:r>
-            <a:r>
-              <a:rPr lang="en-CA" dirty="0" smtClean="0"/>
-              <a:t>div</a:t>
-            </a:r>
-            <a:r>
-              <a:rPr lang="en-CA" dirty="0" smtClean="0"/>
-              <a:t>&gt;</a:t>
+              <a:t>&lt;/div&gt;</a:t>
             </a:r>
           </a:p>
           <a:p>
@@ -4747,7 +4650,6 @@
               <a:rPr lang="en-CA" dirty="0" smtClean="0"/>
               <a:t>" id="todo_1"&gt; </a:t>
             </a:r>
-            <a:endParaRPr lang="en-CA" dirty="0" smtClean="0"/>
           </a:p>
           <a:p>
             <a:pPr lvl="1">
@@ -4755,11 +4657,7 @@
             </a:pPr>
             <a:r>
               <a:rPr lang="en-CA" dirty="0" smtClean="0"/>
-              <a:t>&lt;input name</a:t>
-            </a:r>
-            <a:r>
-              <a:rPr lang="en-CA" dirty="0" smtClean="0"/>
-              <a:t>="</a:t>
+              <a:t>&lt;input name="</a:t>
             </a:r>
             <a:r>
               <a:rPr lang="en-CA" dirty="0" err="1" smtClean="0"/>
@@ -4767,11 +4665,7 @@
             </a:r>
             <a:r>
               <a:rPr lang="en-CA" dirty="0" smtClean="0"/>
-              <a:t>[1][complete]" type="hidden" value="0" </a:t>
-            </a:r>
-            <a:r>
-              <a:rPr lang="en-CA" dirty="0" smtClean="0"/>
-              <a:t>/&gt;</a:t>
+              <a:t>[1][complete]" type="hidden" value="0" /&gt;</a:t>
             </a:r>
           </a:p>
           <a:p>
@@ -4780,11 +4674,7 @@
             </a:pPr>
             <a:r>
               <a:rPr lang="en-CA" dirty="0" smtClean="0"/>
-              <a:t>&lt;</a:t>
-            </a:r>
-            <a:r>
-              <a:rPr lang="en-CA" dirty="0" smtClean="0"/>
-              <a:t>input id="todos_1_complete" name="</a:t>
+              <a:t>&lt;input id="todos_1_complete" name="</a:t>
             </a:r>
             <a:r>
               <a:rPr lang="en-CA" dirty="0" err="1" smtClean="0"/>
@@ -4794,7 +4684,6 @@
               <a:rPr lang="en-CA" dirty="0" smtClean="0"/>
               <a:t>[1][complete]" type="checkbox" value="1" /&gt; </a:t>
             </a:r>
-            <a:endParaRPr lang="en-CA" dirty="0" smtClean="0"/>
           </a:p>
           <a:p>
             <a:pPr lvl="1">
@@ -4802,13 +4691,8 @@
             </a:pPr>
             <a:r>
               <a:rPr lang="en-CA" dirty="0" smtClean="0"/>
-              <a:t>&lt;</a:t>
-            </a:r>
-            <a:r>
-              <a:rPr lang="en-CA" dirty="0" smtClean="0"/>
-              <a:t>span class="name"&gt;Take out Dog&lt;/span&gt; </a:t>
-            </a:r>
-            <a:endParaRPr lang="en-CA" dirty="0" smtClean="0"/>
+              <a:t>&lt;span class="name"&gt;Take out Dog&lt;/span&gt; </a:t>
+            </a:r>
           </a:p>
           <a:p>
             <a:pPr lvl="1">
@@ -4816,13 +4700,8 @@
             </a:pPr>
             <a:r>
               <a:rPr lang="en-CA" dirty="0" smtClean="0"/>
-              <a:t>&lt;</a:t>
-            </a:r>
-            <a:r>
-              <a:rPr lang="en-CA" dirty="0" smtClean="0"/>
-              <a:t>div class="controls"&gt; </a:t>
-            </a:r>
-            <a:endParaRPr lang="en-CA" dirty="0" smtClean="0"/>
+              <a:t>&lt;div class="controls"&gt; </a:t>
+            </a:r>
           </a:p>
           <a:p>
             <a:pPr lvl="1">
@@ -4830,15 +4709,7 @@
             </a:pPr>
             <a:r>
               <a:rPr lang="en-CA" dirty="0" smtClean="0"/>
-              <a:t>	</a:t>
-            </a:r>
-            <a:r>
-              <a:rPr lang="en-CA" dirty="0" smtClean="0"/>
-              <a:t>&lt;</a:t>
-            </a:r>
-            <a:r>
-              <a:rPr lang="en-CA" dirty="0" smtClean="0"/>
-              <a:t>a </a:t>
+              <a:t>	&lt;a </a:t>
             </a:r>
             <a:r>
               <a:rPr lang="en-CA" dirty="0" err="1" smtClean="0"/>
@@ -4880,7 +4751,6 @@
               <a:rPr lang="en-CA" dirty="0" smtClean="0"/>
               <a:t>" class="delete"&gt;Delete&lt;/a&gt; </a:t>
             </a:r>
-            <a:endParaRPr lang="en-CA" dirty="0" smtClean="0"/>
           </a:p>
           <a:p>
             <a:pPr lvl="1">
@@ -4888,13 +4758,8 @@
             </a:pPr>
             <a:r>
               <a:rPr lang="en-CA" dirty="0" smtClean="0"/>
-              <a:t>&lt;/</a:t>
-            </a:r>
-            <a:r>
-              <a:rPr lang="en-CA" dirty="0" smtClean="0"/>
-              <a:t>div&gt; </a:t>
-            </a:r>
-            <a:endParaRPr lang="en-CA" dirty="0" smtClean="0"/>
+              <a:t>&lt;/div&gt; </a:t>
+            </a:r>
           </a:p>
           <a:p>
             <a:pPr>
@@ -5067,13 +4932,7 @@
               <a:rPr lang="en-CA" dirty="0" smtClean="0">
                 <a:hlinkClick r:id="rId3"/>
               </a:rPr>
-              <a:t>http://github.com/anlek</a:t>
-            </a:r>
-            <a:r>
-              <a:rPr lang="en-CA" dirty="0" smtClean="0">
-                <a:hlinkClick r:id="rId3"/>
-              </a:rPr>
-              <a:t>/</a:t>
+              <a:t>http://github.com/anlek/</a:t>
             </a:r>
             <a:endParaRPr lang="en-CA" dirty="0" smtClean="0"/>
           </a:p>
@@ -5083,34 +4942,58 @@
           <a:p>
             <a:r>
               <a:rPr lang="en-CA" dirty="0" smtClean="0"/>
-              <a:t>Learn more on Unobtrusive </a:t>
-            </a:r>
-            <a:r>
-              <a:rPr lang="en-CA" dirty="0" err="1" smtClean="0"/>
-              <a:t>Javascript</a:t>
-            </a:r>
-            <a:r>
-              <a:rPr lang="en-CA" dirty="0" smtClean="0"/>
-              <a:t> at:</a:t>
-            </a:r>
-            <a:br>
-              <a:rPr lang="en-CA" dirty="0" smtClean="0"/>
-            </a:br>
-            <a:r>
-              <a:rPr lang="en-CA" dirty="0" smtClean="0"/>
-              <a:t> </a:t>
+              <a:t>Prototype: </a:t>
             </a:r>
             <a:r>
               <a:rPr lang="en-CA" dirty="0" smtClean="0">
                 <a:hlinkClick r:id="rId4"/>
               </a:rPr>
-              <a:t>https://</a:t>
+              <a:t>http://www.prototypejs.org/</a:t>
+            </a:r>
+            <a:endParaRPr lang="en-CA" dirty="0" smtClean="0"/>
+          </a:p>
+          <a:p>
+            <a:r>
+              <a:rPr lang="en-CA" dirty="0" err="1" smtClean="0"/>
+              <a:t>LowPro</a:t>
+            </a:r>
+            <a:r>
+              <a:rPr lang="en-CA" dirty="0" smtClean="0"/>
+              <a:t>:  </a:t>
             </a:r>
             <a:r>
               <a:rPr lang="en-CA" dirty="0" smtClean="0">
-                <a:hlinkClick r:id="rId4"/>
+                <a:hlinkClick r:id="rId5"/>
               </a:rPr>
-              <a:t>peepcode.com/products/unobtrusive-prototype-js</a:t>
+              <a:t>http://www.danwebb.net/lowpro</a:t>
+            </a:r>
+            <a:endParaRPr lang="en-CA" dirty="0" smtClean="0"/>
+          </a:p>
+          <a:p>
+            <a:r>
+              <a:rPr lang="en-CA" dirty="0" smtClean="0"/>
+              <a:t>Learn more on Unobtrusive </a:t>
+            </a:r>
+            <a:r>
+              <a:rPr lang="en-CA" dirty="0" err="1" smtClean="0"/>
+              <a:t>Javascript</a:t>
+            </a:r>
+            <a:r>
+              <a:rPr lang="en-CA" dirty="0" smtClean="0"/>
+              <a:t> at:</a:t>
+            </a:r>
+            <a:br>
+              <a:rPr lang="en-CA" dirty="0" smtClean="0"/>
+            </a:br>
+            <a:r>
+              <a:rPr lang="en-CA" dirty="0" smtClean="0"/>
+              <a:t> </a:t>
+            </a:r>
+            <a:r>
+              <a:rPr lang="en-CA" dirty="0" smtClean="0">
+                <a:hlinkClick r:id="rId6"/>
+              </a:rPr>
+              <a:t>https://peepcode.com/products/unobtrusive-prototype-js</a:t>
             </a:r>
             <a:endParaRPr lang="en-CA" dirty="0" smtClean="0"/>
           </a:p>
@@ -5137,7 +5020,7 @@
 <file path=ppt/theme/theme1.xml><?xml version="1.0" encoding="utf-8"?>
 <a:theme xmlns:a="http://schemas.openxmlformats.org/drawingml/2006/main" name="Median">
   <a:themeElements>
-    <a:clrScheme name="Median">
+    <a:clrScheme name="Unobtrusive JS Presentation">
       <a:dk1>
         <a:sysClr val="windowText" lastClr="000000"/>
       </a:dk1>
@@ -5154,13 +5037,13 @@
         <a:srgbClr val="94B6D2"/>
       </a:accent1>
       <a:accent2>
-        <a:srgbClr val="DD8047"/>
+        <a:srgbClr val="6A0000"/>
       </a:accent2>
       <a:accent3>
         <a:srgbClr val="A5AB81"/>
       </a:accent3>
       <a:accent4>
-        <a:srgbClr val="D8B25C"/>
+        <a:srgbClr val="006A00"/>
       </a:accent4>
       <a:accent5>
         <a:srgbClr val="7BA79D"/>
